--- a/docs/Presentation_template.pptx
+++ b/docs/Presentation_template.pptx
@@ -160,12 +160,41 @@
 </p:presentation>
 </file>
 
-<file path=ppt/revisionInfo.xml><?xml version="1.0" encoding="utf-8"?>
-<p1510:revInfo xmlns:a="http://schemas.openxmlformats.org/drawingml/2006/main" xmlns:r="http://schemas.openxmlformats.org/officeDocument/2006/relationships" xmlns:p1510="http://schemas.microsoft.com/office/powerpoint/2015/10/main">
-  <p1510:revLst>
-    <p1510:client id="{ADD1502A-EE5A-9941-91DD-9C6223369541}" v="49" dt="2019-06-02T18:44:21.130"/>
-  </p1510:revLst>
-</p1510:revInfo>
+<file path=ppt/changesInfos/changesInfo1.xml><?xml version="1.0" encoding="utf-8"?>
+<pc:chgInfo xmlns:a="http://schemas.openxmlformats.org/drawingml/2006/main" xmlns:r="http://schemas.openxmlformats.org/officeDocument/2006/relationships" xmlns:ac="http://schemas.microsoft.com/office/drawing/2013/main/command" xmlns:pc="http://schemas.microsoft.com/office/powerpoint/2013/main/command">
+  <pc:docChgLst>
+    <pc:chgData name="Bell, Emma" userId="604bf8ae-27c2-4d4d-a82b-f9254ed3bf26" providerId="ADAL" clId="{4D734C3A-A060-D545-857E-C2A823FB5538}"/>
+    <pc:docChg chg="custSel modSld">
+      <pc:chgData name="Bell, Emma" userId="604bf8ae-27c2-4d4d-a82b-f9254ed3bf26" providerId="ADAL" clId="{4D734C3A-A060-D545-857E-C2A823FB5538}" dt="2019-06-17T20:02:26.728" v="48" actId="20577"/>
+      <pc:docMkLst>
+        <pc:docMk/>
+      </pc:docMkLst>
+      <pc:sldChg chg="modSp">
+        <pc:chgData name="Bell, Emma" userId="604bf8ae-27c2-4d4d-a82b-f9254ed3bf26" providerId="ADAL" clId="{4D734C3A-A060-D545-857E-C2A823FB5538}" dt="2019-06-17T20:02:26.728" v="48" actId="20577"/>
+        <pc:sldMkLst>
+          <pc:docMk/>
+          <pc:sldMk cId="97927404" sldId="256"/>
+        </pc:sldMkLst>
+        <pc:spChg chg="mod">
+          <ac:chgData name="Bell, Emma" userId="604bf8ae-27c2-4d4d-a82b-f9254ed3bf26" providerId="ADAL" clId="{4D734C3A-A060-D545-857E-C2A823FB5538}" dt="2019-06-17T20:02:18.017" v="38" actId="27636"/>
+          <ac:spMkLst>
+            <pc:docMk/>
+            <pc:sldMk cId="97927404" sldId="256"/>
+            <ac:spMk id="2" creationId="{982B24C3-257E-7346-82A5-F096930209AE}"/>
+          </ac:spMkLst>
+        </pc:spChg>
+        <pc:spChg chg="mod">
+          <ac:chgData name="Bell, Emma" userId="604bf8ae-27c2-4d4d-a82b-f9254ed3bf26" providerId="ADAL" clId="{4D734C3A-A060-D545-857E-C2A823FB5538}" dt="2019-06-17T20:02:26.728" v="48" actId="20577"/>
+          <ac:spMkLst>
+            <pc:docMk/>
+            <pc:sldMk cId="97927404" sldId="256"/>
+            <ac:spMk id="3" creationId="{0E9C7B25-64B0-A140-A0E4-D246FC041E0D}"/>
+          </ac:spMkLst>
+        </pc:spChg>
+      </pc:sldChg>
+    </pc:docChg>
+  </pc:docChgLst>
+</pc:chgInfo>
 </file>
 
 <file path=ppt/notesMasters/notesMaster1.xml><?xml version="1.0" encoding="utf-8"?>
@@ -250,7 +279,7 @@
           <a:p>
             <a:fld id="{60C973AE-4BF1-E44A-BA01-3BBB7E758EB7}" type="datetimeFigureOut">
               <a:rPr lang="en-US" smtClean="0"/>
-              <a:t>6/2/19</a:t>
+              <a:t>6/17/19</a:t>
             </a:fld>
             <a:endParaRPr lang="en-US"/>
           </a:p>
@@ -1204,7 +1233,7 @@
           <a:p>
             <a:fld id="{88AC2A37-C366-204B-BEC9-67A1DF2E8BC6}" type="datetimeFigureOut">
               <a:rPr lang="en-US" smtClean="0"/>
-              <a:t>6/2/19</a:t>
+              <a:t>6/17/19</a:t>
             </a:fld>
             <a:endParaRPr lang="en-US"/>
           </a:p>
@@ -11105,7 +11134,7 @@
           <a:p>
             <a:fld id="{F8411435-0C09-2646-9F4F-0AC3F7D3A974}" type="datetimeFigureOut">
               <a:rPr lang="en-US" smtClean="0"/>
-              <a:t>6/2/19</a:t>
+              <a:t>6/17/19</a:t>
             </a:fld>
             <a:endParaRPr lang="en-US"/>
           </a:p>
@@ -11303,7 +11332,7 @@
           <a:p>
             <a:fld id="{F8411435-0C09-2646-9F4F-0AC3F7D3A974}" type="datetimeFigureOut">
               <a:rPr lang="en-US" smtClean="0"/>
-              <a:t>6/2/19</a:t>
+              <a:t>6/17/19</a:t>
             </a:fld>
             <a:endParaRPr lang="en-US"/>
           </a:p>
@@ -11578,7 +11607,7 @@
           <a:p>
             <a:fld id="{F8411435-0C09-2646-9F4F-0AC3F7D3A974}" type="datetimeFigureOut">
               <a:rPr lang="en-US" smtClean="0"/>
-              <a:t>6/2/19</a:t>
+              <a:t>6/17/19</a:t>
             </a:fld>
             <a:endParaRPr lang="en-US"/>
           </a:p>
@@ -11843,7 +11872,7 @@
           <a:p>
             <a:fld id="{F8411435-0C09-2646-9F4F-0AC3F7D3A974}" type="datetimeFigureOut">
               <a:rPr lang="en-US" smtClean="0"/>
-              <a:t>6/2/19</a:t>
+              <a:t>6/17/19</a:t>
             </a:fld>
             <a:endParaRPr lang="en-US"/>
           </a:p>
@@ -12255,7 +12284,7 @@
           <a:p>
             <a:fld id="{F8411435-0C09-2646-9F4F-0AC3F7D3A974}" type="datetimeFigureOut">
               <a:rPr lang="en-US" smtClean="0"/>
-              <a:t>6/2/19</a:t>
+              <a:t>6/17/19</a:t>
             </a:fld>
             <a:endParaRPr lang="en-US"/>
           </a:p>
@@ -12396,7 +12425,7 @@
           <a:p>
             <a:fld id="{F8411435-0C09-2646-9F4F-0AC3F7D3A974}" type="datetimeFigureOut">
               <a:rPr lang="en-US" smtClean="0"/>
-              <a:t>6/2/19</a:t>
+              <a:t>6/17/19</a:t>
             </a:fld>
             <a:endParaRPr lang="en-US"/>
           </a:p>
@@ -12509,7 +12538,7 @@
           <a:p>
             <a:fld id="{F8411435-0C09-2646-9F4F-0AC3F7D3A974}" type="datetimeFigureOut">
               <a:rPr lang="en-US" smtClean="0"/>
-              <a:t>6/2/19</a:t>
+              <a:t>6/17/19</a:t>
             </a:fld>
             <a:endParaRPr lang="en-US"/>
           </a:p>
@@ -12820,7 +12849,7 @@
           <a:p>
             <a:fld id="{F8411435-0C09-2646-9F4F-0AC3F7D3A974}" type="datetimeFigureOut">
               <a:rPr lang="en-US" smtClean="0"/>
-              <a:t>6/2/19</a:t>
+              <a:t>6/17/19</a:t>
             </a:fld>
             <a:endParaRPr lang="en-US"/>
           </a:p>
@@ -13108,7 +13137,7 @@
           <a:p>
             <a:fld id="{F8411435-0C09-2646-9F4F-0AC3F7D3A974}" type="datetimeFigureOut">
               <a:rPr lang="en-US" smtClean="0"/>
-              <a:t>6/2/19</a:t>
+              <a:t>6/17/19</a:t>
             </a:fld>
             <a:endParaRPr lang="en-US"/>
           </a:p>
@@ -13306,7 +13335,7 @@
           <a:p>
             <a:fld id="{F8411435-0C09-2646-9F4F-0AC3F7D3A974}" type="datetimeFigureOut">
               <a:rPr lang="en-US" smtClean="0"/>
-              <a:t>6/2/19</a:t>
+              <a:t>6/17/19</a:t>
             </a:fld>
             <a:endParaRPr lang="en-US"/>
           </a:p>
@@ -13724,7 +13753,7 @@
           <a:p>
             <a:fld id="{F8411435-0C09-2646-9F4F-0AC3F7D3A974}" type="datetimeFigureOut">
               <a:rPr lang="en-US" smtClean="0"/>
-              <a:t>6/2/19</a:t>
+              <a:t>6/17/19</a:t>
             </a:fld>
             <a:endParaRPr lang="en-US"/>
           </a:p>
@@ -18206,7 +18235,7 @@
           <a:p>
             <a:fld id="{F8411435-0C09-2646-9F4F-0AC3F7D3A974}" type="datetimeFigureOut">
               <a:rPr lang="en-US" smtClean="0"/>
-              <a:t>6/2/19</a:t>
+              <a:t>6/17/19</a:t>
             </a:fld>
             <a:endParaRPr lang="en-US"/>
           </a:p>
@@ -18718,7 +18747,7 @@
         </p:spPr>
         <p:txBody>
           <a:bodyPr anchor="b">
-            <a:normAutofit/>
+            <a:normAutofit fontScale="90000"/>
           </a:bodyPr>
           <a:lstStyle/>
           <a:p>
@@ -18731,7 +18760,7 @@
                 <a:latin typeface="+mn-lt"/>
                 <a:ea typeface="+mj-ea"/>
               </a:rPr>
-              <a:t>TITLE</a:t>
+              <a:t>Research Data Management Working Group</a:t>
             </a:r>
           </a:p>
         </p:txBody>
@@ -18771,34 +18800,7 @@
                   <a:srgbClr val="FFFFFF"/>
                 </a:solidFill>
               </a:rPr>
-              <a:t>Emma Bell, PhD</a:t>
-            </a:r>
-          </a:p>
-          <a:p>
-            <a:pPr algn="r"/>
-            <a:r>
-              <a:rPr lang="en-US" sz="1800" dirty="0" err="1">
-                <a:solidFill>
-                  <a:srgbClr val="FFFFFF"/>
-                </a:solidFill>
-              </a:rPr>
-              <a:t>emma.bell@uhnresearch.ca</a:t>
-            </a:r>
-            <a:endParaRPr lang="en-US" sz="1800" dirty="0">
-              <a:solidFill>
-                <a:srgbClr val="FFFFFF"/>
-              </a:solidFill>
-            </a:endParaRPr>
-          </a:p>
-          <a:p>
-            <a:pPr algn="r"/>
-            <a:r>
-              <a:rPr lang="en-US" sz="1800" dirty="0">
-                <a:solidFill>
-                  <a:srgbClr val="FFFFFF"/>
-                </a:solidFill>
-              </a:rPr>
-              <a:t>@emmabell42</a:t>
+              <a:t>2019-06-21</a:t>
             </a:r>
           </a:p>
         </p:txBody>
@@ -21619,7 +21621,7 @@
         <a:effectLst/>
         <a:extLst>
           <a:ext uri="{AF507438-7753-43e0-B8FC-AC1667EBCBE1}">
-            <a14:hiddenEffects xmlns:a14="http://schemas.microsoft.com/office/drawing/2010/main" xmlns="">
+            <a14:hiddenEffects xmlns="" xmlns:a14="http://schemas.microsoft.com/office/drawing/2010/main">
               <a:effectLst>
                 <a:outerShdw blurRad="63500" dist="38099" dir="2700000" algn="ctr" rotWithShape="0">
                   <a:schemeClr val="bg2">
@@ -21695,7 +21697,7 @@
         <a:effectLst/>
         <a:extLst>
           <a:ext uri="{AF507438-7753-43e0-B8FC-AC1667EBCBE1}">
-            <a14:hiddenEffects xmlns:a14="http://schemas.microsoft.com/office/drawing/2010/main" xmlns="">
+            <a14:hiddenEffects xmlns="" xmlns:a14="http://schemas.microsoft.com/office/drawing/2010/main">
               <a:effectLst>
                 <a:outerShdw blurRad="63500" dist="38099" dir="2700000" algn="ctr" rotWithShape="0">
                   <a:schemeClr val="bg2">
@@ -22286,7 +22288,7 @@
         <a:effectLst/>
         <a:extLst>
           <a:ext uri="{AF507438-7753-43e0-B8FC-AC1667EBCBE1}">
-            <a14:hiddenEffects xmlns:a14="http://schemas.microsoft.com/office/drawing/2010/main" xmlns="">
+            <a14:hiddenEffects xmlns="" xmlns:a14="http://schemas.microsoft.com/office/drawing/2010/main">
               <a:effectLst>
                 <a:outerShdw blurRad="63500" dist="38099" dir="2700000" algn="ctr" rotWithShape="0">
                   <a:schemeClr val="bg2">
@@ -22362,7 +22364,7 @@
         <a:effectLst/>
         <a:extLst>
           <a:ext uri="{AF507438-7753-43e0-B8FC-AC1667EBCBE1}">
-            <a14:hiddenEffects xmlns:a14="http://schemas.microsoft.com/office/drawing/2010/main" xmlns="">
+            <a14:hiddenEffects xmlns="" xmlns:a14="http://schemas.microsoft.com/office/drawing/2010/main">
               <a:effectLst>
                 <a:outerShdw blurRad="63500" dist="38099" dir="2700000" algn="ctr" rotWithShape="0">
                   <a:schemeClr val="bg2">
@@ -23153,7 +23155,7 @@
         <a:effectLst/>
         <a:extLst>
           <a:ext uri="{AF507438-7753-43e0-B8FC-AC1667EBCBE1}">
-            <a14:hiddenEffects xmlns:a14="http://schemas.microsoft.com/office/drawing/2010/main" xmlns="">
+            <a14:hiddenEffects xmlns="" xmlns:a14="http://schemas.microsoft.com/office/drawing/2010/main">
               <a:effectLst>
                 <a:outerShdw blurRad="63500" dist="38099" dir="2700000" algn="ctr" rotWithShape="0">
                   <a:schemeClr val="bg2">
@@ -23229,7 +23231,7 @@
         <a:effectLst/>
         <a:extLst>
           <a:ext uri="{AF507438-7753-43e0-B8FC-AC1667EBCBE1}">
-            <a14:hiddenEffects xmlns:a14="http://schemas.microsoft.com/office/drawing/2010/main" xmlns="">
+            <a14:hiddenEffects xmlns="" xmlns:a14="http://schemas.microsoft.com/office/drawing/2010/main">
               <a:effectLst>
                 <a:outerShdw blurRad="63500" dist="38099" dir="2700000" algn="ctr" rotWithShape="0">
                   <a:schemeClr val="bg2">
@@ -23820,7 +23822,7 @@
         <a:effectLst/>
         <a:extLst>
           <a:ext uri="{AF507438-7753-43e0-B8FC-AC1667EBCBE1}">
-            <a14:hiddenEffects xmlns:a14="http://schemas.microsoft.com/office/drawing/2010/main" xmlns="">
+            <a14:hiddenEffects xmlns="" xmlns:a14="http://schemas.microsoft.com/office/drawing/2010/main">
               <a:effectLst>
                 <a:outerShdw blurRad="63500" dist="38099" dir="2700000" algn="ctr" rotWithShape="0">
                   <a:schemeClr val="bg2">
@@ -23896,7 +23898,7 @@
         <a:effectLst/>
         <a:extLst>
           <a:ext uri="{AF507438-7753-43e0-B8FC-AC1667EBCBE1}">
-            <a14:hiddenEffects xmlns:a14="http://schemas.microsoft.com/office/drawing/2010/main" xmlns="">
+            <a14:hiddenEffects xmlns="" xmlns:a14="http://schemas.microsoft.com/office/drawing/2010/main">
               <a:effectLst>
                 <a:outerShdw blurRad="63500" dist="38099" dir="2700000" algn="ctr" rotWithShape="0">
                   <a:schemeClr val="bg2">
@@ -24687,7 +24689,7 @@
         <a:effectLst/>
         <a:extLst>
           <a:ext uri="{AF507438-7753-43e0-B8FC-AC1667EBCBE1}">
-            <a14:hiddenEffects xmlns:a14="http://schemas.microsoft.com/office/drawing/2010/main" xmlns="">
+            <a14:hiddenEffects xmlns="" xmlns:a14="http://schemas.microsoft.com/office/drawing/2010/main">
               <a:effectLst>
                 <a:outerShdw blurRad="63500" dist="38099" dir="2700000" algn="ctr" rotWithShape="0">
                   <a:schemeClr val="bg2">
@@ -24763,7 +24765,7 @@
         <a:effectLst/>
         <a:extLst>
           <a:ext uri="{AF507438-7753-43e0-B8FC-AC1667EBCBE1}">
-            <a14:hiddenEffects xmlns:a14="http://schemas.microsoft.com/office/drawing/2010/main" xmlns="">
+            <a14:hiddenEffects xmlns="" xmlns:a14="http://schemas.microsoft.com/office/drawing/2010/main">
               <a:effectLst>
                 <a:outerShdw blurRad="63500" dist="38099" dir="2700000" algn="ctr" rotWithShape="0">
                   <a:schemeClr val="bg2">
@@ -25354,7 +25356,7 @@
         <a:effectLst/>
         <a:extLst>
           <a:ext uri="{AF507438-7753-43e0-B8FC-AC1667EBCBE1}">
-            <a14:hiddenEffects xmlns:a14="http://schemas.microsoft.com/office/drawing/2010/main" xmlns="">
+            <a14:hiddenEffects xmlns="" xmlns:a14="http://schemas.microsoft.com/office/drawing/2010/main">
               <a:effectLst>
                 <a:outerShdw blurRad="63500" dist="38099" dir="2700000" algn="ctr" rotWithShape="0">
                   <a:schemeClr val="bg2">
@@ -25430,7 +25432,7 @@
         <a:effectLst/>
         <a:extLst>
           <a:ext uri="{AF507438-7753-43e0-B8FC-AC1667EBCBE1}">
-            <a14:hiddenEffects xmlns:a14="http://schemas.microsoft.com/office/drawing/2010/main" xmlns="">
+            <a14:hiddenEffects xmlns="" xmlns:a14="http://schemas.microsoft.com/office/drawing/2010/main">
               <a:effectLst>
                 <a:outerShdw blurRad="63500" dist="38099" dir="2700000" algn="ctr" rotWithShape="0">
                   <a:schemeClr val="bg2">

--- a/docs/Presentation_template.pptx
+++ b/docs/Presentation_template.pptx
@@ -11,19 +11,20 @@
     <p:sldMasterId id="2147483735" r:id="rId7"/>
   </p:sldMasterIdLst>
   <p:notesMasterIdLst>
-    <p:notesMasterId r:id="rId18"/>
+    <p:notesMasterId r:id="rId19"/>
   </p:notesMasterIdLst>
   <p:sldIdLst>
     <p:sldId id="256" r:id="rId8"/>
     <p:sldId id="258" r:id="rId9"/>
-    <p:sldId id="270" r:id="rId10"/>
-    <p:sldId id="281" r:id="rId11"/>
-    <p:sldId id="293" r:id="rId12"/>
-    <p:sldId id="291" r:id="rId13"/>
-    <p:sldId id="292" r:id="rId14"/>
-    <p:sldId id="290" r:id="rId15"/>
-    <p:sldId id="302" r:id="rId16"/>
-    <p:sldId id="286" r:id="rId17"/>
+    <p:sldId id="306" r:id="rId10"/>
+    <p:sldId id="270" r:id="rId11"/>
+    <p:sldId id="281" r:id="rId12"/>
+    <p:sldId id="293" r:id="rId13"/>
+    <p:sldId id="291" r:id="rId14"/>
+    <p:sldId id="292" r:id="rId15"/>
+    <p:sldId id="290" r:id="rId16"/>
+    <p:sldId id="302" r:id="rId17"/>
+    <p:sldId id="286" r:id="rId18"/>
   </p:sldIdLst>
   <p:sldSz cx="12192000" cy="6858000"/>
   <p:notesSz cx="6858000" cy="9144000"/>
@@ -160,12 +161,20 @@
 </p:presentation>
 </file>
 
+<file path=ppt/revisionInfo.xml><?xml version="1.0" encoding="utf-8"?>
+<p1510:revInfo xmlns:a="http://schemas.openxmlformats.org/drawingml/2006/main" xmlns:r="http://schemas.openxmlformats.org/officeDocument/2006/relationships" xmlns:p1510="http://schemas.microsoft.com/office/powerpoint/2015/10/main">
+  <p1510:revLst>
+    <p1510:client id="{4D734C3A-A060-D545-857E-C2A823FB5538}" v="988" dt="2019-06-27T20:02:19.536"/>
+  </p1510:revLst>
+</p1510:revInfo>
+</file>
+
 <file path=ppt/changesInfos/changesInfo1.xml><?xml version="1.0" encoding="utf-8"?>
 <pc:chgInfo xmlns:a="http://schemas.openxmlformats.org/drawingml/2006/main" xmlns:r="http://schemas.openxmlformats.org/officeDocument/2006/relationships" xmlns:ac="http://schemas.microsoft.com/office/drawing/2013/main/command" xmlns:pc="http://schemas.microsoft.com/office/powerpoint/2013/main/command">
   <pc:docChgLst>
     <pc:chgData name="Bell, Emma" userId="604bf8ae-27c2-4d4d-a82b-f9254ed3bf26" providerId="ADAL" clId="{4D734C3A-A060-D545-857E-C2A823FB5538}"/>
-    <pc:docChg chg="custSel modSld">
-      <pc:chgData name="Bell, Emma" userId="604bf8ae-27c2-4d4d-a82b-f9254ed3bf26" providerId="ADAL" clId="{4D734C3A-A060-D545-857E-C2A823FB5538}" dt="2019-06-17T20:02:26.728" v="48" actId="20577"/>
+    <pc:docChg chg="undo custSel addSld delSld modSld">
+      <pc:chgData name="Bell, Emma" userId="604bf8ae-27c2-4d4d-a82b-f9254ed3bf26" providerId="ADAL" clId="{4D734C3A-A060-D545-857E-C2A823FB5538}" dt="2019-06-28T13:23:35.221" v="1234" actId="2696"/>
       <pc:docMkLst>
         <pc:docMk/>
       </pc:docMkLst>
@@ -192,9 +201,3728 @@
           </ac:spMkLst>
         </pc:spChg>
       </pc:sldChg>
+      <pc:sldChg chg="modSp">
+        <pc:chgData name="Bell, Emma" userId="604bf8ae-27c2-4d4d-a82b-f9254ed3bf26" providerId="ADAL" clId="{4D734C3A-A060-D545-857E-C2A823FB5538}" dt="2019-06-27T19:12:24.407" v="140" actId="20577"/>
+        <pc:sldMkLst>
+          <pc:docMk/>
+          <pc:sldMk cId="354934040" sldId="258"/>
+        </pc:sldMkLst>
+        <pc:spChg chg="mod">
+          <ac:chgData name="Bell, Emma" userId="604bf8ae-27c2-4d4d-a82b-f9254ed3bf26" providerId="ADAL" clId="{4D734C3A-A060-D545-857E-C2A823FB5538}" dt="2019-06-27T19:12:24.407" v="140" actId="20577"/>
+          <ac:spMkLst>
+            <pc:docMk/>
+            <pc:sldMk cId="354934040" sldId="258"/>
+            <ac:spMk id="5" creationId="{66687CDB-721F-964A-BD29-2B6E02962EDC}"/>
+          </ac:spMkLst>
+        </pc:spChg>
+      </pc:sldChg>
+      <pc:sldChg chg="modSp">
+        <pc:chgData name="Bell, Emma" userId="604bf8ae-27c2-4d4d-a82b-f9254ed3bf26" providerId="ADAL" clId="{4D734C3A-A060-D545-857E-C2A823FB5538}" dt="2019-06-27T19:10:19.879" v="127" actId="20577"/>
+        <pc:sldMkLst>
+          <pc:docMk/>
+          <pc:sldMk cId="3670662670" sldId="270"/>
+        </pc:sldMkLst>
+        <pc:spChg chg="mod">
+          <ac:chgData name="Bell, Emma" userId="604bf8ae-27c2-4d4d-a82b-f9254ed3bf26" providerId="ADAL" clId="{4D734C3A-A060-D545-857E-C2A823FB5538}" dt="2019-06-27T19:10:19.879" v="127" actId="20577"/>
+          <ac:spMkLst>
+            <pc:docMk/>
+            <pc:sldMk cId="3670662670" sldId="270"/>
+            <ac:spMk id="4" creationId="{B6473C11-CD7D-A141-BE1C-D8B608DD66E4}"/>
+          </ac:spMkLst>
+        </pc:spChg>
+      </pc:sldChg>
+      <pc:sldChg chg="addSp delSp modSp add del">
+        <pc:chgData name="Bell, Emma" userId="604bf8ae-27c2-4d4d-a82b-f9254ed3bf26" providerId="ADAL" clId="{4D734C3A-A060-D545-857E-C2A823FB5538}" dt="2019-06-27T19:34:53.864" v="1084" actId="2696"/>
+        <pc:sldMkLst>
+          <pc:docMk/>
+          <pc:sldMk cId="3591411030" sldId="303"/>
+        </pc:sldMkLst>
+        <pc:spChg chg="add del mod">
+          <ac:chgData name="Bell, Emma" userId="604bf8ae-27c2-4d4d-a82b-f9254ed3bf26" providerId="ADAL" clId="{4D734C3A-A060-D545-857E-C2A823FB5538}" dt="2019-06-27T19:18:42.917" v="336"/>
+          <ac:spMkLst>
+            <pc:docMk/>
+            <pc:sldMk cId="3591411030" sldId="303"/>
+            <ac:spMk id="3" creationId="{E3BDBAE3-549E-F14E-A881-2F183413714B}"/>
+          </ac:spMkLst>
+        </pc:spChg>
+        <pc:spChg chg="add mod">
+          <ac:chgData name="Bell, Emma" userId="604bf8ae-27c2-4d4d-a82b-f9254ed3bf26" providerId="ADAL" clId="{4D734C3A-A060-D545-857E-C2A823FB5538}" dt="2019-06-27T19:19:08.614" v="414" actId="20577"/>
+          <ac:spMkLst>
+            <pc:docMk/>
+            <pc:sldMk cId="3591411030" sldId="303"/>
+            <ac:spMk id="4" creationId="{F63E92C6-531F-0E4A-828F-5D4E89D44188}"/>
+          </ac:spMkLst>
+        </pc:spChg>
+        <pc:spChg chg="add del mod">
+          <ac:chgData name="Bell, Emma" userId="604bf8ae-27c2-4d4d-a82b-f9254ed3bf26" providerId="ADAL" clId="{4D734C3A-A060-D545-857E-C2A823FB5538}" dt="2019-06-27T19:18:50.170" v="338"/>
+          <ac:spMkLst>
+            <pc:docMk/>
+            <pc:sldMk cId="3591411030" sldId="303"/>
+            <ac:spMk id="5" creationId="{994111EE-0D73-554F-9281-E17BEDCB602B}"/>
+          </ac:spMkLst>
+        </pc:spChg>
+        <pc:spChg chg="add del mod">
+          <ac:chgData name="Bell, Emma" userId="604bf8ae-27c2-4d4d-a82b-f9254ed3bf26" providerId="ADAL" clId="{4D734C3A-A060-D545-857E-C2A823FB5538}" dt="2019-06-27T19:33:14.767" v="1049" actId="478"/>
+          <ac:spMkLst>
+            <pc:docMk/>
+            <pc:sldMk cId="3591411030" sldId="303"/>
+            <ac:spMk id="7" creationId="{73D4C543-F0B1-DC42-98C9-6ABE48F6F5E4}"/>
+          </ac:spMkLst>
+        </pc:spChg>
+        <pc:spChg chg="add mod">
+          <ac:chgData name="Bell, Emma" userId="604bf8ae-27c2-4d4d-a82b-f9254ed3bf26" providerId="ADAL" clId="{4D734C3A-A060-D545-857E-C2A823FB5538}" dt="2019-06-27T19:34:52.560" v="1083" actId="1076"/>
+          <ac:spMkLst>
+            <pc:docMk/>
+            <pc:sldMk cId="3591411030" sldId="303"/>
+            <ac:spMk id="8" creationId="{1FD7E30C-6FAE-6249-87D8-0DFB83AF7946}"/>
+          </ac:spMkLst>
+        </pc:spChg>
+        <pc:spChg chg="add mod">
+          <ac:chgData name="Bell, Emma" userId="604bf8ae-27c2-4d4d-a82b-f9254ed3bf26" providerId="ADAL" clId="{4D734C3A-A060-D545-857E-C2A823FB5538}" dt="2019-06-27T19:34:52.322" v="1082" actId="14100"/>
+          <ac:spMkLst>
+            <pc:docMk/>
+            <pc:sldMk cId="3591411030" sldId="303"/>
+            <ac:spMk id="9" creationId="{FA5EDF58-D80A-CC4F-B389-6E0921432174}"/>
+          </ac:spMkLst>
+        </pc:spChg>
+        <pc:spChg chg="add mod">
+          <ac:chgData name="Bell, Emma" userId="604bf8ae-27c2-4d4d-a82b-f9254ed3bf26" providerId="ADAL" clId="{4D734C3A-A060-D545-857E-C2A823FB5538}" dt="2019-06-27T19:34:52.322" v="1082" actId="14100"/>
+          <ac:spMkLst>
+            <pc:docMk/>
+            <pc:sldMk cId="3591411030" sldId="303"/>
+            <ac:spMk id="10" creationId="{95CA49ED-5DC0-8146-851C-9CAE44DE3864}"/>
+          </ac:spMkLst>
+        </pc:spChg>
+        <pc:spChg chg="add mod">
+          <ac:chgData name="Bell, Emma" userId="604bf8ae-27c2-4d4d-a82b-f9254ed3bf26" providerId="ADAL" clId="{4D734C3A-A060-D545-857E-C2A823FB5538}" dt="2019-06-27T19:34:52.322" v="1082" actId="14100"/>
+          <ac:spMkLst>
+            <pc:docMk/>
+            <pc:sldMk cId="3591411030" sldId="303"/>
+            <ac:spMk id="11" creationId="{AB00EFC4-ADEA-C14A-A7F2-F44AF0DAA395}"/>
+          </ac:spMkLst>
+        </pc:spChg>
+        <pc:spChg chg="add mod">
+          <ac:chgData name="Bell, Emma" userId="604bf8ae-27c2-4d4d-a82b-f9254ed3bf26" providerId="ADAL" clId="{4D734C3A-A060-D545-857E-C2A823FB5538}" dt="2019-06-27T19:34:52.322" v="1082" actId="14100"/>
+          <ac:spMkLst>
+            <pc:docMk/>
+            <pc:sldMk cId="3591411030" sldId="303"/>
+            <ac:spMk id="12" creationId="{FC28AD17-F2C3-D843-BED6-5C47092E5A2E}"/>
+          </ac:spMkLst>
+        </pc:spChg>
+        <pc:spChg chg="add mod">
+          <ac:chgData name="Bell, Emma" userId="604bf8ae-27c2-4d4d-a82b-f9254ed3bf26" providerId="ADAL" clId="{4D734C3A-A060-D545-857E-C2A823FB5538}" dt="2019-06-27T19:34:52.322" v="1082" actId="14100"/>
+          <ac:spMkLst>
+            <pc:docMk/>
+            <pc:sldMk cId="3591411030" sldId="303"/>
+            <ac:spMk id="13" creationId="{DD586884-1E4A-EA42-B169-4AFEEE79495B}"/>
+          </ac:spMkLst>
+        </pc:spChg>
+        <pc:graphicFrameChg chg="add del mod">
+          <ac:chgData name="Bell, Emma" userId="604bf8ae-27c2-4d4d-a82b-f9254ed3bf26" providerId="ADAL" clId="{4D734C3A-A060-D545-857E-C2A823FB5538}" dt="2019-06-27T19:18:48.724" v="337"/>
+          <ac:graphicFrameMkLst>
+            <pc:docMk/>
+            <pc:sldMk cId="3591411030" sldId="303"/>
+            <ac:graphicFrameMk id="2" creationId="{084761C2-8378-3D4B-824D-CFFC4A568419}"/>
+          </ac:graphicFrameMkLst>
+        </pc:graphicFrameChg>
+        <pc:graphicFrameChg chg="add del mod">
+          <ac:chgData name="Bell, Emma" userId="604bf8ae-27c2-4d4d-a82b-f9254ed3bf26" providerId="ADAL" clId="{4D734C3A-A060-D545-857E-C2A823FB5538}" dt="2019-06-27T19:33:13.129" v="1048" actId="478"/>
+          <ac:graphicFrameMkLst>
+            <pc:docMk/>
+            <pc:sldMk cId="3591411030" sldId="303"/>
+            <ac:graphicFrameMk id="6" creationId="{058C4080-E575-D941-8516-DAF6B83B2F9A}"/>
+          </ac:graphicFrameMkLst>
+        </pc:graphicFrameChg>
+      </pc:sldChg>
+      <pc:sldChg chg="modSp add del">
+        <pc:chgData name="Bell, Emma" userId="604bf8ae-27c2-4d4d-a82b-f9254ed3bf26" providerId="ADAL" clId="{4D734C3A-A060-D545-857E-C2A823FB5538}" dt="2019-06-28T13:23:35.221" v="1234" actId="2696"/>
+        <pc:sldMkLst>
+          <pc:docMk/>
+          <pc:sldMk cId="2904583340" sldId="304"/>
+        </pc:sldMkLst>
+        <pc:graphicFrameChg chg="mod">
+          <ac:chgData name="Bell, Emma" userId="604bf8ae-27c2-4d4d-a82b-f9254ed3bf26" providerId="ADAL" clId="{4D734C3A-A060-D545-857E-C2A823FB5538}" dt="2019-06-27T20:01:20.959" v="1225" actId="14100"/>
+          <ac:graphicFrameMkLst>
+            <pc:docMk/>
+            <pc:sldMk cId="2904583340" sldId="304"/>
+            <ac:graphicFrameMk id="6" creationId="{058C4080-E575-D941-8516-DAF6B83B2F9A}"/>
+          </ac:graphicFrameMkLst>
+        </pc:graphicFrameChg>
+      </pc:sldChg>
+      <pc:sldChg chg="add del">
+        <pc:chgData name="Bell, Emma" userId="604bf8ae-27c2-4d4d-a82b-f9254ed3bf26" providerId="ADAL" clId="{4D734C3A-A060-D545-857E-C2A823FB5538}" dt="2019-06-27T20:01:27.775" v="1226" actId="2696"/>
+        <pc:sldMkLst>
+          <pc:docMk/>
+          <pc:sldMk cId="2724171031" sldId="305"/>
+        </pc:sldMkLst>
+      </pc:sldChg>
+      <pc:sldChg chg="modSp add">
+        <pc:chgData name="Bell, Emma" userId="604bf8ae-27c2-4d4d-a82b-f9254ed3bf26" providerId="ADAL" clId="{4D734C3A-A060-D545-857E-C2A823FB5538}" dt="2019-06-27T20:02:19.536" v="1233" actId="12"/>
+        <pc:sldMkLst>
+          <pc:docMk/>
+          <pc:sldMk cId="1709571731" sldId="306"/>
+        </pc:sldMkLst>
+        <pc:graphicFrameChg chg="mod">
+          <ac:chgData name="Bell, Emma" userId="604bf8ae-27c2-4d4d-a82b-f9254ed3bf26" providerId="ADAL" clId="{4D734C3A-A060-D545-857E-C2A823FB5538}" dt="2019-06-27T20:02:19.536" v="1233" actId="12"/>
+          <ac:graphicFrameMkLst>
+            <pc:docMk/>
+            <pc:sldMk cId="1709571731" sldId="306"/>
+            <ac:graphicFrameMk id="6" creationId="{058C4080-E575-D941-8516-DAF6B83B2F9A}"/>
+          </ac:graphicFrameMkLst>
+        </pc:graphicFrameChg>
+      </pc:sldChg>
     </pc:docChg>
   </pc:docChgLst>
 </pc:chgInfo>
+</file>
+
+<file path=ppt/diagrams/colors1.xml><?xml version="1.0" encoding="utf-8"?>
+<dgm:colorsDef xmlns:dgm="http://schemas.openxmlformats.org/drawingml/2006/diagram" xmlns:a="http://schemas.openxmlformats.org/drawingml/2006/main" uniqueId="urn:microsoft.com/office/officeart/2005/8/colors/accent1_2">
+  <dgm:title val=""/>
+  <dgm:desc val=""/>
+  <dgm:catLst>
+    <dgm:cat type="accent1" pri="11200"/>
+  </dgm:catLst>
+  <dgm:styleLbl name="node0">
+    <dgm:fillClrLst meth="repeat">
+      <a:schemeClr val="accent1"/>
+    </dgm:fillClrLst>
+    <dgm:linClrLst meth="repeat">
+      <a:schemeClr val="lt1"/>
+    </dgm:linClrLst>
+    <dgm:effectClrLst/>
+    <dgm:txLinClrLst/>
+    <dgm:txFillClrLst/>
+    <dgm:txEffectClrLst/>
+  </dgm:styleLbl>
+  <dgm:styleLbl name="alignNode1">
+    <dgm:fillClrLst meth="repeat">
+      <a:schemeClr val="accent1"/>
+    </dgm:fillClrLst>
+    <dgm:linClrLst meth="repeat">
+      <a:schemeClr val="accent1"/>
+    </dgm:linClrLst>
+    <dgm:effectClrLst/>
+    <dgm:txLinClrLst/>
+    <dgm:txFillClrLst/>
+    <dgm:txEffectClrLst/>
+  </dgm:styleLbl>
+  <dgm:styleLbl name="node1">
+    <dgm:fillClrLst meth="repeat">
+      <a:schemeClr val="accent1"/>
+    </dgm:fillClrLst>
+    <dgm:linClrLst meth="repeat">
+      <a:schemeClr val="lt1"/>
+    </dgm:linClrLst>
+    <dgm:effectClrLst/>
+    <dgm:txLinClrLst/>
+    <dgm:txFillClrLst/>
+    <dgm:txEffectClrLst/>
+  </dgm:styleLbl>
+  <dgm:styleLbl name="lnNode1">
+    <dgm:fillClrLst meth="repeat">
+      <a:schemeClr val="accent1"/>
+    </dgm:fillClrLst>
+    <dgm:linClrLst meth="repeat">
+      <a:schemeClr val="lt1"/>
+    </dgm:linClrLst>
+    <dgm:effectClrLst/>
+    <dgm:txLinClrLst/>
+    <dgm:txFillClrLst/>
+    <dgm:txEffectClrLst/>
+  </dgm:styleLbl>
+  <dgm:styleLbl name="vennNode1">
+    <dgm:fillClrLst meth="repeat">
+      <a:schemeClr val="accent1">
+        <a:alpha val="50000"/>
+      </a:schemeClr>
+    </dgm:fillClrLst>
+    <dgm:linClrLst meth="repeat">
+      <a:schemeClr val="lt1"/>
+    </dgm:linClrLst>
+    <dgm:effectClrLst/>
+    <dgm:txLinClrLst/>
+    <dgm:txFillClrLst/>
+    <dgm:txEffectClrLst/>
+  </dgm:styleLbl>
+  <dgm:styleLbl name="node2">
+    <dgm:fillClrLst meth="repeat">
+      <a:schemeClr val="accent1"/>
+    </dgm:fillClrLst>
+    <dgm:linClrLst meth="repeat">
+      <a:schemeClr val="lt1"/>
+    </dgm:linClrLst>
+    <dgm:effectClrLst/>
+    <dgm:txLinClrLst/>
+    <dgm:txFillClrLst/>
+    <dgm:txEffectClrLst/>
+  </dgm:styleLbl>
+  <dgm:styleLbl name="node3">
+    <dgm:fillClrLst meth="repeat">
+      <a:schemeClr val="accent1"/>
+    </dgm:fillClrLst>
+    <dgm:linClrLst meth="repeat">
+      <a:schemeClr val="lt1"/>
+    </dgm:linClrLst>
+    <dgm:effectClrLst/>
+    <dgm:txLinClrLst/>
+    <dgm:txFillClrLst/>
+    <dgm:txEffectClrLst/>
+  </dgm:styleLbl>
+  <dgm:styleLbl name="node4">
+    <dgm:fillClrLst meth="repeat">
+      <a:schemeClr val="accent1"/>
+    </dgm:fillClrLst>
+    <dgm:linClrLst meth="repeat">
+      <a:schemeClr val="lt1"/>
+    </dgm:linClrLst>
+    <dgm:effectClrLst/>
+    <dgm:txLinClrLst/>
+    <dgm:txFillClrLst/>
+    <dgm:txEffectClrLst/>
+  </dgm:styleLbl>
+  <dgm:styleLbl name="fgImgPlace1">
+    <dgm:fillClrLst meth="repeat">
+      <a:schemeClr val="accent1">
+        <a:tint val="50000"/>
+      </a:schemeClr>
+    </dgm:fillClrLst>
+    <dgm:linClrLst meth="repeat">
+      <a:schemeClr val="lt1"/>
+    </dgm:linClrLst>
+    <dgm:effectClrLst/>
+    <dgm:txLinClrLst/>
+    <dgm:txFillClrLst meth="repeat">
+      <a:schemeClr val="lt1"/>
+    </dgm:txFillClrLst>
+    <dgm:txEffectClrLst/>
+  </dgm:styleLbl>
+  <dgm:styleLbl name="alignImgPlace1">
+    <dgm:fillClrLst meth="repeat">
+      <a:schemeClr val="accent1">
+        <a:tint val="50000"/>
+      </a:schemeClr>
+    </dgm:fillClrLst>
+    <dgm:linClrLst meth="repeat">
+      <a:schemeClr val="lt1"/>
+    </dgm:linClrLst>
+    <dgm:effectClrLst/>
+    <dgm:txLinClrLst/>
+    <dgm:txFillClrLst meth="repeat">
+      <a:schemeClr val="lt1"/>
+    </dgm:txFillClrLst>
+    <dgm:txEffectClrLst/>
+  </dgm:styleLbl>
+  <dgm:styleLbl name="bgImgPlace1">
+    <dgm:fillClrLst meth="repeat">
+      <a:schemeClr val="accent1">
+        <a:tint val="50000"/>
+      </a:schemeClr>
+    </dgm:fillClrLst>
+    <dgm:linClrLst meth="repeat">
+      <a:schemeClr val="lt1"/>
+    </dgm:linClrLst>
+    <dgm:effectClrLst/>
+    <dgm:txLinClrLst/>
+    <dgm:txFillClrLst meth="repeat">
+      <a:schemeClr val="lt1"/>
+    </dgm:txFillClrLst>
+    <dgm:txEffectClrLst/>
+  </dgm:styleLbl>
+  <dgm:styleLbl name="sibTrans2D1">
+    <dgm:fillClrLst meth="repeat">
+      <a:schemeClr val="accent1">
+        <a:tint val="60000"/>
+      </a:schemeClr>
+    </dgm:fillClrLst>
+    <dgm:linClrLst meth="repeat">
+      <a:schemeClr val="accent1">
+        <a:tint val="60000"/>
+      </a:schemeClr>
+    </dgm:linClrLst>
+    <dgm:effectClrLst/>
+    <dgm:txLinClrLst/>
+    <dgm:txFillClrLst/>
+    <dgm:txEffectClrLst/>
+  </dgm:styleLbl>
+  <dgm:styleLbl name="fgSibTrans2D1">
+    <dgm:fillClrLst meth="repeat">
+      <a:schemeClr val="accent1">
+        <a:tint val="60000"/>
+      </a:schemeClr>
+    </dgm:fillClrLst>
+    <dgm:linClrLst meth="repeat">
+      <a:schemeClr val="accent1">
+        <a:tint val="60000"/>
+      </a:schemeClr>
+    </dgm:linClrLst>
+    <dgm:effectClrLst/>
+    <dgm:txLinClrLst/>
+    <dgm:txFillClrLst/>
+    <dgm:txEffectClrLst/>
+  </dgm:styleLbl>
+  <dgm:styleLbl name="bgSibTrans2D1">
+    <dgm:fillClrLst meth="repeat">
+      <a:schemeClr val="accent1">
+        <a:tint val="60000"/>
+      </a:schemeClr>
+    </dgm:fillClrLst>
+    <dgm:linClrLst meth="repeat">
+      <a:schemeClr val="accent1">
+        <a:tint val="60000"/>
+      </a:schemeClr>
+    </dgm:linClrLst>
+    <dgm:effectClrLst/>
+    <dgm:txLinClrLst/>
+    <dgm:txFillClrLst/>
+    <dgm:txEffectClrLst/>
+  </dgm:styleLbl>
+  <dgm:styleLbl name="sibTrans1D1">
+    <dgm:fillClrLst meth="repeat">
+      <a:schemeClr val="accent1"/>
+    </dgm:fillClrLst>
+    <dgm:linClrLst meth="repeat">
+      <a:schemeClr val="accent1"/>
+    </dgm:linClrLst>
+    <dgm:effectClrLst/>
+    <dgm:txLinClrLst/>
+    <dgm:txFillClrLst meth="repeat">
+      <a:schemeClr val="tx1"/>
+    </dgm:txFillClrLst>
+    <dgm:txEffectClrLst/>
+  </dgm:styleLbl>
+  <dgm:styleLbl name="callout">
+    <dgm:fillClrLst meth="repeat">
+      <a:schemeClr val="accent1"/>
+    </dgm:fillClrLst>
+    <dgm:linClrLst meth="repeat">
+      <a:schemeClr val="accent1">
+        <a:tint val="50000"/>
+      </a:schemeClr>
+    </dgm:linClrLst>
+    <dgm:effectClrLst/>
+    <dgm:txLinClrLst/>
+    <dgm:txFillClrLst meth="repeat">
+      <a:schemeClr val="tx1"/>
+    </dgm:txFillClrLst>
+    <dgm:txEffectClrLst/>
+  </dgm:styleLbl>
+  <dgm:styleLbl name="asst0">
+    <dgm:fillClrLst meth="repeat">
+      <a:schemeClr val="accent1"/>
+    </dgm:fillClrLst>
+    <dgm:linClrLst meth="repeat">
+      <a:schemeClr val="lt1"/>
+    </dgm:linClrLst>
+    <dgm:effectClrLst/>
+    <dgm:txLinClrLst/>
+    <dgm:txFillClrLst/>
+    <dgm:txEffectClrLst/>
+  </dgm:styleLbl>
+  <dgm:styleLbl name="asst1">
+    <dgm:fillClrLst meth="repeat">
+      <a:schemeClr val="accent1"/>
+    </dgm:fillClrLst>
+    <dgm:linClrLst meth="repeat">
+      <a:schemeClr val="lt1"/>
+    </dgm:linClrLst>
+    <dgm:effectClrLst/>
+    <dgm:txLinClrLst/>
+    <dgm:txFillClrLst/>
+    <dgm:txEffectClrLst/>
+  </dgm:styleLbl>
+  <dgm:styleLbl name="asst2">
+    <dgm:fillClrLst meth="repeat">
+      <a:schemeClr val="accent1"/>
+    </dgm:fillClrLst>
+    <dgm:linClrLst meth="repeat">
+      <a:schemeClr val="lt1"/>
+    </dgm:linClrLst>
+    <dgm:effectClrLst/>
+    <dgm:txLinClrLst/>
+    <dgm:txFillClrLst/>
+    <dgm:txEffectClrLst/>
+  </dgm:styleLbl>
+  <dgm:styleLbl name="asst3">
+    <dgm:fillClrLst meth="repeat">
+      <a:schemeClr val="accent1"/>
+    </dgm:fillClrLst>
+    <dgm:linClrLst meth="repeat">
+      <a:schemeClr val="lt1"/>
+    </dgm:linClrLst>
+    <dgm:effectClrLst/>
+    <dgm:txLinClrLst/>
+    <dgm:txFillClrLst/>
+    <dgm:txEffectClrLst/>
+  </dgm:styleLbl>
+  <dgm:styleLbl name="asst4">
+    <dgm:fillClrLst meth="repeat">
+      <a:schemeClr val="accent1"/>
+    </dgm:fillClrLst>
+    <dgm:linClrLst meth="repeat">
+      <a:schemeClr val="lt1"/>
+    </dgm:linClrLst>
+    <dgm:effectClrLst/>
+    <dgm:txLinClrLst/>
+    <dgm:txFillClrLst/>
+    <dgm:txEffectClrLst/>
+  </dgm:styleLbl>
+  <dgm:styleLbl name="parChTrans2D1">
+    <dgm:fillClrLst meth="repeat">
+      <a:schemeClr val="accent1">
+        <a:tint val="60000"/>
+      </a:schemeClr>
+    </dgm:fillClrLst>
+    <dgm:linClrLst meth="repeat">
+      <a:schemeClr val="accent1">
+        <a:tint val="60000"/>
+      </a:schemeClr>
+    </dgm:linClrLst>
+    <dgm:effectClrLst/>
+    <dgm:txLinClrLst/>
+    <dgm:txFillClrLst meth="repeat">
+      <a:schemeClr val="lt1"/>
+    </dgm:txFillClrLst>
+    <dgm:txEffectClrLst/>
+  </dgm:styleLbl>
+  <dgm:styleLbl name="parChTrans2D2">
+    <dgm:fillClrLst meth="repeat">
+      <a:schemeClr val="accent1"/>
+    </dgm:fillClrLst>
+    <dgm:linClrLst meth="repeat">
+      <a:schemeClr val="accent1"/>
+    </dgm:linClrLst>
+    <dgm:effectClrLst/>
+    <dgm:txLinClrLst/>
+    <dgm:txFillClrLst meth="repeat">
+      <a:schemeClr val="lt1"/>
+    </dgm:txFillClrLst>
+    <dgm:txEffectClrLst/>
+  </dgm:styleLbl>
+  <dgm:styleLbl name="parChTrans2D3">
+    <dgm:fillClrLst meth="repeat">
+      <a:schemeClr val="accent1"/>
+    </dgm:fillClrLst>
+    <dgm:linClrLst meth="repeat">
+      <a:schemeClr val="accent1"/>
+    </dgm:linClrLst>
+    <dgm:effectClrLst/>
+    <dgm:txLinClrLst/>
+    <dgm:txFillClrLst meth="repeat">
+      <a:schemeClr val="lt1"/>
+    </dgm:txFillClrLst>
+    <dgm:txEffectClrLst/>
+  </dgm:styleLbl>
+  <dgm:styleLbl name="parChTrans2D4">
+    <dgm:fillClrLst meth="repeat">
+      <a:schemeClr val="accent1"/>
+    </dgm:fillClrLst>
+    <dgm:linClrLst meth="repeat">
+      <a:schemeClr val="accent1"/>
+    </dgm:linClrLst>
+    <dgm:effectClrLst/>
+    <dgm:txLinClrLst/>
+    <dgm:txFillClrLst meth="repeat">
+      <a:schemeClr val="lt1"/>
+    </dgm:txFillClrLst>
+    <dgm:txEffectClrLst/>
+  </dgm:styleLbl>
+  <dgm:styleLbl name="parChTrans1D1">
+    <dgm:fillClrLst meth="repeat">
+      <a:schemeClr val="accent1"/>
+    </dgm:fillClrLst>
+    <dgm:linClrLst meth="repeat">
+      <a:schemeClr val="accent1">
+        <a:shade val="60000"/>
+      </a:schemeClr>
+    </dgm:linClrLst>
+    <dgm:effectClrLst/>
+    <dgm:txLinClrLst/>
+    <dgm:txFillClrLst meth="repeat">
+      <a:schemeClr val="tx1"/>
+    </dgm:txFillClrLst>
+    <dgm:txEffectClrLst/>
+  </dgm:styleLbl>
+  <dgm:styleLbl name="parChTrans1D2">
+    <dgm:fillClrLst meth="repeat">
+      <a:schemeClr val="accent1"/>
+    </dgm:fillClrLst>
+    <dgm:linClrLst meth="repeat">
+      <a:schemeClr val="accent1">
+        <a:shade val="60000"/>
+      </a:schemeClr>
+    </dgm:linClrLst>
+    <dgm:effectClrLst/>
+    <dgm:txLinClrLst/>
+    <dgm:txFillClrLst meth="repeat">
+      <a:schemeClr val="tx1"/>
+    </dgm:txFillClrLst>
+    <dgm:txEffectClrLst/>
+  </dgm:styleLbl>
+  <dgm:styleLbl name="parChTrans1D3">
+    <dgm:fillClrLst meth="repeat">
+      <a:schemeClr val="accent1"/>
+    </dgm:fillClrLst>
+    <dgm:linClrLst meth="repeat">
+      <a:schemeClr val="accent1">
+        <a:shade val="80000"/>
+      </a:schemeClr>
+    </dgm:linClrLst>
+    <dgm:effectClrLst/>
+    <dgm:txLinClrLst/>
+    <dgm:txFillClrLst meth="repeat">
+      <a:schemeClr val="tx1"/>
+    </dgm:txFillClrLst>
+    <dgm:txEffectClrLst/>
+  </dgm:styleLbl>
+  <dgm:styleLbl name="parChTrans1D4">
+    <dgm:fillClrLst meth="repeat">
+      <a:schemeClr val="accent1"/>
+    </dgm:fillClrLst>
+    <dgm:linClrLst meth="repeat">
+      <a:schemeClr val="accent1">
+        <a:shade val="80000"/>
+      </a:schemeClr>
+    </dgm:linClrLst>
+    <dgm:effectClrLst/>
+    <dgm:txLinClrLst/>
+    <dgm:txFillClrLst meth="repeat">
+      <a:schemeClr val="tx1"/>
+    </dgm:txFillClrLst>
+    <dgm:txEffectClrLst/>
+  </dgm:styleLbl>
+  <dgm:styleLbl name="fgAcc1">
+    <dgm:fillClrLst meth="repeat">
+      <a:schemeClr val="lt1">
+        <a:alpha val="90000"/>
+      </a:schemeClr>
+    </dgm:fillClrLst>
+    <dgm:linClrLst meth="repeat">
+      <a:schemeClr val="accent1"/>
+    </dgm:linClrLst>
+    <dgm:effectClrLst/>
+    <dgm:txLinClrLst/>
+    <dgm:txFillClrLst meth="repeat">
+      <a:schemeClr val="dk1"/>
+    </dgm:txFillClrLst>
+    <dgm:txEffectClrLst/>
+  </dgm:styleLbl>
+  <dgm:styleLbl name="conFgAcc1">
+    <dgm:fillClrLst meth="repeat">
+      <a:schemeClr val="lt1">
+        <a:alpha val="90000"/>
+      </a:schemeClr>
+    </dgm:fillClrLst>
+    <dgm:linClrLst meth="repeat">
+      <a:schemeClr val="accent1"/>
+    </dgm:linClrLst>
+    <dgm:effectClrLst/>
+    <dgm:txLinClrLst/>
+    <dgm:txFillClrLst meth="repeat">
+      <a:schemeClr val="dk1"/>
+    </dgm:txFillClrLst>
+    <dgm:txEffectClrLst/>
+  </dgm:styleLbl>
+  <dgm:styleLbl name="alignAcc1">
+    <dgm:fillClrLst meth="repeat">
+      <a:schemeClr val="lt1">
+        <a:alpha val="90000"/>
+      </a:schemeClr>
+    </dgm:fillClrLst>
+    <dgm:linClrLst meth="repeat">
+      <a:schemeClr val="accent1"/>
+    </dgm:linClrLst>
+    <dgm:effectClrLst/>
+    <dgm:txLinClrLst/>
+    <dgm:txFillClrLst meth="repeat">
+      <a:schemeClr val="dk1"/>
+    </dgm:txFillClrLst>
+    <dgm:txEffectClrLst/>
+  </dgm:styleLbl>
+  <dgm:styleLbl name="trAlignAcc1">
+    <dgm:fillClrLst meth="repeat">
+      <a:schemeClr val="lt1">
+        <a:alpha val="40000"/>
+      </a:schemeClr>
+    </dgm:fillClrLst>
+    <dgm:linClrLst meth="repeat">
+      <a:schemeClr val="accent1"/>
+    </dgm:linClrLst>
+    <dgm:effectClrLst/>
+    <dgm:txLinClrLst/>
+    <dgm:txFillClrLst meth="repeat">
+      <a:schemeClr val="dk1"/>
+    </dgm:txFillClrLst>
+    <dgm:txEffectClrLst/>
+  </dgm:styleLbl>
+  <dgm:styleLbl name="bgAcc1">
+    <dgm:fillClrLst meth="repeat">
+      <a:schemeClr val="lt1">
+        <a:alpha val="90000"/>
+      </a:schemeClr>
+    </dgm:fillClrLst>
+    <dgm:linClrLst meth="repeat">
+      <a:schemeClr val="accent1"/>
+    </dgm:linClrLst>
+    <dgm:effectClrLst/>
+    <dgm:txLinClrLst/>
+    <dgm:txFillClrLst meth="repeat">
+      <a:schemeClr val="dk1"/>
+    </dgm:txFillClrLst>
+    <dgm:txEffectClrLst/>
+  </dgm:styleLbl>
+  <dgm:styleLbl name="solidFgAcc1">
+    <dgm:fillClrLst meth="repeat">
+      <a:schemeClr val="lt1"/>
+    </dgm:fillClrLst>
+    <dgm:linClrLst meth="repeat">
+      <a:schemeClr val="accent1"/>
+    </dgm:linClrLst>
+    <dgm:effectClrLst/>
+    <dgm:txLinClrLst/>
+    <dgm:txFillClrLst meth="repeat">
+      <a:schemeClr val="dk1"/>
+    </dgm:txFillClrLst>
+    <dgm:txEffectClrLst/>
+  </dgm:styleLbl>
+  <dgm:styleLbl name="solidAlignAcc1">
+    <dgm:fillClrLst meth="repeat">
+      <a:schemeClr val="lt1"/>
+    </dgm:fillClrLst>
+    <dgm:linClrLst meth="repeat">
+      <a:schemeClr val="accent1"/>
+    </dgm:linClrLst>
+    <dgm:effectClrLst/>
+    <dgm:txLinClrLst/>
+    <dgm:txFillClrLst meth="repeat">
+      <a:schemeClr val="dk1"/>
+    </dgm:txFillClrLst>
+    <dgm:txEffectClrLst/>
+  </dgm:styleLbl>
+  <dgm:styleLbl name="solidBgAcc1">
+    <dgm:fillClrLst meth="repeat">
+      <a:schemeClr val="lt1"/>
+    </dgm:fillClrLst>
+    <dgm:linClrLst meth="repeat">
+      <a:schemeClr val="accent1"/>
+    </dgm:linClrLst>
+    <dgm:effectClrLst/>
+    <dgm:txLinClrLst/>
+    <dgm:txFillClrLst meth="repeat">
+      <a:schemeClr val="dk1"/>
+    </dgm:txFillClrLst>
+    <dgm:txEffectClrLst/>
+  </dgm:styleLbl>
+  <dgm:styleLbl name="fgAccFollowNode1">
+    <dgm:fillClrLst meth="repeat">
+      <a:schemeClr val="accent1">
+        <a:alpha val="90000"/>
+        <a:tint val="40000"/>
+      </a:schemeClr>
+    </dgm:fillClrLst>
+    <dgm:linClrLst meth="repeat">
+      <a:schemeClr val="accent1">
+        <a:alpha val="90000"/>
+        <a:tint val="40000"/>
+      </a:schemeClr>
+    </dgm:linClrLst>
+    <dgm:effectClrLst/>
+    <dgm:txLinClrLst/>
+    <dgm:txFillClrLst meth="repeat">
+      <a:schemeClr val="dk1"/>
+    </dgm:txFillClrLst>
+    <dgm:txEffectClrLst/>
+  </dgm:styleLbl>
+  <dgm:styleLbl name="alignAccFollowNode1">
+    <dgm:fillClrLst meth="repeat">
+      <a:schemeClr val="accent1">
+        <a:alpha val="90000"/>
+        <a:tint val="40000"/>
+      </a:schemeClr>
+    </dgm:fillClrLst>
+    <dgm:linClrLst meth="repeat">
+      <a:schemeClr val="accent1">
+        <a:alpha val="90000"/>
+        <a:tint val="40000"/>
+      </a:schemeClr>
+    </dgm:linClrLst>
+    <dgm:effectClrLst/>
+    <dgm:txLinClrLst/>
+    <dgm:txFillClrLst meth="repeat">
+      <a:schemeClr val="dk1"/>
+    </dgm:txFillClrLst>
+    <dgm:txEffectClrLst/>
+  </dgm:styleLbl>
+  <dgm:styleLbl name="bgAccFollowNode1">
+    <dgm:fillClrLst meth="repeat">
+      <a:schemeClr val="accent1">
+        <a:alpha val="90000"/>
+        <a:tint val="40000"/>
+      </a:schemeClr>
+    </dgm:fillClrLst>
+    <dgm:linClrLst meth="repeat">
+      <a:schemeClr val="accent1">
+        <a:alpha val="90000"/>
+        <a:tint val="40000"/>
+      </a:schemeClr>
+    </dgm:linClrLst>
+    <dgm:effectClrLst/>
+    <dgm:txLinClrLst/>
+    <dgm:txFillClrLst meth="repeat">
+      <a:schemeClr val="dk1"/>
+    </dgm:txFillClrLst>
+    <dgm:txEffectClrLst/>
+  </dgm:styleLbl>
+  <dgm:styleLbl name="fgAcc0">
+    <dgm:fillClrLst meth="repeat">
+      <a:schemeClr val="lt1">
+        <a:alpha val="90000"/>
+      </a:schemeClr>
+    </dgm:fillClrLst>
+    <dgm:linClrLst meth="repeat">
+      <a:schemeClr val="accent1"/>
+    </dgm:linClrLst>
+    <dgm:effectClrLst/>
+    <dgm:txLinClrLst/>
+    <dgm:txFillClrLst meth="repeat">
+      <a:schemeClr val="dk1"/>
+    </dgm:txFillClrLst>
+    <dgm:txEffectClrLst/>
+  </dgm:styleLbl>
+  <dgm:styleLbl name="fgAcc2">
+    <dgm:fillClrLst meth="repeat">
+      <a:schemeClr val="lt1">
+        <a:alpha val="90000"/>
+      </a:schemeClr>
+    </dgm:fillClrLst>
+    <dgm:linClrLst meth="repeat">
+      <a:schemeClr val="accent1"/>
+    </dgm:linClrLst>
+    <dgm:effectClrLst/>
+    <dgm:txLinClrLst/>
+    <dgm:txFillClrLst meth="repeat">
+      <a:schemeClr val="dk1"/>
+    </dgm:txFillClrLst>
+    <dgm:txEffectClrLst/>
+  </dgm:styleLbl>
+  <dgm:styleLbl name="fgAcc3">
+    <dgm:fillClrLst meth="repeat">
+      <a:schemeClr val="lt1">
+        <a:alpha val="90000"/>
+      </a:schemeClr>
+    </dgm:fillClrLst>
+    <dgm:linClrLst meth="repeat">
+      <a:schemeClr val="accent1"/>
+    </dgm:linClrLst>
+    <dgm:effectClrLst/>
+    <dgm:txLinClrLst/>
+    <dgm:txFillClrLst meth="repeat">
+      <a:schemeClr val="dk1"/>
+    </dgm:txFillClrLst>
+    <dgm:txEffectClrLst/>
+  </dgm:styleLbl>
+  <dgm:styleLbl name="fgAcc4">
+    <dgm:fillClrLst meth="repeat">
+      <a:schemeClr val="lt1">
+        <a:alpha val="90000"/>
+      </a:schemeClr>
+    </dgm:fillClrLst>
+    <dgm:linClrLst meth="repeat">
+      <a:schemeClr val="accent1"/>
+    </dgm:linClrLst>
+    <dgm:effectClrLst/>
+    <dgm:txLinClrLst/>
+    <dgm:txFillClrLst meth="repeat">
+      <a:schemeClr val="dk1"/>
+    </dgm:txFillClrLst>
+    <dgm:txEffectClrLst/>
+  </dgm:styleLbl>
+  <dgm:styleLbl name="bgShp">
+    <dgm:fillClrLst meth="repeat">
+      <a:schemeClr val="accent1">
+        <a:tint val="40000"/>
+      </a:schemeClr>
+    </dgm:fillClrLst>
+    <dgm:linClrLst meth="repeat">
+      <a:schemeClr val="accent1"/>
+    </dgm:linClrLst>
+    <dgm:effectClrLst/>
+    <dgm:txLinClrLst/>
+    <dgm:txFillClrLst meth="repeat">
+      <a:schemeClr val="dk1"/>
+    </dgm:txFillClrLst>
+    <dgm:txEffectClrLst/>
+  </dgm:styleLbl>
+  <dgm:styleLbl name="dkBgShp">
+    <dgm:fillClrLst meth="repeat">
+      <a:schemeClr val="accent1">
+        <a:shade val="80000"/>
+      </a:schemeClr>
+    </dgm:fillClrLst>
+    <dgm:linClrLst meth="repeat">
+      <a:schemeClr val="accent1"/>
+    </dgm:linClrLst>
+    <dgm:effectClrLst/>
+    <dgm:txLinClrLst/>
+    <dgm:txFillClrLst meth="repeat">
+      <a:schemeClr val="lt1"/>
+    </dgm:txFillClrLst>
+    <dgm:txEffectClrLst/>
+  </dgm:styleLbl>
+  <dgm:styleLbl name="trBgShp">
+    <dgm:fillClrLst meth="repeat">
+      <a:schemeClr val="accent1">
+        <a:tint val="50000"/>
+        <a:alpha val="40000"/>
+      </a:schemeClr>
+    </dgm:fillClrLst>
+    <dgm:linClrLst meth="repeat">
+      <a:schemeClr val="accent1"/>
+    </dgm:linClrLst>
+    <dgm:effectClrLst/>
+    <dgm:txLinClrLst/>
+    <dgm:txFillClrLst meth="repeat">
+      <a:schemeClr val="lt1"/>
+    </dgm:txFillClrLst>
+    <dgm:txEffectClrLst/>
+  </dgm:styleLbl>
+  <dgm:styleLbl name="fgShp">
+    <dgm:fillClrLst meth="repeat">
+      <a:schemeClr val="accent1">
+        <a:tint val="60000"/>
+      </a:schemeClr>
+    </dgm:fillClrLst>
+    <dgm:linClrLst meth="repeat">
+      <a:schemeClr val="lt1"/>
+    </dgm:linClrLst>
+    <dgm:effectClrLst/>
+    <dgm:txLinClrLst/>
+    <dgm:txFillClrLst meth="repeat">
+      <a:schemeClr val="dk1"/>
+    </dgm:txFillClrLst>
+    <dgm:txEffectClrLst/>
+  </dgm:styleLbl>
+  <dgm:styleLbl name="revTx">
+    <dgm:fillClrLst meth="repeat">
+      <a:schemeClr val="lt1">
+        <a:alpha val="0"/>
+      </a:schemeClr>
+    </dgm:fillClrLst>
+    <dgm:linClrLst meth="repeat">
+      <a:schemeClr val="dk1">
+        <a:alpha val="0"/>
+      </a:schemeClr>
+    </dgm:linClrLst>
+    <dgm:effectClrLst/>
+    <dgm:txLinClrLst/>
+    <dgm:txFillClrLst meth="repeat">
+      <a:schemeClr val="tx1"/>
+    </dgm:txFillClrLst>
+    <dgm:txEffectClrLst/>
+  </dgm:styleLbl>
+</dgm:colorsDef>
+</file>
+
+<file path=ppt/diagrams/data1.xml><?xml version="1.0" encoding="utf-8"?>
+<dgm:dataModel xmlns:dgm="http://schemas.openxmlformats.org/drawingml/2006/diagram" xmlns:a="http://schemas.openxmlformats.org/drawingml/2006/main">
+  <dgm:ptLst>
+    <dgm:pt modelId="{2C31E827-0117-0A4A-AE13-8EFD30A0C7A2}" type="doc">
+      <dgm:prSet loTypeId="urn:microsoft.com/office/officeart/2005/8/layout/hProcess3" loCatId="" qsTypeId="urn:microsoft.com/office/officeart/2005/8/quickstyle/simple3" qsCatId="simple" csTypeId="urn:microsoft.com/office/officeart/2005/8/colors/accent1_2" csCatId="accent1" phldr="1"/>
+      <dgm:spPr/>
+      <dgm:t>
+        <a:bodyPr/>
+        <a:lstStyle/>
+        <a:p>
+          <a:endParaRPr lang="en-US"/>
+        </a:p>
+      </dgm:t>
+    </dgm:pt>
+    <dgm:pt modelId="{D154FD36-0C2B-0B4D-AC3D-C174E1F7DAE8}">
+      <dgm:prSet phldrT="[Text]"/>
+      <dgm:spPr/>
+      <dgm:t>
+        <a:bodyPr anchor="t"/>
+        <a:lstStyle/>
+        <a:p>
+          <a:pPr algn="l">
+            <a:buNone/>
+          </a:pPr>
+          <a:r>
+            <a:rPr lang="en-US" dirty="0"/>
+            <a:t>1. Sample preparation</a:t>
+          </a:r>
+        </a:p>
+      </dgm:t>
+    </dgm:pt>
+    <dgm:pt modelId="{314977DD-067B-0245-B168-BA5B5D5157A3}" type="parTrans" cxnId="{B88CEB10-C4FB-5441-9DB2-E8F3F73292B8}">
+      <dgm:prSet/>
+      <dgm:spPr/>
+      <dgm:t>
+        <a:bodyPr/>
+        <a:lstStyle/>
+        <a:p>
+          <a:endParaRPr lang="en-US"/>
+        </a:p>
+      </dgm:t>
+    </dgm:pt>
+    <dgm:pt modelId="{78A0E570-C9B8-7F42-AFF2-28989376AA6D}" type="sibTrans" cxnId="{B88CEB10-C4FB-5441-9DB2-E8F3F73292B8}">
+      <dgm:prSet/>
+      <dgm:spPr/>
+      <dgm:t>
+        <a:bodyPr/>
+        <a:lstStyle/>
+        <a:p>
+          <a:endParaRPr lang="en-US"/>
+        </a:p>
+      </dgm:t>
+    </dgm:pt>
+    <dgm:pt modelId="{D57D1C9C-6F91-2F46-B325-0EE40E1BED4B}">
+      <dgm:prSet phldrT="[Text]"/>
+      <dgm:spPr/>
+      <dgm:t>
+        <a:bodyPr anchor="t"/>
+        <a:lstStyle/>
+        <a:p>
+          <a:pPr algn="l">
+            <a:buNone/>
+          </a:pPr>
+          <a:r>
+            <a:rPr lang="en-US" dirty="0"/>
+            <a:t>2. Submission to sequencing core</a:t>
+          </a:r>
+        </a:p>
+      </dgm:t>
+    </dgm:pt>
+    <dgm:pt modelId="{BBB02C51-8E2B-DC43-A484-DE1B1A9E2E97}" type="parTrans" cxnId="{DA9C5087-FACB-F64F-BDD5-CAF0B8751F66}">
+      <dgm:prSet/>
+      <dgm:spPr/>
+      <dgm:t>
+        <a:bodyPr/>
+        <a:lstStyle/>
+        <a:p>
+          <a:endParaRPr lang="en-US"/>
+        </a:p>
+      </dgm:t>
+    </dgm:pt>
+    <dgm:pt modelId="{FD25E93E-D137-3F4E-B71C-806C69BD810F}" type="sibTrans" cxnId="{DA9C5087-FACB-F64F-BDD5-CAF0B8751F66}">
+      <dgm:prSet/>
+      <dgm:spPr/>
+      <dgm:t>
+        <a:bodyPr/>
+        <a:lstStyle/>
+        <a:p>
+          <a:endParaRPr lang="en-US"/>
+        </a:p>
+      </dgm:t>
+    </dgm:pt>
+    <dgm:pt modelId="{AAE11D6F-E498-2E47-AF35-448F77555042}">
+      <dgm:prSet phldrT="[Text]"/>
+      <dgm:spPr/>
+      <dgm:t>
+        <a:bodyPr anchor="t"/>
+        <a:lstStyle/>
+        <a:p>
+          <a:pPr algn="l"/>
+          <a:r>
+            <a:rPr lang="en-US" dirty="0"/>
+            <a:t>3. Data received on cluster</a:t>
+          </a:r>
+        </a:p>
+      </dgm:t>
+    </dgm:pt>
+    <dgm:pt modelId="{3B048D62-A9BB-1149-9811-E23FE6DAAA7A}" type="parTrans" cxnId="{9B589C6F-F360-BD40-8D89-8D124482DCB0}">
+      <dgm:prSet/>
+      <dgm:spPr/>
+      <dgm:t>
+        <a:bodyPr/>
+        <a:lstStyle/>
+        <a:p>
+          <a:endParaRPr lang="en-US"/>
+        </a:p>
+      </dgm:t>
+    </dgm:pt>
+    <dgm:pt modelId="{95948897-813D-E749-90BA-F492F162F603}" type="sibTrans" cxnId="{9B589C6F-F360-BD40-8D89-8D124482DCB0}">
+      <dgm:prSet/>
+      <dgm:spPr/>
+      <dgm:t>
+        <a:bodyPr/>
+        <a:lstStyle/>
+        <a:p>
+          <a:endParaRPr lang="en-US"/>
+        </a:p>
+      </dgm:t>
+    </dgm:pt>
+    <dgm:pt modelId="{BB9E5E02-85D5-454D-B5D3-526D68A33838}">
+      <dgm:prSet phldrT="[Text]"/>
+      <dgm:spPr/>
+      <dgm:t>
+        <a:bodyPr anchor="t"/>
+        <a:lstStyle/>
+        <a:p>
+          <a:pPr algn="l"/>
+          <a:r>
+            <a:rPr lang="en-US" dirty="0"/>
+            <a:t>4. Data analysis</a:t>
+          </a:r>
+        </a:p>
+      </dgm:t>
+    </dgm:pt>
+    <dgm:pt modelId="{1D41118E-E415-9243-AD93-D691D3EF4CA7}" type="parTrans" cxnId="{C53E0691-EA7C-6A4D-B99F-4E7EC78CD0D9}">
+      <dgm:prSet/>
+      <dgm:spPr/>
+      <dgm:t>
+        <a:bodyPr/>
+        <a:lstStyle/>
+        <a:p>
+          <a:endParaRPr lang="en-US"/>
+        </a:p>
+      </dgm:t>
+    </dgm:pt>
+    <dgm:pt modelId="{AF431332-A1EB-6A41-A5B3-CBD67443BB81}" type="sibTrans" cxnId="{C53E0691-EA7C-6A4D-B99F-4E7EC78CD0D9}">
+      <dgm:prSet/>
+      <dgm:spPr/>
+      <dgm:t>
+        <a:bodyPr/>
+        <a:lstStyle/>
+        <a:p>
+          <a:endParaRPr lang="en-US"/>
+        </a:p>
+      </dgm:t>
+    </dgm:pt>
+    <dgm:pt modelId="{47FFBA24-AA18-6147-95D5-B05EE198878F}">
+      <dgm:prSet phldrT="[Text]"/>
+      <dgm:spPr/>
+      <dgm:t>
+        <a:bodyPr anchor="t"/>
+        <a:lstStyle/>
+        <a:p>
+          <a:pPr algn="l"/>
+          <a:r>
+            <a:rPr lang="en-US" dirty="0"/>
+            <a:t>5. Data and analysis submitted to public repositories</a:t>
+          </a:r>
+        </a:p>
+      </dgm:t>
+    </dgm:pt>
+    <dgm:pt modelId="{C25A3DF7-592A-DA49-924E-2D65F825886C}" type="parTrans" cxnId="{7C9DA8E6-EE4A-924E-82BD-13F6C5A13219}">
+      <dgm:prSet/>
+      <dgm:spPr/>
+      <dgm:t>
+        <a:bodyPr/>
+        <a:lstStyle/>
+        <a:p>
+          <a:endParaRPr lang="en-US"/>
+        </a:p>
+      </dgm:t>
+    </dgm:pt>
+    <dgm:pt modelId="{1B83E76B-A0F6-B04D-BED5-750626CBC7ED}" type="sibTrans" cxnId="{7C9DA8E6-EE4A-924E-82BD-13F6C5A13219}">
+      <dgm:prSet/>
+      <dgm:spPr/>
+      <dgm:t>
+        <a:bodyPr/>
+        <a:lstStyle/>
+        <a:p>
+          <a:endParaRPr lang="en-US"/>
+        </a:p>
+      </dgm:t>
+    </dgm:pt>
+    <dgm:pt modelId="{56C3EADA-4855-B24B-836E-E0E128D4AC59}">
+      <dgm:prSet phldrT="[Text]"/>
+      <dgm:spPr/>
+      <dgm:t>
+        <a:bodyPr anchor="t"/>
+        <a:lstStyle/>
+        <a:p>
+          <a:pPr algn="l"/>
+          <a:r>
+            <a:rPr lang="en-US" dirty="0"/>
+            <a:t>6. Data and analysis archived</a:t>
+          </a:r>
+        </a:p>
+      </dgm:t>
+    </dgm:pt>
+    <dgm:pt modelId="{A96B8506-86E6-D24D-B76D-57B6B50EE4E8}" type="parTrans" cxnId="{8B800C5F-6697-DE45-9529-36B60B6C3723}">
+      <dgm:prSet/>
+      <dgm:spPr/>
+      <dgm:t>
+        <a:bodyPr/>
+        <a:lstStyle/>
+        <a:p>
+          <a:endParaRPr lang="en-US"/>
+        </a:p>
+      </dgm:t>
+    </dgm:pt>
+    <dgm:pt modelId="{F84ECE5E-743D-ED41-8427-8C6785ED76B2}" type="sibTrans" cxnId="{8B800C5F-6697-DE45-9529-36B60B6C3723}">
+      <dgm:prSet/>
+      <dgm:spPr/>
+      <dgm:t>
+        <a:bodyPr/>
+        <a:lstStyle/>
+        <a:p>
+          <a:endParaRPr lang="en-US"/>
+        </a:p>
+      </dgm:t>
+    </dgm:pt>
+    <dgm:pt modelId="{DAC86830-7ADE-3944-AFD9-9B9061C3079B}">
+      <dgm:prSet phldrT="[Text]"/>
+      <dgm:spPr/>
+      <dgm:t>
+        <a:bodyPr/>
+        <a:lstStyle/>
+        <a:p>
+          <a:pPr algn="l">
+            <a:buFont typeface=".Apple Color Emoji UI"/>
+            <a:buChar char="👎"/>
+          </a:pPr>
+          <a:r>
+            <a:rPr lang="en-US" dirty="0"/>
+            <a:t> Bioinformatician unaware of experimental design.</a:t>
+          </a:r>
+        </a:p>
+      </dgm:t>
+    </dgm:pt>
+    <dgm:pt modelId="{06FAAA40-A06F-7F4B-873B-B37B52993E69}" type="parTrans" cxnId="{4220C9F6-EAAB-5345-B78C-CBFC7E3D3CA1}">
+      <dgm:prSet/>
+      <dgm:spPr/>
+      <dgm:t>
+        <a:bodyPr/>
+        <a:lstStyle/>
+        <a:p>
+          <a:endParaRPr lang="en-US"/>
+        </a:p>
+      </dgm:t>
+    </dgm:pt>
+    <dgm:pt modelId="{5B189C70-907E-8C43-BEFF-C7F55326B6B2}" type="sibTrans" cxnId="{4220C9F6-EAAB-5345-B78C-CBFC7E3D3CA1}">
+      <dgm:prSet/>
+      <dgm:spPr/>
+      <dgm:t>
+        <a:bodyPr/>
+        <a:lstStyle/>
+        <a:p>
+          <a:endParaRPr lang="en-US"/>
+        </a:p>
+      </dgm:t>
+    </dgm:pt>
+    <dgm:pt modelId="{7A324E1F-31DD-E443-8205-8D2A9B05A6AC}">
+      <dgm:prSet phldrT="[Text]"/>
+      <dgm:spPr/>
+      <dgm:t>
+        <a:bodyPr/>
+        <a:lstStyle/>
+        <a:p>
+          <a:pPr algn="l">
+            <a:buFont typeface="Apple Color Emoji" pitchFamily="2" charset="0"/>
+            <a:buChar char="👎"/>
+          </a:pPr>
+          <a:r>
+            <a:rPr lang="en-US"/>
+            <a:t>Assigned bioinformatician unaware of incoming data.</a:t>
+          </a:r>
+          <a:endParaRPr lang="en-US" dirty="0"/>
+        </a:p>
+      </dgm:t>
+    </dgm:pt>
+    <dgm:pt modelId="{186431DA-1315-4E47-8E05-FEB83E1F737D}" type="parTrans" cxnId="{6ABEDCAA-4ED7-8B40-9522-8442FB9A64FF}">
+      <dgm:prSet/>
+      <dgm:spPr/>
+      <dgm:t>
+        <a:bodyPr/>
+        <a:lstStyle/>
+        <a:p>
+          <a:endParaRPr lang="en-US"/>
+        </a:p>
+      </dgm:t>
+    </dgm:pt>
+    <dgm:pt modelId="{6438C8EA-7DFD-6B4A-A0DE-1A3403F0657F}" type="sibTrans" cxnId="{6ABEDCAA-4ED7-8B40-9522-8442FB9A64FF}">
+      <dgm:prSet/>
+      <dgm:spPr/>
+      <dgm:t>
+        <a:bodyPr/>
+        <a:lstStyle/>
+        <a:p>
+          <a:endParaRPr lang="en-US"/>
+        </a:p>
+      </dgm:t>
+    </dgm:pt>
+    <dgm:pt modelId="{E0D7857A-921D-B847-B5F5-3E3FD1B105BC}">
+      <dgm:prSet phldrT="[Text]"/>
+      <dgm:spPr/>
+      <dgm:t>
+        <a:bodyPr/>
+        <a:lstStyle/>
+        <a:p>
+          <a:pPr algn="l">
+            <a:buFont typeface="Apple Color Emoji" pitchFamily="2" charset="0"/>
+            <a:buChar char="👎"/>
+          </a:pPr>
+          <a:r>
+            <a:rPr lang="en-US" dirty="0"/>
+            <a:t>Wet-lab researcher doesn’t know how to open up file permissions to others.</a:t>
+          </a:r>
+        </a:p>
+      </dgm:t>
+    </dgm:pt>
+    <dgm:pt modelId="{2994A960-B7BA-F24E-B559-208398DEA638}" type="parTrans" cxnId="{58547283-8FC9-0243-962B-FD7106CD8ABC}">
+      <dgm:prSet/>
+      <dgm:spPr/>
+      <dgm:t>
+        <a:bodyPr/>
+        <a:lstStyle/>
+        <a:p>
+          <a:endParaRPr lang="en-US"/>
+        </a:p>
+      </dgm:t>
+    </dgm:pt>
+    <dgm:pt modelId="{2EBF7D79-BB58-7941-BB50-15D63957ADAB}" type="sibTrans" cxnId="{58547283-8FC9-0243-962B-FD7106CD8ABC}">
+      <dgm:prSet/>
+      <dgm:spPr/>
+      <dgm:t>
+        <a:bodyPr/>
+        <a:lstStyle/>
+        <a:p>
+          <a:endParaRPr lang="en-US"/>
+        </a:p>
+      </dgm:t>
+    </dgm:pt>
+    <dgm:pt modelId="{0BF5866B-97D0-6B46-8C4D-2961A89531CE}">
+      <dgm:prSet/>
+      <dgm:spPr/>
+      <dgm:t>
+        <a:bodyPr/>
+        <a:lstStyle/>
+        <a:p>
+          <a:pPr algn="l">
+            <a:buFont typeface="Apple Color Emoji" pitchFamily="2" charset="0"/>
+            <a:buChar char="👎"/>
+          </a:pPr>
+          <a:r>
+            <a:rPr lang="en-US" dirty="0"/>
+            <a:t>Flow cell ID lost – difficult to track and restore the data.</a:t>
+          </a:r>
+        </a:p>
+      </dgm:t>
+    </dgm:pt>
+    <dgm:pt modelId="{60C4B6FE-12EF-2B43-99C3-8D59ED9782E0}" type="parTrans" cxnId="{4860AF2D-D8C7-7D46-BF10-FE16653BE3CB}">
+      <dgm:prSet/>
+      <dgm:spPr/>
+      <dgm:t>
+        <a:bodyPr/>
+        <a:lstStyle/>
+        <a:p>
+          <a:endParaRPr lang="en-US"/>
+        </a:p>
+      </dgm:t>
+    </dgm:pt>
+    <dgm:pt modelId="{30C22749-9EA9-B547-8884-4B6DA90BF434}" type="sibTrans" cxnId="{4860AF2D-D8C7-7D46-BF10-FE16653BE3CB}">
+      <dgm:prSet/>
+      <dgm:spPr/>
+      <dgm:t>
+        <a:bodyPr/>
+        <a:lstStyle/>
+        <a:p>
+          <a:endParaRPr lang="en-US"/>
+        </a:p>
+      </dgm:t>
+    </dgm:pt>
+    <dgm:pt modelId="{E3A7D3DC-93FA-E44F-9FB0-267F347B8034}">
+      <dgm:prSet/>
+      <dgm:spPr/>
+      <dgm:t>
+        <a:bodyPr/>
+        <a:lstStyle/>
+        <a:p>
+          <a:pPr algn="l">
+            <a:buFont typeface="Apple Color Emoji" pitchFamily="2" charset="0"/>
+            <a:buChar char="👎"/>
+          </a:pPr>
+          <a:r>
+            <a:rPr lang="en-US" dirty="0"/>
+            <a:t>Bioinformatician receives incoherent, incomplete, and/or inconsistent metadata.</a:t>
+          </a:r>
+        </a:p>
+      </dgm:t>
+    </dgm:pt>
+    <dgm:pt modelId="{4C5A8D59-2892-A74A-9AFB-F7E3043ADB62}" type="sibTrans" cxnId="{AFC727E0-DB93-F440-B9F9-D0BDCA402C8A}">
+      <dgm:prSet/>
+      <dgm:spPr/>
+      <dgm:t>
+        <a:bodyPr/>
+        <a:lstStyle/>
+        <a:p>
+          <a:endParaRPr lang="en-US"/>
+        </a:p>
+      </dgm:t>
+    </dgm:pt>
+    <dgm:pt modelId="{150EA214-FA62-EE42-8034-888504D595EC}" type="parTrans" cxnId="{AFC727E0-DB93-F440-B9F9-D0BDCA402C8A}">
+      <dgm:prSet/>
+      <dgm:spPr/>
+      <dgm:t>
+        <a:bodyPr/>
+        <a:lstStyle/>
+        <a:p>
+          <a:endParaRPr lang="en-US"/>
+        </a:p>
+      </dgm:t>
+    </dgm:pt>
+    <dgm:pt modelId="{79DC8822-7DA5-CF43-AD3B-5DBA27CA2EB4}" type="pres">
+      <dgm:prSet presAssocID="{2C31E827-0117-0A4A-AE13-8EFD30A0C7A2}" presName="Name0" presStyleCnt="0">
+        <dgm:presLayoutVars>
+          <dgm:dir/>
+          <dgm:animLvl val="lvl"/>
+          <dgm:resizeHandles val="exact"/>
+        </dgm:presLayoutVars>
+      </dgm:prSet>
+      <dgm:spPr/>
+    </dgm:pt>
+    <dgm:pt modelId="{7144DDA6-DD42-F347-A7F8-9DE6E44493F9}" type="pres">
+      <dgm:prSet presAssocID="{2C31E827-0117-0A4A-AE13-8EFD30A0C7A2}" presName="dummy" presStyleCnt="0"/>
+      <dgm:spPr/>
+    </dgm:pt>
+    <dgm:pt modelId="{3D128A54-D634-3B47-AC38-319083BE2551}" type="pres">
+      <dgm:prSet presAssocID="{2C31E827-0117-0A4A-AE13-8EFD30A0C7A2}" presName="linH" presStyleCnt="0"/>
+      <dgm:spPr/>
+    </dgm:pt>
+    <dgm:pt modelId="{ED1B5226-39A4-7644-940F-4BC1BAAFE8B2}" type="pres">
+      <dgm:prSet presAssocID="{2C31E827-0117-0A4A-AE13-8EFD30A0C7A2}" presName="padding1" presStyleCnt="0"/>
+      <dgm:spPr/>
+    </dgm:pt>
+    <dgm:pt modelId="{2714088F-2FE3-8B45-9FEA-3AE1429351F2}" type="pres">
+      <dgm:prSet presAssocID="{D154FD36-0C2B-0B4D-AC3D-C174E1F7DAE8}" presName="linV" presStyleCnt="0"/>
+      <dgm:spPr/>
+    </dgm:pt>
+    <dgm:pt modelId="{A0E781B1-037A-B54A-8768-5C7A342734B9}" type="pres">
+      <dgm:prSet presAssocID="{D154FD36-0C2B-0B4D-AC3D-C174E1F7DAE8}" presName="spVertical1" presStyleCnt="0"/>
+      <dgm:spPr/>
+    </dgm:pt>
+    <dgm:pt modelId="{52A1D059-CCCD-034E-A6D6-D6C2C3FEAF81}" type="pres">
+      <dgm:prSet presAssocID="{D154FD36-0C2B-0B4D-AC3D-C174E1F7DAE8}" presName="parTx" presStyleLbl="revTx" presStyleIdx="0" presStyleCnt="9">
+        <dgm:presLayoutVars>
+          <dgm:chMax val="0"/>
+          <dgm:chPref val="0"/>
+          <dgm:bulletEnabled val="1"/>
+        </dgm:presLayoutVars>
+      </dgm:prSet>
+      <dgm:spPr/>
+    </dgm:pt>
+    <dgm:pt modelId="{97128F19-F903-1740-8F2D-A1FD1A11B185}" type="pres">
+      <dgm:prSet presAssocID="{D154FD36-0C2B-0B4D-AC3D-C174E1F7DAE8}" presName="spVertical2" presStyleCnt="0"/>
+      <dgm:spPr/>
+    </dgm:pt>
+    <dgm:pt modelId="{6003562A-6671-7C4A-B3A9-F883F9FA4DA3}" type="pres">
+      <dgm:prSet presAssocID="{D154FD36-0C2B-0B4D-AC3D-C174E1F7DAE8}" presName="spVertical3" presStyleCnt="0"/>
+      <dgm:spPr/>
+    </dgm:pt>
+    <dgm:pt modelId="{6DAA480C-ED80-CE44-9099-693C98A6459F}" type="pres">
+      <dgm:prSet presAssocID="{D154FD36-0C2B-0B4D-AC3D-C174E1F7DAE8}" presName="desTx" presStyleLbl="revTx" presStyleIdx="1" presStyleCnt="9">
+        <dgm:presLayoutVars>
+          <dgm:bulletEnabled val="1"/>
+        </dgm:presLayoutVars>
+      </dgm:prSet>
+      <dgm:spPr/>
+    </dgm:pt>
+    <dgm:pt modelId="{269115B9-1A32-1D4D-B058-CD5D6A19A2DA}" type="pres">
+      <dgm:prSet presAssocID="{78A0E570-C9B8-7F42-AFF2-28989376AA6D}" presName="space" presStyleCnt="0"/>
+      <dgm:spPr/>
+    </dgm:pt>
+    <dgm:pt modelId="{7CFEC262-51DD-FC4A-85D5-9A08B04D60AE}" type="pres">
+      <dgm:prSet presAssocID="{D57D1C9C-6F91-2F46-B325-0EE40E1BED4B}" presName="linV" presStyleCnt="0"/>
+      <dgm:spPr/>
+    </dgm:pt>
+    <dgm:pt modelId="{CE4CC9AB-7AF9-674B-81FD-399656295A41}" type="pres">
+      <dgm:prSet presAssocID="{D57D1C9C-6F91-2F46-B325-0EE40E1BED4B}" presName="spVertical1" presStyleCnt="0"/>
+      <dgm:spPr/>
+    </dgm:pt>
+    <dgm:pt modelId="{C94DE476-68F7-4B4D-98A2-9ED228E64F50}" type="pres">
+      <dgm:prSet presAssocID="{D57D1C9C-6F91-2F46-B325-0EE40E1BED4B}" presName="parTx" presStyleLbl="revTx" presStyleIdx="2" presStyleCnt="9">
+        <dgm:presLayoutVars>
+          <dgm:chMax val="0"/>
+          <dgm:chPref val="0"/>
+          <dgm:bulletEnabled val="1"/>
+        </dgm:presLayoutVars>
+      </dgm:prSet>
+      <dgm:spPr/>
+    </dgm:pt>
+    <dgm:pt modelId="{662BB732-338F-0C49-849D-1CAEC8F5E061}" type="pres">
+      <dgm:prSet presAssocID="{D57D1C9C-6F91-2F46-B325-0EE40E1BED4B}" presName="spVertical2" presStyleCnt="0"/>
+      <dgm:spPr/>
+    </dgm:pt>
+    <dgm:pt modelId="{6DD9D4A8-E860-394F-A504-87261197896F}" type="pres">
+      <dgm:prSet presAssocID="{D57D1C9C-6F91-2F46-B325-0EE40E1BED4B}" presName="spVertical3" presStyleCnt="0"/>
+      <dgm:spPr/>
+    </dgm:pt>
+    <dgm:pt modelId="{310BEC30-6A42-DD49-9BA6-5978A238E39A}" type="pres">
+      <dgm:prSet presAssocID="{D57D1C9C-6F91-2F46-B325-0EE40E1BED4B}" presName="desTx" presStyleLbl="revTx" presStyleIdx="3" presStyleCnt="9">
+        <dgm:presLayoutVars>
+          <dgm:bulletEnabled val="1"/>
+        </dgm:presLayoutVars>
+      </dgm:prSet>
+      <dgm:spPr/>
+    </dgm:pt>
+    <dgm:pt modelId="{D8A7CBDA-18FF-E043-BD81-A8C64E6496BC}" type="pres">
+      <dgm:prSet presAssocID="{FD25E93E-D137-3F4E-B71C-806C69BD810F}" presName="space" presStyleCnt="0"/>
+      <dgm:spPr/>
+    </dgm:pt>
+    <dgm:pt modelId="{50FD0092-9883-7840-900C-D90FF9DBBF86}" type="pres">
+      <dgm:prSet presAssocID="{AAE11D6F-E498-2E47-AF35-448F77555042}" presName="linV" presStyleCnt="0"/>
+      <dgm:spPr/>
+    </dgm:pt>
+    <dgm:pt modelId="{81E6E7E2-F79B-0B48-B1F0-22F1D79FCD07}" type="pres">
+      <dgm:prSet presAssocID="{AAE11D6F-E498-2E47-AF35-448F77555042}" presName="spVertical1" presStyleCnt="0"/>
+      <dgm:spPr/>
+    </dgm:pt>
+    <dgm:pt modelId="{B398352B-1CE2-8B49-ABC3-5FC2180F423E}" type="pres">
+      <dgm:prSet presAssocID="{AAE11D6F-E498-2E47-AF35-448F77555042}" presName="parTx" presStyleLbl="revTx" presStyleIdx="4" presStyleCnt="9">
+        <dgm:presLayoutVars>
+          <dgm:chMax val="0"/>
+          <dgm:chPref val="0"/>
+          <dgm:bulletEnabled val="1"/>
+        </dgm:presLayoutVars>
+      </dgm:prSet>
+      <dgm:spPr/>
+    </dgm:pt>
+    <dgm:pt modelId="{E5A73C63-B16C-6F4C-9FA0-25C721890C61}" type="pres">
+      <dgm:prSet presAssocID="{AAE11D6F-E498-2E47-AF35-448F77555042}" presName="spVertical2" presStyleCnt="0"/>
+      <dgm:spPr/>
+    </dgm:pt>
+    <dgm:pt modelId="{B42BF25D-62B8-3C41-8A13-3D978E9FD0D8}" type="pres">
+      <dgm:prSet presAssocID="{AAE11D6F-E498-2E47-AF35-448F77555042}" presName="spVertical3" presStyleCnt="0"/>
+      <dgm:spPr/>
+    </dgm:pt>
+    <dgm:pt modelId="{C3B89448-6BB9-D44E-84B0-BC9D1AF4DB8C}" type="pres">
+      <dgm:prSet presAssocID="{AAE11D6F-E498-2E47-AF35-448F77555042}" presName="desTx" presStyleLbl="revTx" presStyleIdx="5" presStyleCnt="9">
+        <dgm:presLayoutVars>
+          <dgm:bulletEnabled val="1"/>
+        </dgm:presLayoutVars>
+      </dgm:prSet>
+      <dgm:spPr/>
+    </dgm:pt>
+    <dgm:pt modelId="{DA09196A-6C4A-C346-9DB0-14318402BAC2}" type="pres">
+      <dgm:prSet presAssocID="{95948897-813D-E749-90BA-F492F162F603}" presName="space" presStyleCnt="0"/>
+      <dgm:spPr/>
+    </dgm:pt>
+    <dgm:pt modelId="{92C3EDEF-0885-5047-B596-A6180E8C3BBA}" type="pres">
+      <dgm:prSet presAssocID="{BB9E5E02-85D5-454D-B5D3-526D68A33838}" presName="linV" presStyleCnt="0"/>
+      <dgm:spPr/>
+    </dgm:pt>
+    <dgm:pt modelId="{B3211309-A645-E444-A544-BDD70649CA0C}" type="pres">
+      <dgm:prSet presAssocID="{BB9E5E02-85D5-454D-B5D3-526D68A33838}" presName="spVertical1" presStyleCnt="0"/>
+      <dgm:spPr/>
+    </dgm:pt>
+    <dgm:pt modelId="{80B40A5B-2B56-C043-B2AB-E5812048B2F5}" type="pres">
+      <dgm:prSet presAssocID="{BB9E5E02-85D5-454D-B5D3-526D68A33838}" presName="parTx" presStyleLbl="revTx" presStyleIdx="6" presStyleCnt="9">
+        <dgm:presLayoutVars>
+          <dgm:chMax val="0"/>
+          <dgm:chPref val="0"/>
+          <dgm:bulletEnabled val="1"/>
+        </dgm:presLayoutVars>
+      </dgm:prSet>
+      <dgm:spPr/>
+    </dgm:pt>
+    <dgm:pt modelId="{B3C76A37-0F2D-5E49-9381-272043675E12}" type="pres">
+      <dgm:prSet presAssocID="{BB9E5E02-85D5-454D-B5D3-526D68A33838}" presName="spVertical2" presStyleCnt="0"/>
+      <dgm:spPr/>
+    </dgm:pt>
+    <dgm:pt modelId="{09756870-0B5F-144F-A7B9-23AE530D91C3}" type="pres">
+      <dgm:prSet presAssocID="{BB9E5E02-85D5-454D-B5D3-526D68A33838}" presName="spVertical3" presStyleCnt="0"/>
+      <dgm:spPr/>
+    </dgm:pt>
+    <dgm:pt modelId="{598E00E0-A485-5E4A-ACB9-2B1F5B5976E0}" type="pres">
+      <dgm:prSet presAssocID="{AF431332-A1EB-6A41-A5B3-CBD67443BB81}" presName="space" presStyleCnt="0"/>
+      <dgm:spPr/>
+    </dgm:pt>
+    <dgm:pt modelId="{915C397B-7C76-EF48-972F-981721E55130}" type="pres">
+      <dgm:prSet presAssocID="{47FFBA24-AA18-6147-95D5-B05EE198878F}" presName="linV" presStyleCnt="0"/>
+      <dgm:spPr/>
+    </dgm:pt>
+    <dgm:pt modelId="{664CC7AE-624E-B041-870E-505F29DD117F}" type="pres">
+      <dgm:prSet presAssocID="{47FFBA24-AA18-6147-95D5-B05EE198878F}" presName="spVertical1" presStyleCnt="0"/>
+      <dgm:spPr/>
+    </dgm:pt>
+    <dgm:pt modelId="{FA6C7996-C321-2E4D-AFCA-3C6EB53C2B2A}" type="pres">
+      <dgm:prSet presAssocID="{47FFBA24-AA18-6147-95D5-B05EE198878F}" presName="parTx" presStyleLbl="revTx" presStyleIdx="7" presStyleCnt="9">
+        <dgm:presLayoutVars>
+          <dgm:chMax val="0"/>
+          <dgm:chPref val="0"/>
+          <dgm:bulletEnabled val="1"/>
+        </dgm:presLayoutVars>
+      </dgm:prSet>
+      <dgm:spPr/>
+    </dgm:pt>
+    <dgm:pt modelId="{37C0227F-240F-2C4A-B0B5-EE751FA31D9F}" type="pres">
+      <dgm:prSet presAssocID="{47FFBA24-AA18-6147-95D5-B05EE198878F}" presName="spVertical2" presStyleCnt="0"/>
+      <dgm:spPr/>
+    </dgm:pt>
+    <dgm:pt modelId="{B92D3792-8EBB-784F-862C-F0AEC197AFE4}" type="pres">
+      <dgm:prSet presAssocID="{47FFBA24-AA18-6147-95D5-B05EE198878F}" presName="spVertical3" presStyleCnt="0"/>
+      <dgm:spPr/>
+    </dgm:pt>
+    <dgm:pt modelId="{2EC8DADB-325D-EE45-8AD7-BAC229127727}" type="pres">
+      <dgm:prSet presAssocID="{1B83E76B-A0F6-B04D-BED5-750626CBC7ED}" presName="space" presStyleCnt="0"/>
+      <dgm:spPr/>
+    </dgm:pt>
+    <dgm:pt modelId="{F48E23FD-4FFA-E64C-B494-2B02FF2BE32E}" type="pres">
+      <dgm:prSet presAssocID="{56C3EADA-4855-B24B-836E-E0E128D4AC59}" presName="linV" presStyleCnt="0"/>
+      <dgm:spPr/>
+    </dgm:pt>
+    <dgm:pt modelId="{6D048647-FB60-F341-A5F5-AED66E06391C}" type="pres">
+      <dgm:prSet presAssocID="{56C3EADA-4855-B24B-836E-E0E128D4AC59}" presName="spVertical1" presStyleCnt="0"/>
+      <dgm:spPr/>
+    </dgm:pt>
+    <dgm:pt modelId="{B36DC1EC-FF15-4B41-BBED-B0F735F2A2C8}" type="pres">
+      <dgm:prSet presAssocID="{56C3EADA-4855-B24B-836E-E0E128D4AC59}" presName="parTx" presStyleLbl="revTx" presStyleIdx="8" presStyleCnt="9">
+        <dgm:presLayoutVars>
+          <dgm:chMax val="0"/>
+          <dgm:chPref val="0"/>
+          <dgm:bulletEnabled val="1"/>
+        </dgm:presLayoutVars>
+      </dgm:prSet>
+      <dgm:spPr/>
+    </dgm:pt>
+    <dgm:pt modelId="{62BFFEE3-30DC-AE40-A53E-170951ADC47F}" type="pres">
+      <dgm:prSet presAssocID="{56C3EADA-4855-B24B-836E-E0E128D4AC59}" presName="spVertical2" presStyleCnt="0"/>
+      <dgm:spPr/>
+    </dgm:pt>
+    <dgm:pt modelId="{E49911DD-500F-054A-90E3-5C440F9C7C3D}" type="pres">
+      <dgm:prSet presAssocID="{56C3EADA-4855-B24B-836E-E0E128D4AC59}" presName="spVertical3" presStyleCnt="0"/>
+      <dgm:spPr/>
+    </dgm:pt>
+    <dgm:pt modelId="{21D694DD-E49A-6646-808B-C68C0B3BB454}" type="pres">
+      <dgm:prSet presAssocID="{2C31E827-0117-0A4A-AE13-8EFD30A0C7A2}" presName="padding2" presStyleCnt="0"/>
+      <dgm:spPr/>
+    </dgm:pt>
+    <dgm:pt modelId="{E6433DAB-0DF0-0E47-9C71-FD630179226D}" type="pres">
+      <dgm:prSet presAssocID="{2C31E827-0117-0A4A-AE13-8EFD30A0C7A2}" presName="negArrow" presStyleCnt="0"/>
+      <dgm:spPr/>
+    </dgm:pt>
+    <dgm:pt modelId="{6050EA93-415E-E34C-AB70-BA4F39E8AF11}" type="pres">
+      <dgm:prSet presAssocID="{2C31E827-0117-0A4A-AE13-8EFD30A0C7A2}" presName="backgroundArrow" presStyleLbl="node1" presStyleIdx="0" presStyleCnt="1"/>
+      <dgm:spPr/>
+    </dgm:pt>
+  </dgm:ptLst>
+  <dgm:cxnLst>
+    <dgm:cxn modelId="{4438D201-90C6-434D-B90B-592EE275270F}" type="presOf" srcId="{7A324E1F-31DD-E443-8205-8D2A9B05A6AC}" destId="{310BEC30-6A42-DD49-9BA6-5978A238E39A}" srcOrd="0" destOrd="0" presId="urn:microsoft.com/office/officeart/2005/8/layout/hProcess3"/>
+    <dgm:cxn modelId="{A4E8A603-E59E-6345-865E-9E9B581A30C0}" type="presOf" srcId="{AAE11D6F-E498-2E47-AF35-448F77555042}" destId="{B398352B-1CE2-8B49-ABC3-5FC2180F423E}" srcOrd="0" destOrd="0" presId="urn:microsoft.com/office/officeart/2005/8/layout/hProcess3"/>
+    <dgm:cxn modelId="{E25CFF09-46CC-7247-9096-4E6A1B38CDF4}" type="presOf" srcId="{0BF5866B-97D0-6B46-8C4D-2961A89531CE}" destId="{C3B89448-6BB9-D44E-84B0-BC9D1AF4DB8C}" srcOrd="0" destOrd="2" presId="urn:microsoft.com/office/officeart/2005/8/layout/hProcess3"/>
+    <dgm:cxn modelId="{B88CEB10-C4FB-5441-9DB2-E8F3F73292B8}" srcId="{2C31E827-0117-0A4A-AE13-8EFD30A0C7A2}" destId="{D154FD36-0C2B-0B4D-AC3D-C174E1F7DAE8}" srcOrd="0" destOrd="0" parTransId="{314977DD-067B-0245-B168-BA5B5D5157A3}" sibTransId="{78A0E570-C9B8-7F42-AFF2-28989376AA6D}"/>
+    <dgm:cxn modelId="{4860AF2D-D8C7-7D46-BF10-FE16653BE3CB}" srcId="{AAE11D6F-E498-2E47-AF35-448F77555042}" destId="{0BF5866B-97D0-6B46-8C4D-2961A89531CE}" srcOrd="2" destOrd="0" parTransId="{60C4B6FE-12EF-2B43-99C3-8D59ED9782E0}" sibTransId="{30C22749-9EA9-B547-8884-4B6DA90BF434}"/>
+    <dgm:cxn modelId="{B1EDB84C-8A65-E143-9FBE-B15E6533B760}" type="presOf" srcId="{D57D1C9C-6F91-2F46-B325-0EE40E1BED4B}" destId="{C94DE476-68F7-4B4D-98A2-9ED228E64F50}" srcOrd="0" destOrd="0" presId="urn:microsoft.com/office/officeart/2005/8/layout/hProcess3"/>
+    <dgm:cxn modelId="{129A115D-CB9D-5F4D-B5D8-273FB96BC85C}" type="presOf" srcId="{E0D7857A-921D-B847-B5F5-3E3FD1B105BC}" destId="{C3B89448-6BB9-D44E-84B0-BC9D1AF4DB8C}" srcOrd="0" destOrd="0" presId="urn:microsoft.com/office/officeart/2005/8/layout/hProcess3"/>
+    <dgm:cxn modelId="{8B800C5F-6697-DE45-9529-36B60B6C3723}" srcId="{2C31E827-0117-0A4A-AE13-8EFD30A0C7A2}" destId="{56C3EADA-4855-B24B-836E-E0E128D4AC59}" srcOrd="5" destOrd="0" parTransId="{A96B8506-86E6-D24D-B76D-57B6B50EE4E8}" sibTransId="{F84ECE5E-743D-ED41-8427-8C6785ED76B2}"/>
+    <dgm:cxn modelId="{9B589C6F-F360-BD40-8D89-8D124482DCB0}" srcId="{2C31E827-0117-0A4A-AE13-8EFD30A0C7A2}" destId="{AAE11D6F-E498-2E47-AF35-448F77555042}" srcOrd="2" destOrd="0" parTransId="{3B048D62-A9BB-1149-9811-E23FE6DAAA7A}" sibTransId="{95948897-813D-E749-90BA-F492F162F603}"/>
+    <dgm:cxn modelId="{B5DA6670-153C-DB42-B55A-6BF14A4A4170}" type="presOf" srcId="{DAC86830-7ADE-3944-AFD9-9B9061C3079B}" destId="{6DAA480C-ED80-CE44-9099-693C98A6459F}" srcOrd="0" destOrd="0" presId="urn:microsoft.com/office/officeart/2005/8/layout/hProcess3"/>
+    <dgm:cxn modelId="{8D518980-E63F-CA45-AD04-2469491F0826}" type="presOf" srcId="{47FFBA24-AA18-6147-95D5-B05EE198878F}" destId="{FA6C7996-C321-2E4D-AFCA-3C6EB53C2B2A}" srcOrd="0" destOrd="0" presId="urn:microsoft.com/office/officeart/2005/8/layout/hProcess3"/>
+    <dgm:cxn modelId="{58547283-8FC9-0243-962B-FD7106CD8ABC}" srcId="{AAE11D6F-E498-2E47-AF35-448F77555042}" destId="{E0D7857A-921D-B847-B5F5-3E3FD1B105BC}" srcOrd="0" destOrd="0" parTransId="{2994A960-B7BA-F24E-B559-208398DEA638}" sibTransId="{2EBF7D79-BB58-7941-BB50-15D63957ADAB}"/>
+    <dgm:cxn modelId="{DA9C5087-FACB-F64F-BDD5-CAF0B8751F66}" srcId="{2C31E827-0117-0A4A-AE13-8EFD30A0C7A2}" destId="{D57D1C9C-6F91-2F46-B325-0EE40E1BED4B}" srcOrd="1" destOrd="0" parTransId="{BBB02C51-8E2B-DC43-A484-DE1B1A9E2E97}" sibTransId="{FD25E93E-D137-3F4E-B71C-806C69BD810F}"/>
+    <dgm:cxn modelId="{89EA2190-4001-6249-A3EB-0424E5371D85}" type="presOf" srcId="{BB9E5E02-85D5-454D-B5D3-526D68A33838}" destId="{80B40A5B-2B56-C043-B2AB-E5812048B2F5}" srcOrd="0" destOrd="0" presId="urn:microsoft.com/office/officeart/2005/8/layout/hProcess3"/>
+    <dgm:cxn modelId="{C53E0691-EA7C-6A4D-B99F-4E7EC78CD0D9}" srcId="{2C31E827-0117-0A4A-AE13-8EFD30A0C7A2}" destId="{BB9E5E02-85D5-454D-B5D3-526D68A33838}" srcOrd="3" destOrd="0" parTransId="{1D41118E-E415-9243-AD93-D691D3EF4CA7}" sibTransId="{AF431332-A1EB-6A41-A5B3-CBD67443BB81}"/>
+    <dgm:cxn modelId="{522604A0-C1DD-2A48-9C58-8188ED581383}" type="presOf" srcId="{56C3EADA-4855-B24B-836E-E0E128D4AC59}" destId="{B36DC1EC-FF15-4B41-BBED-B0F735F2A2C8}" srcOrd="0" destOrd="0" presId="urn:microsoft.com/office/officeart/2005/8/layout/hProcess3"/>
+    <dgm:cxn modelId="{6ABEDCAA-4ED7-8B40-9522-8442FB9A64FF}" srcId="{D57D1C9C-6F91-2F46-B325-0EE40E1BED4B}" destId="{7A324E1F-31DD-E443-8205-8D2A9B05A6AC}" srcOrd="0" destOrd="0" parTransId="{186431DA-1315-4E47-8E05-FEB83E1F737D}" sibTransId="{6438C8EA-7DFD-6B4A-A0DE-1A3403F0657F}"/>
+    <dgm:cxn modelId="{C4A21BBE-B14A-5542-A999-7620B0CCE596}" type="presOf" srcId="{E3A7D3DC-93FA-E44F-9FB0-267F347B8034}" destId="{C3B89448-6BB9-D44E-84B0-BC9D1AF4DB8C}" srcOrd="0" destOrd="1" presId="urn:microsoft.com/office/officeart/2005/8/layout/hProcess3"/>
+    <dgm:cxn modelId="{DBACF4D0-C73D-3349-B8AA-F7B72EAA2515}" type="presOf" srcId="{2C31E827-0117-0A4A-AE13-8EFD30A0C7A2}" destId="{79DC8822-7DA5-CF43-AD3B-5DBA27CA2EB4}" srcOrd="0" destOrd="0" presId="urn:microsoft.com/office/officeart/2005/8/layout/hProcess3"/>
+    <dgm:cxn modelId="{AFC727E0-DB93-F440-B9F9-D0BDCA402C8A}" srcId="{AAE11D6F-E498-2E47-AF35-448F77555042}" destId="{E3A7D3DC-93FA-E44F-9FB0-267F347B8034}" srcOrd="1" destOrd="0" parTransId="{150EA214-FA62-EE42-8034-888504D595EC}" sibTransId="{4C5A8D59-2892-A74A-9AFB-F7E3043ADB62}"/>
+    <dgm:cxn modelId="{7C9DA8E6-EE4A-924E-82BD-13F6C5A13219}" srcId="{2C31E827-0117-0A4A-AE13-8EFD30A0C7A2}" destId="{47FFBA24-AA18-6147-95D5-B05EE198878F}" srcOrd="4" destOrd="0" parTransId="{C25A3DF7-592A-DA49-924E-2D65F825886C}" sibTransId="{1B83E76B-A0F6-B04D-BED5-750626CBC7ED}"/>
+    <dgm:cxn modelId="{4220C9F6-EAAB-5345-B78C-CBFC7E3D3CA1}" srcId="{D154FD36-0C2B-0B4D-AC3D-C174E1F7DAE8}" destId="{DAC86830-7ADE-3944-AFD9-9B9061C3079B}" srcOrd="0" destOrd="0" parTransId="{06FAAA40-A06F-7F4B-873B-B37B52993E69}" sibTransId="{5B189C70-907E-8C43-BEFF-C7F55326B6B2}"/>
+    <dgm:cxn modelId="{557C9AF8-141D-6B44-887E-9F38A30F2035}" type="presOf" srcId="{D154FD36-0C2B-0B4D-AC3D-C174E1F7DAE8}" destId="{52A1D059-CCCD-034E-A6D6-D6C2C3FEAF81}" srcOrd="0" destOrd="0" presId="urn:microsoft.com/office/officeart/2005/8/layout/hProcess3"/>
+    <dgm:cxn modelId="{858B0939-0179-E94F-A343-ABF29AB0891E}" type="presParOf" srcId="{79DC8822-7DA5-CF43-AD3B-5DBA27CA2EB4}" destId="{7144DDA6-DD42-F347-A7F8-9DE6E44493F9}" srcOrd="0" destOrd="0" presId="urn:microsoft.com/office/officeart/2005/8/layout/hProcess3"/>
+    <dgm:cxn modelId="{2AA10349-99D1-BD4B-9EA2-BF8CDFF4C75E}" type="presParOf" srcId="{79DC8822-7DA5-CF43-AD3B-5DBA27CA2EB4}" destId="{3D128A54-D634-3B47-AC38-319083BE2551}" srcOrd="1" destOrd="0" presId="urn:microsoft.com/office/officeart/2005/8/layout/hProcess3"/>
+    <dgm:cxn modelId="{071A347B-5B71-7540-8FFA-B834395B4B58}" type="presParOf" srcId="{3D128A54-D634-3B47-AC38-319083BE2551}" destId="{ED1B5226-39A4-7644-940F-4BC1BAAFE8B2}" srcOrd="0" destOrd="0" presId="urn:microsoft.com/office/officeart/2005/8/layout/hProcess3"/>
+    <dgm:cxn modelId="{6C51A37C-8AAF-D34B-8208-81AAC4E9B488}" type="presParOf" srcId="{3D128A54-D634-3B47-AC38-319083BE2551}" destId="{2714088F-2FE3-8B45-9FEA-3AE1429351F2}" srcOrd="1" destOrd="0" presId="urn:microsoft.com/office/officeart/2005/8/layout/hProcess3"/>
+    <dgm:cxn modelId="{627078F3-A7FA-0E43-B461-04C5AEE8DE58}" type="presParOf" srcId="{2714088F-2FE3-8B45-9FEA-3AE1429351F2}" destId="{A0E781B1-037A-B54A-8768-5C7A342734B9}" srcOrd="0" destOrd="0" presId="urn:microsoft.com/office/officeart/2005/8/layout/hProcess3"/>
+    <dgm:cxn modelId="{5BAE55AF-0A96-FD40-B3D9-4FEFE92329DA}" type="presParOf" srcId="{2714088F-2FE3-8B45-9FEA-3AE1429351F2}" destId="{52A1D059-CCCD-034E-A6D6-D6C2C3FEAF81}" srcOrd="1" destOrd="0" presId="urn:microsoft.com/office/officeart/2005/8/layout/hProcess3"/>
+    <dgm:cxn modelId="{3AEBFC74-D600-3E45-82A9-5E814F839E22}" type="presParOf" srcId="{2714088F-2FE3-8B45-9FEA-3AE1429351F2}" destId="{97128F19-F903-1740-8F2D-A1FD1A11B185}" srcOrd="2" destOrd="0" presId="urn:microsoft.com/office/officeart/2005/8/layout/hProcess3"/>
+    <dgm:cxn modelId="{52D52A01-C1E6-2144-9FFA-5818745C9DD6}" type="presParOf" srcId="{2714088F-2FE3-8B45-9FEA-3AE1429351F2}" destId="{6003562A-6671-7C4A-B3A9-F883F9FA4DA3}" srcOrd="3" destOrd="0" presId="urn:microsoft.com/office/officeart/2005/8/layout/hProcess3"/>
+    <dgm:cxn modelId="{BA077B21-0A36-404A-8822-43CE767B5097}" type="presParOf" srcId="{2714088F-2FE3-8B45-9FEA-3AE1429351F2}" destId="{6DAA480C-ED80-CE44-9099-693C98A6459F}" srcOrd="4" destOrd="0" presId="urn:microsoft.com/office/officeart/2005/8/layout/hProcess3"/>
+    <dgm:cxn modelId="{718E5771-C426-6940-8680-94F8430411A8}" type="presParOf" srcId="{3D128A54-D634-3B47-AC38-319083BE2551}" destId="{269115B9-1A32-1D4D-B058-CD5D6A19A2DA}" srcOrd="2" destOrd="0" presId="urn:microsoft.com/office/officeart/2005/8/layout/hProcess3"/>
+    <dgm:cxn modelId="{E7C304A6-CE55-BB44-BD60-ECFD5C48AB32}" type="presParOf" srcId="{3D128A54-D634-3B47-AC38-319083BE2551}" destId="{7CFEC262-51DD-FC4A-85D5-9A08B04D60AE}" srcOrd="3" destOrd="0" presId="urn:microsoft.com/office/officeart/2005/8/layout/hProcess3"/>
+    <dgm:cxn modelId="{3061388D-5452-7745-8379-F4D6C4341D78}" type="presParOf" srcId="{7CFEC262-51DD-FC4A-85D5-9A08B04D60AE}" destId="{CE4CC9AB-7AF9-674B-81FD-399656295A41}" srcOrd="0" destOrd="0" presId="urn:microsoft.com/office/officeart/2005/8/layout/hProcess3"/>
+    <dgm:cxn modelId="{0B0B79BA-9917-0142-8E7F-1C2DADCB7960}" type="presParOf" srcId="{7CFEC262-51DD-FC4A-85D5-9A08B04D60AE}" destId="{C94DE476-68F7-4B4D-98A2-9ED228E64F50}" srcOrd="1" destOrd="0" presId="urn:microsoft.com/office/officeart/2005/8/layout/hProcess3"/>
+    <dgm:cxn modelId="{8DD1E735-D0B8-7041-B339-09ED6B51043A}" type="presParOf" srcId="{7CFEC262-51DD-FC4A-85D5-9A08B04D60AE}" destId="{662BB732-338F-0C49-849D-1CAEC8F5E061}" srcOrd="2" destOrd="0" presId="urn:microsoft.com/office/officeart/2005/8/layout/hProcess3"/>
+    <dgm:cxn modelId="{65E86D3B-501B-0349-8596-BC86B006DB48}" type="presParOf" srcId="{7CFEC262-51DD-FC4A-85D5-9A08B04D60AE}" destId="{6DD9D4A8-E860-394F-A504-87261197896F}" srcOrd="3" destOrd="0" presId="urn:microsoft.com/office/officeart/2005/8/layout/hProcess3"/>
+    <dgm:cxn modelId="{9E801ADD-5F07-7445-9B2D-F04333DAAB1F}" type="presParOf" srcId="{7CFEC262-51DD-FC4A-85D5-9A08B04D60AE}" destId="{310BEC30-6A42-DD49-9BA6-5978A238E39A}" srcOrd="4" destOrd="0" presId="urn:microsoft.com/office/officeart/2005/8/layout/hProcess3"/>
+    <dgm:cxn modelId="{74416ABC-6D22-164E-BE55-7E9DE9081D21}" type="presParOf" srcId="{3D128A54-D634-3B47-AC38-319083BE2551}" destId="{D8A7CBDA-18FF-E043-BD81-A8C64E6496BC}" srcOrd="4" destOrd="0" presId="urn:microsoft.com/office/officeart/2005/8/layout/hProcess3"/>
+    <dgm:cxn modelId="{A1623CCE-5417-D048-9446-78958B696017}" type="presParOf" srcId="{3D128A54-D634-3B47-AC38-319083BE2551}" destId="{50FD0092-9883-7840-900C-D90FF9DBBF86}" srcOrd="5" destOrd="0" presId="urn:microsoft.com/office/officeart/2005/8/layout/hProcess3"/>
+    <dgm:cxn modelId="{E9A839D7-281E-2548-8412-33AA4E8BE96C}" type="presParOf" srcId="{50FD0092-9883-7840-900C-D90FF9DBBF86}" destId="{81E6E7E2-F79B-0B48-B1F0-22F1D79FCD07}" srcOrd="0" destOrd="0" presId="urn:microsoft.com/office/officeart/2005/8/layout/hProcess3"/>
+    <dgm:cxn modelId="{296A411C-6FE4-FB48-AEB6-AE7E7054F63F}" type="presParOf" srcId="{50FD0092-9883-7840-900C-D90FF9DBBF86}" destId="{B398352B-1CE2-8B49-ABC3-5FC2180F423E}" srcOrd="1" destOrd="0" presId="urn:microsoft.com/office/officeart/2005/8/layout/hProcess3"/>
+    <dgm:cxn modelId="{135B31AB-21DF-C94B-8F34-8E09374F9C9B}" type="presParOf" srcId="{50FD0092-9883-7840-900C-D90FF9DBBF86}" destId="{E5A73C63-B16C-6F4C-9FA0-25C721890C61}" srcOrd="2" destOrd="0" presId="urn:microsoft.com/office/officeart/2005/8/layout/hProcess3"/>
+    <dgm:cxn modelId="{E8C78B2C-6772-3548-89F9-F5DB368EAE4A}" type="presParOf" srcId="{50FD0092-9883-7840-900C-D90FF9DBBF86}" destId="{B42BF25D-62B8-3C41-8A13-3D978E9FD0D8}" srcOrd="3" destOrd="0" presId="urn:microsoft.com/office/officeart/2005/8/layout/hProcess3"/>
+    <dgm:cxn modelId="{874C7339-51F0-4348-9A1C-552458CF09EE}" type="presParOf" srcId="{50FD0092-9883-7840-900C-D90FF9DBBF86}" destId="{C3B89448-6BB9-D44E-84B0-BC9D1AF4DB8C}" srcOrd="4" destOrd="0" presId="urn:microsoft.com/office/officeart/2005/8/layout/hProcess3"/>
+    <dgm:cxn modelId="{66F05D4F-4723-344D-BFC0-1FC7A47BB464}" type="presParOf" srcId="{3D128A54-D634-3B47-AC38-319083BE2551}" destId="{DA09196A-6C4A-C346-9DB0-14318402BAC2}" srcOrd="6" destOrd="0" presId="urn:microsoft.com/office/officeart/2005/8/layout/hProcess3"/>
+    <dgm:cxn modelId="{CC5781F4-A1FC-194A-A95F-12DCB91D1D67}" type="presParOf" srcId="{3D128A54-D634-3B47-AC38-319083BE2551}" destId="{92C3EDEF-0885-5047-B596-A6180E8C3BBA}" srcOrd="7" destOrd="0" presId="urn:microsoft.com/office/officeart/2005/8/layout/hProcess3"/>
+    <dgm:cxn modelId="{09E73334-89E2-5846-9D60-C14C0051F246}" type="presParOf" srcId="{92C3EDEF-0885-5047-B596-A6180E8C3BBA}" destId="{B3211309-A645-E444-A544-BDD70649CA0C}" srcOrd="0" destOrd="0" presId="urn:microsoft.com/office/officeart/2005/8/layout/hProcess3"/>
+    <dgm:cxn modelId="{06481456-EDF1-0147-B0D1-C816928371A3}" type="presParOf" srcId="{92C3EDEF-0885-5047-B596-A6180E8C3BBA}" destId="{80B40A5B-2B56-C043-B2AB-E5812048B2F5}" srcOrd="1" destOrd="0" presId="urn:microsoft.com/office/officeart/2005/8/layout/hProcess3"/>
+    <dgm:cxn modelId="{59E80598-F31C-1C4E-8487-C289BC6A78CA}" type="presParOf" srcId="{92C3EDEF-0885-5047-B596-A6180E8C3BBA}" destId="{B3C76A37-0F2D-5E49-9381-272043675E12}" srcOrd="2" destOrd="0" presId="urn:microsoft.com/office/officeart/2005/8/layout/hProcess3"/>
+    <dgm:cxn modelId="{2C87356C-A223-764C-B8F2-D0147F646251}" type="presParOf" srcId="{92C3EDEF-0885-5047-B596-A6180E8C3BBA}" destId="{09756870-0B5F-144F-A7B9-23AE530D91C3}" srcOrd="3" destOrd="0" presId="urn:microsoft.com/office/officeart/2005/8/layout/hProcess3"/>
+    <dgm:cxn modelId="{AE651630-97CF-FB4C-ACDF-1D105E23244F}" type="presParOf" srcId="{3D128A54-D634-3B47-AC38-319083BE2551}" destId="{598E00E0-A485-5E4A-ACB9-2B1F5B5976E0}" srcOrd="8" destOrd="0" presId="urn:microsoft.com/office/officeart/2005/8/layout/hProcess3"/>
+    <dgm:cxn modelId="{1CB03E68-D3F5-7A4E-9111-11B1FAF5AC83}" type="presParOf" srcId="{3D128A54-D634-3B47-AC38-319083BE2551}" destId="{915C397B-7C76-EF48-972F-981721E55130}" srcOrd="9" destOrd="0" presId="urn:microsoft.com/office/officeart/2005/8/layout/hProcess3"/>
+    <dgm:cxn modelId="{063CEDCB-157D-DE47-A74D-1C437ED94CBA}" type="presParOf" srcId="{915C397B-7C76-EF48-972F-981721E55130}" destId="{664CC7AE-624E-B041-870E-505F29DD117F}" srcOrd="0" destOrd="0" presId="urn:microsoft.com/office/officeart/2005/8/layout/hProcess3"/>
+    <dgm:cxn modelId="{6A7258C2-299B-804C-B8F0-BB336B4DE64F}" type="presParOf" srcId="{915C397B-7C76-EF48-972F-981721E55130}" destId="{FA6C7996-C321-2E4D-AFCA-3C6EB53C2B2A}" srcOrd="1" destOrd="0" presId="urn:microsoft.com/office/officeart/2005/8/layout/hProcess3"/>
+    <dgm:cxn modelId="{1D73DA93-E456-974B-996D-BF0BADF757F0}" type="presParOf" srcId="{915C397B-7C76-EF48-972F-981721E55130}" destId="{37C0227F-240F-2C4A-B0B5-EE751FA31D9F}" srcOrd="2" destOrd="0" presId="urn:microsoft.com/office/officeart/2005/8/layout/hProcess3"/>
+    <dgm:cxn modelId="{F22A09D1-6EFE-DB4A-8238-9D98ED7A3DD3}" type="presParOf" srcId="{915C397B-7C76-EF48-972F-981721E55130}" destId="{B92D3792-8EBB-784F-862C-F0AEC197AFE4}" srcOrd="3" destOrd="0" presId="urn:microsoft.com/office/officeart/2005/8/layout/hProcess3"/>
+    <dgm:cxn modelId="{25E4A2F9-DA60-884C-99D0-CCE7F64FCDBE}" type="presParOf" srcId="{3D128A54-D634-3B47-AC38-319083BE2551}" destId="{2EC8DADB-325D-EE45-8AD7-BAC229127727}" srcOrd="10" destOrd="0" presId="urn:microsoft.com/office/officeart/2005/8/layout/hProcess3"/>
+    <dgm:cxn modelId="{F98A05C5-E069-0B46-9315-1ECFC73B7BA5}" type="presParOf" srcId="{3D128A54-D634-3B47-AC38-319083BE2551}" destId="{F48E23FD-4FFA-E64C-B494-2B02FF2BE32E}" srcOrd="11" destOrd="0" presId="urn:microsoft.com/office/officeart/2005/8/layout/hProcess3"/>
+    <dgm:cxn modelId="{0ACA4E3D-CEF6-C448-9DD7-7A919C8CADFC}" type="presParOf" srcId="{F48E23FD-4FFA-E64C-B494-2B02FF2BE32E}" destId="{6D048647-FB60-F341-A5F5-AED66E06391C}" srcOrd="0" destOrd="0" presId="urn:microsoft.com/office/officeart/2005/8/layout/hProcess3"/>
+    <dgm:cxn modelId="{CC6B9022-495E-334A-AE6D-B9865A9FCEE0}" type="presParOf" srcId="{F48E23FD-4FFA-E64C-B494-2B02FF2BE32E}" destId="{B36DC1EC-FF15-4B41-BBED-B0F735F2A2C8}" srcOrd="1" destOrd="0" presId="urn:microsoft.com/office/officeart/2005/8/layout/hProcess3"/>
+    <dgm:cxn modelId="{FC153358-A253-3943-A8AB-6CFF3C71D375}" type="presParOf" srcId="{F48E23FD-4FFA-E64C-B494-2B02FF2BE32E}" destId="{62BFFEE3-30DC-AE40-A53E-170951ADC47F}" srcOrd="2" destOrd="0" presId="urn:microsoft.com/office/officeart/2005/8/layout/hProcess3"/>
+    <dgm:cxn modelId="{5994C82F-FF0F-B14D-80D3-40A8AEAE5842}" type="presParOf" srcId="{F48E23FD-4FFA-E64C-B494-2B02FF2BE32E}" destId="{E49911DD-500F-054A-90E3-5C440F9C7C3D}" srcOrd="3" destOrd="0" presId="urn:microsoft.com/office/officeart/2005/8/layout/hProcess3"/>
+    <dgm:cxn modelId="{7159C5E8-E8FD-3549-BEB6-1BD49686B933}" type="presParOf" srcId="{3D128A54-D634-3B47-AC38-319083BE2551}" destId="{21D694DD-E49A-6646-808B-C68C0B3BB454}" srcOrd="12" destOrd="0" presId="urn:microsoft.com/office/officeart/2005/8/layout/hProcess3"/>
+    <dgm:cxn modelId="{FE8AA283-D6EB-F146-AF17-EAE486DD8D52}" type="presParOf" srcId="{3D128A54-D634-3B47-AC38-319083BE2551}" destId="{E6433DAB-0DF0-0E47-9C71-FD630179226D}" srcOrd="13" destOrd="0" presId="urn:microsoft.com/office/officeart/2005/8/layout/hProcess3"/>
+    <dgm:cxn modelId="{FB6DD39E-4E40-1C41-A613-5D550980086E}" type="presParOf" srcId="{3D128A54-D634-3B47-AC38-319083BE2551}" destId="{6050EA93-415E-E34C-AB70-BA4F39E8AF11}" srcOrd="14" destOrd="0" presId="urn:microsoft.com/office/officeart/2005/8/layout/hProcess3"/>
+  </dgm:cxnLst>
+  <dgm:bg/>
+  <dgm:whole/>
+  <dgm:extLst>
+    <a:ext uri="http://schemas.microsoft.com/office/drawing/2008/diagram">
+      <dsp:dataModelExt xmlns:dsp="http://schemas.microsoft.com/office/drawing/2008/diagram" relId="rId7" minVer="http://schemas.openxmlformats.org/drawingml/2006/diagram"/>
+    </a:ext>
+  </dgm:extLst>
+</dgm:dataModel>
+</file>
+
+<file path=ppt/diagrams/drawing1.xml><?xml version="1.0" encoding="utf-8"?>
+<dsp:drawing xmlns:dgm="http://schemas.openxmlformats.org/drawingml/2006/diagram" xmlns:dsp="http://schemas.microsoft.com/office/drawing/2008/diagram" xmlns:a="http://schemas.openxmlformats.org/drawingml/2006/main">
+  <dsp:spTree>
+    <dsp:nvGrpSpPr>
+      <dsp:cNvPr id="0" name=""/>
+      <dsp:cNvGrpSpPr/>
+    </dsp:nvGrpSpPr>
+    <dsp:grpSpPr/>
+    <dsp:sp modelId="{6050EA93-415E-E34C-AB70-BA4F39E8AF11}">
+      <dsp:nvSpPr>
+        <dsp:cNvPr id="0" name=""/>
+        <dsp:cNvSpPr/>
+      </dsp:nvSpPr>
+      <dsp:spPr>
+        <a:xfrm>
+          <a:off x="0" y="181522"/>
+          <a:ext cx="11277600" cy="2595315"/>
+        </a:xfrm>
+        <a:prstGeom prst="rightArrow">
+          <a:avLst/>
+        </a:prstGeom>
+        <a:gradFill rotWithShape="0">
+          <a:gsLst>
+            <a:gs pos="0">
+              <a:schemeClr val="accent1">
+                <a:hueOff val="0"/>
+                <a:satOff val="0"/>
+                <a:lumOff val="0"/>
+                <a:alphaOff val="0"/>
+                <a:lumMod val="110000"/>
+                <a:satMod val="105000"/>
+                <a:tint val="67000"/>
+              </a:schemeClr>
+            </a:gs>
+            <a:gs pos="50000">
+              <a:schemeClr val="accent1">
+                <a:hueOff val="0"/>
+                <a:satOff val="0"/>
+                <a:lumOff val="0"/>
+                <a:alphaOff val="0"/>
+                <a:lumMod val="105000"/>
+                <a:satMod val="103000"/>
+                <a:tint val="73000"/>
+              </a:schemeClr>
+            </a:gs>
+            <a:gs pos="100000">
+              <a:schemeClr val="accent1">
+                <a:hueOff val="0"/>
+                <a:satOff val="0"/>
+                <a:lumOff val="0"/>
+                <a:alphaOff val="0"/>
+                <a:lumMod val="105000"/>
+                <a:satMod val="109000"/>
+                <a:tint val="81000"/>
+              </a:schemeClr>
+            </a:gs>
+          </a:gsLst>
+          <a:lin ang="5400000" scaled="0"/>
+        </a:gradFill>
+        <a:ln>
+          <a:noFill/>
+        </a:ln>
+        <a:effectLst/>
+        <a:scene3d>
+          <a:camera prst="orthographicFront"/>
+          <a:lightRig rig="flat" dir="t"/>
+        </a:scene3d>
+        <a:sp3d prstMaterial="dkEdge">
+          <a:bevelT w="8200" h="38100"/>
+        </a:sp3d>
+      </dsp:spPr>
+      <dsp:style>
+        <a:lnRef idx="0">
+          <a:scrgbClr r="0" g="0" b="0"/>
+        </a:lnRef>
+        <a:fillRef idx="2">
+          <a:scrgbClr r="0" g="0" b="0"/>
+        </a:fillRef>
+        <a:effectRef idx="1">
+          <a:scrgbClr r="0" g="0" b="0"/>
+        </a:effectRef>
+        <a:fontRef idx="minor">
+          <a:schemeClr val="dk1"/>
+        </a:fontRef>
+      </dsp:style>
+    </dsp:sp>
+    <dsp:sp modelId="{B36DC1EC-FF15-4B41-BBED-B0F735F2A2C8}">
+      <dsp:nvSpPr>
+        <dsp:cNvPr id="0" name=""/>
+        <dsp:cNvSpPr/>
+      </dsp:nvSpPr>
+      <dsp:spPr>
+        <a:xfrm>
+          <a:off x="8864041" y="830351"/>
+          <a:ext cx="1325723" cy="1297657"/>
+        </a:xfrm>
+        <a:prstGeom prst="rect">
+          <a:avLst/>
+        </a:prstGeom>
+        <a:noFill/>
+        <a:ln>
+          <a:noFill/>
+        </a:ln>
+        <a:effectLst/>
+      </dsp:spPr>
+      <dsp:style>
+        <a:lnRef idx="0">
+          <a:scrgbClr r="0" g="0" b="0"/>
+        </a:lnRef>
+        <a:fillRef idx="0">
+          <a:scrgbClr r="0" g="0" b="0"/>
+        </a:fillRef>
+        <a:effectRef idx="0">
+          <a:scrgbClr r="0" g="0" b="0"/>
+        </a:effectRef>
+        <a:fontRef idx="minor"/>
+      </dsp:style>
+      <dsp:txBody>
+        <a:bodyPr spcFirstLastPara="0" vert="horz" wrap="square" lIns="0" tIns="142240" rIns="0" bIns="142240" numCol="1" spcCol="1270" anchor="t" anchorCtr="0">
+          <a:noAutofit/>
+        </a:bodyPr>
+        <a:lstStyle/>
+        <a:p>
+          <a:pPr marL="0" lvl="0" indent="0" algn="l" defTabSz="622300">
+            <a:lnSpc>
+              <a:spcPct val="90000"/>
+            </a:lnSpc>
+            <a:spcBef>
+              <a:spcPct val="0"/>
+            </a:spcBef>
+            <a:spcAft>
+              <a:spcPct val="35000"/>
+            </a:spcAft>
+            <a:buNone/>
+          </a:pPr>
+          <a:r>
+            <a:rPr lang="en-US" sz="1400" kern="1200" dirty="0"/>
+            <a:t>6. Data and analysis archived</a:t>
+          </a:r>
+        </a:p>
+      </dsp:txBody>
+      <dsp:txXfrm>
+        <a:off x="8864041" y="830351"/>
+        <a:ext cx="1325723" cy="1297657"/>
+      </dsp:txXfrm>
+    </dsp:sp>
+    <dsp:sp modelId="{FA6C7996-C321-2E4D-AFCA-3C6EB53C2B2A}">
+      <dsp:nvSpPr>
+        <dsp:cNvPr id="0" name=""/>
+        <dsp:cNvSpPr/>
+      </dsp:nvSpPr>
+      <dsp:spPr>
+        <a:xfrm>
+          <a:off x="7273173" y="830351"/>
+          <a:ext cx="1325723" cy="1297657"/>
+        </a:xfrm>
+        <a:prstGeom prst="rect">
+          <a:avLst/>
+        </a:prstGeom>
+        <a:noFill/>
+        <a:ln>
+          <a:noFill/>
+        </a:ln>
+        <a:effectLst/>
+      </dsp:spPr>
+      <dsp:style>
+        <a:lnRef idx="0">
+          <a:scrgbClr r="0" g="0" b="0"/>
+        </a:lnRef>
+        <a:fillRef idx="0">
+          <a:scrgbClr r="0" g="0" b="0"/>
+        </a:fillRef>
+        <a:effectRef idx="0">
+          <a:scrgbClr r="0" g="0" b="0"/>
+        </a:effectRef>
+        <a:fontRef idx="minor"/>
+      </dsp:style>
+      <dsp:txBody>
+        <a:bodyPr spcFirstLastPara="0" vert="horz" wrap="square" lIns="0" tIns="142240" rIns="0" bIns="142240" numCol="1" spcCol="1270" anchor="t" anchorCtr="0">
+          <a:noAutofit/>
+        </a:bodyPr>
+        <a:lstStyle/>
+        <a:p>
+          <a:pPr marL="0" lvl="0" indent="0" algn="l" defTabSz="622300">
+            <a:lnSpc>
+              <a:spcPct val="90000"/>
+            </a:lnSpc>
+            <a:spcBef>
+              <a:spcPct val="0"/>
+            </a:spcBef>
+            <a:spcAft>
+              <a:spcPct val="35000"/>
+            </a:spcAft>
+            <a:buNone/>
+          </a:pPr>
+          <a:r>
+            <a:rPr lang="en-US" sz="1400" kern="1200" dirty="0"/>
+            <a:t>5. Data and analysis submitted to public repositories</a:t>
+          </a:r>
+        </a:p>
+      </dsp:txBody>
+      <dsp:txXfrm>
+        <a:off x="7273173" y="830351"/>
+        <a:ext cx="1325723" cy="1297657"/>
+      </dsp:txXfrm>
+    </dsp:sp>
+    <dsp:sp modelId="{80B40A5B-2B56-C043-B2AB-E5812048B2F5}">
+      <dsp:nvSpPr>
+        <dsp:cNvPr id="0" name=""/>
+        <dsp:cNvSpPr/>
+      </dsp:nvSpPr>
+      <dsp:spPr>
+        <a:xfrm>
+          <a:off x="5682304" y="830351"/>
+          <a:ext cx="1325723" cy="1297657"/>
+        </a:xfrm>
+        <a:prstGeom prst="rect">
+          <a:avLst/>
+        </a:prstGeom>
+        <a:noFill/>
+        <a:ln>
+          <a:noFill/>
+        </a:ln>
+        <a:effectLst/>
+      </dsp:spPr>
+      <dsp:style>
+        <a:lnRef idx="0">
+          <a:scrgbClr r="0" g="0" b="0"/>
+        </a:lnRef>
+        <a:fillRef idx="0">
+          <a:scrgbClr r="0" g="0" b="0"/>
+        </a:fillRef>
+        <a:effectRef idx="0">
+          <a:scrgbClr r="0" g="0" b="0"/>
+        </a:effectRef>
+        <a:fontRef idx="minor"/>
+      </dsp:style>
+      <dsp:txBody>
+        <a:bodyPr spcFirstLastPara="0" vert="horz" wrap="square" lIns="0" tIns="142240" rIns="0" bIns="142240" numCol="1" spcCol="1270" anchor="t" anchorCtr="0">
+          <a:noAutofit/>
+        </a:bodyPr>
+        <a:lstStyle/>
+        <a:p>
+          <a:pPr marL="0" lvl="0" indent="0" algn="l" defTabSz="622300">
+            <a:lnSpc>
+              <a:spcPct val="90000"/>
+            </a:lnSpc>
+            <a:spcBef>
+              <a:spcPct val="0"/>
+            </a:spcBef>
+            <a:spcAft>
+              <a:spcPct val="35000"/>
+            </a:spcAft>
+            <a:buNone/>
+          </a:pPr>
+          <a:r>
+            <a:rPr lang="en-US" sz="1400" kern="1200" dirty="0"/>
+            <a:t>4. Data analysis</a:t>
+          </a:r>
+        </a:p>
+      </dsp:txBody>
+      <dsp:txXfrm>
+        <a:off x="5682304" y="830351"/>
+        <a:ext cx="1325723" cy="1297657"/>
+      </dsp:txXfrm>
+    </dsp:sp>
+    <dsp:sp modelId="{C3B89448-6BB9-D44E-84B0-BC9D1AF4DB8C}">
+      <dsp:nvSpPr>
+        <dsp:cNvPr id="0" name=""/>
+        <dsp:cNvSpPr/>
+      </dsp:nvSpPr>
+      <dsp:spPr>
+        <a:xfrm>
+          <a:off x="4091436" y="2257774"/>
+          <a:ext cx="1325723" cy="1912040"/>
+        </a:xfrm>
+        <a:prstGeom prst="rect">
+          <a:avLst/>
+        </a:prstGeom>
+        <a:noFill/>
+        <a:ln>
+          <a:noFill/>
+        </a:ln>
+        <a:effectLst/>
+      </dsp:spPr>
+      <dsp:style>
+        <a:lnRef idx="0">
+          <a:scrgbClr r="0" g="0" b="0"/>
+        </a:lnRef>
+        <a:fillRef idx="0">
+          <a:scrgbClr r="0" g="0" b="0"/>
+        </a:fillRef>
+        <a:effectRef idx="0">
+          <a:scrgbClr r="0" g="0" b="0"/>
+        </a:effectRef>
+        <a:fontRef idx="minor"/>
+      </dsp:style>
+      <dsp:txBody>
+        <a:bodyPr spcFirstLastPara="0" vert="horz" wrap="square" lIns="0" tIns="0" rIns="0" bIns="0" numCol="1" spcCol="1270" anchor="t" anchorCtr="0">
+          <a:noAutofit/>
+        </a:bodyPr>
+        <a:lstStyle/>
+        <a:p>
+          <a:pPr marL="57150" lvl="1" indent="-57150" algn="l" defTabSz="488950">
+            <a:lnSpc>
+              <a:spcPct val="90000"/>
+            </a:lnSpc>
+            <a:spcBef>
+              <a:spcPct val="0"/>
+            </a:spcBef>
+            <a:spcAft>
+              <a:spcPct val="15000"/>
+            </a:spcAft>
+            <a:buFont typeface="Apple Color Emoji" pitchFamily="2" charset="0"/>
+            <a:buChar char="👎"/>
+          </a:pPr>
+          <a:r>
+            <a:rPr lang="en-US" sz="1100" kern="1200" dirty="0"/>
+            <a:t>Wet-lab researcher doesn’t know how to open up file permissions to others.</a:t>
+          </a:r>
+        </a:p>
+        <a:p>
+          <a:pPr marL="57150" lvl="1" indent="-57150" algn="l" defTabSz="488950">
+            <a:lnSpc>
+              <a:spcPct val="90000"/>
+            </a:lnSpc>
+            <a:spcBef>
+              <a:spcPct val="0"/>
+            </a:spcBef>
+            <a:spcAft>
+              <a:spcPct val="15000"/>
+            </a:spcAft>
+            <a:buFont typeface="Apple Color Emoji" pitchFamily="2" charset="0"/>
+            <a:buChar char="👎"/>
+          </a:pPr>
+          <a:r>
+            <a:rPr lang="en-US" sz="1100" kern="1200" dirty="0"/>
+            <a:t>Bioinformatician receives incoherent, incomplete, and/or inconsistent metadata.</a:t>
+          </a:r>
+        </a:p>
+        <a:p>
+          <a:pPr marL="57150" lvl="1" indent="-57150" algn="l" defTabSz="488950">
+            <a:lnSpc>
+              <a:spcPct val="90000"/>
+            </a:lnSpc>
+            <a:spcBef>
+              <a:spcPct val="0"/>
+            </a:spcBef>
+            <a:spcAft>
+              <a:spcPct val="15000"/>
+            </a:spcAft>
+            <a:buFont typeface="Apple Color Emoji" pitchFamily="2" charset="0"/>
+            <a:buChar char="👎"/>
+          </a:pPr>
+          <a:r>
+            <a:rPr lang="en-US" sz="1100" kern="1200" dirty="0"/>
+            <a:t>Flow cell ID lost – difficult to track and restore the data.</a:t>
+          </a:r>
+        </a:p>
+      </dsp:txBody>
+      <dsp:txXfrm>
+        <a:off x="4091436" y="2257774"/>
+        <a:ext cx="1325723" cy="1912040"/>
+      </dsp:txXfrm>
+    </dsp:sp>
+    <dsp:sp modelId="{B398352B-1CE2-8B49-ABC3-5FC2180F423E}">
+      <dsp:nvSpPr>
+        <dsp:cNvPr id="0" name=""/>
+        <dsp:cNvSpPr/>
+      </dsp:nvSpPr>
+      <dsp:spPr>
+        <a:xfrm>
+          <a:off x="4091436" y="830351"/>
+          <a:ext cx="1325723" cy="1297657"/>
+        </a:xfrm>
+        <a:prstGeom prst="rect">
+          <a:avLst/>
+        </a:prstGeom>
+        <a:noFill/>
+        <a:ln>
+          <a:noFill/>
+        </a:ln>
+        <a:effectLst/>
+      </dsp:spPr>
+      <dsp:style>
+        <a:lnRef idx="0">
+          <a:scrgbClr r="0" g="0" b="0"/>
+        </a:lnRef>
+        <a:fillRef idx="0">
+          <a:scrgbClr r="0" g="0" b="0"/>
+        </a:fillRef>
+        <a:effectRef idx="0">
+          <a:scrgbClr r="0" g="0" b="0"/>
+        </a:effectRef>
+        <a:fontRef idx="minor"/>
+      </dsp:style>
+      <dsp:txBody>
+        <a:bodyPr spcFirstLastPara="0" vert="horz" wrap="square" lIns="0" tIns="142240" rIns="0" bIns="142240" numCol="1" spcCol="1270" anchor="t" anchorCtr="0">
+          <a:noAutofit/>
+        </a:bodyPr>
+        <a:lstStyle/>
+        <a:p>
+          <a:pPr marL="0" lvl="0" indent="0" algn="l" defTabSz="622300">
+            <a:lnSpc>
+              <a:spcPct val="90000"/>
+            </a:lnSpc>
+            <a:spcBef>
+              <a:spcPct val="0"/>
+            </a:spcBef>
+            <a:spcAft>
+              <a:spcPct val="35000"/>
+            </a:spcAft>
+            <a:buNone/>
+          </a:pPr>
+          <a:r>
+            <a:rPr lang="en-US" sz="1400" kern="1200" dirty="0"/>
+            <a:t>3. Data received on cluster</a:t>
+          </a:r>
+        </a:p>
+      </dsp:txBody>
+      <dsp:txXfrm>
+        <a:off x="4091436" y="830351"/>
+        <a:ext cx="1325723" cy="1297657"/>
+      </dsp:txXfrm>
+    </dsp:sp>
+    <dsp:sp modelId="{310BEC30-6A42-DD49-9BA6-5978A238E39A}">
+      <dsp:nvSpPr>
+        <dsp:cNvPr id="0" name=""/>
+        <dsp:cNvSpPr/>
+      </dsp:nvSpPr>
+      <dsp:spPr>
+        <a:xfrm>
+          <a:off x="2500567" y="2257774"/>
+          <a:ext cx="1325723" cy="1912040"/>
+        </a:xfrm>
+        <a:prstGeom prst="rect">
+          <a:avLst/>
+        </a:prstGeom>
+        <a:noFill/>
+        <a:ln>
+          <a:noFill/>
+        </a:ln>
+        <a:effectLst/>
+      </dsp:spPr>
+      <dsp:style>
+        <a:lnRef idx="0">
+          <a:scrgbClr r="0" g="0" b="0"/>
+        </a:lnRef>
+        <a:fillRef idx="0">
+          <a:scrgbClr r="0" g="0" b="0"/>
+        </a:fillRef>
+        <a:effectRef idx="0">
+          <a:scrgbClr r="0" g="0" b="0"/>
+        </a:effectRef>
+        <a:fontRef idx="minor"/>
+      </dsp:style>
+      <dsp:txBody>
+        <a:bodyPr spcFirstLastPara="0" vert="horz" wrap="square" lIns="0" tIns="0" rIns="0" bIns="0" numCol="1" spcCol="1270" anchor="t" anchorCtr="0">
+          <a:noAutofit/>
+        </a:bodyPr>
+        <a:lstStyle/>
+        <a:p>
+          <a:pPr marL="57150" lvl="1" indent="-57150" algn="l" defTabSz="488950">
+            <a:lnSpc>
+              <a:spcPct val="90000"/>
+            </a:lnSpc>
+            <a:spcBef>
+              <a:spcPct val="0"/>
+            </a:spcBef>
+            <a:spcAft>
+              <a:spcPct val="15000"/>
+            </a:spcAft>
+            <a:buFont typeface="Apple Color Emoji" pitchFamily="2" charset="0"/>
+            <a:buChar char="👎"/>
+          </a:pPr>
+          <a:r>
+            <a:rPr lang="en-US" sz="1100" kern="1200"/>
+            <a:t>Assigned bioinformatician unaware of incoming data.</a:t>
+          </a:r>
+          <a:endParaRPr lang="en-US" sz="1100" kern="1200" dirty="0"/>
+        </a:p>
+      </dsp:txBody>
+      <dsp:txXfrm>
+        <a:off x="2500567" y="2257774"/>
+        <a:ext cx="1325723" cy="1912040"/>
+      </dsp:txXfrm>
+    </dsp:sp>
+    <dsp:sp modelId="{C94DE476-68F7-4B4D-98A2-9ED228E64F50}">
+      <dsp:nvSpPr>
+        <dsp:cNvPr id="0" name=""/>
+        <dsp:cNvSpPr/>
+      </dsp:nvSpPr>
+      <dsp:spPr>
+        <a:xfrm>
+          <a:off x="2500567" y="830351"/>
+          <a:ext cx="1325723" cy="1297657"/>
+        </a:xfrm>
+        <a:prstGeom prst="rect">
+          <a:avLst/>
+        </a:prstGeom>
+        <a:noFill/>
+        <a:ln>
+          <a:noFill/>
+        </a:ln>
+        <a:effectLst/>
+      </dsp:spPr>
+      <dsp:style>
+        <a:lnRef idx="0">
+          <a:scrgbClr r="0" g="0" b="0"/>
+        </a:lnRef>
+        <a:fillRef idx="0">
+          <a:scrgbClr r="0" g="0" b="0"/>
+        </a:fillRef>
+        <a:effectRef idx="0">
+          <a:scrgbClr r="0" g="0" b="0"/>
+        </a:effectRef>
+        <a:fontRef idx="minor"/>
+      </dsp:style>
+      <dsp:txBody>
+        <a:bodyPr spcFirstLastPara="0" vert="horz" wrap="square" lIns="0" tIns="142240" rIns="0" bIns="142240" numCol="1" spcCol="1270" anchor="t" anchorCtr="0">
+          <a:noAutofit/>
+        </a:bodyPr>
+        <a:lstStyle/>
+        <a:p>
+          <a:pPr marL="0" lvl="0" indent="0" algn="l" defTabSz="622300">
+            <a:lnSpc>
+              <a:spcPct val="90000"/>
+            </a:lnSpc>
+            <a:spcBef>
+              <a:spcPct val="0"/>
+            </a:spcBef>
+            <a:spcAft>
+              <a:spcPct val="35000"/>
+            </a:spcAft>
+            <a:buNone/>
+          </a:pPr>
+          <a:r>
+            <a:rPr lang="en-US" sz="1400" kern="1200" dirty="0"/>
+            <a:t>2. Submission to sequencing core</a:t>
+          </a:r>
+        </a:p>
+      </dsp:txBody>
+      <dsp:txXfrm>
+        <a:off x="2500567" y="830351"/>
+        <a:ext cx="1325723" cy="1297657"/>
+      </dsp:txXfrm>
+    </dsp:sp>
+    <dsp:sp modelId="{6DAA480C-ED80-CE44-9099-693C98A6459F}">
+      <dsp:nvSpPr>
+        <dsp:cNvPr id="0" name=""/>
+        <dsp:cNvSpPr/>
+      </dsp:nvSpPr>
+      <dsp:spPr>
+        <a:xfrm>
+          <a:off x="909699" y="2257774"/>
+          <a:ext cx="1325723" cy="1912040"/>
+        </a:xfrm>
+        <a:prstGeom prst="rect">
+          <a:avLst/>
+        </a:prstGeom>
+        <a:noFill/>
+        <a:ln>
+          <a:noFill/>
+        </a:ln>
+        <a:effectLst/>
+      </dsp:spPr>
+      <dsp:style>
+        <a:lnRef idx="0">
+          <a:scrgbClr r="0" g="0" b="0"/>
+        </a:lnRef>
+        <a:fillRef idx="0">
+          <a:scrgbClr r="0" g="0" b="0"/>
+        </a:fillRef>
+        <a:effectRef idx="0">
+          <a:scrgbClr r="0" g="0" b="0"/>
+        </a:effectRef>
+        <a:fontRef idx="minor"/>
+      </dsp:style>
+      <dsp:txBody>
+        <a:bodyPr spcFirstLastPara="0" vert="horz" wrap="square" lIns="0" tIns="0" rIns="0" bIns="0" numCol="1" spcCol="1270" anchor="t" anchorCtr="0">
+          <a:noAutofit/>
+        </a:bodyPr>
+        <a:lstStyle/>
+        <a:p>
+          <a:pPr marL="57150" lvl="1" indent="-57150" algn="l" defTabSz="488950">
+            <a:lnSpc>
+              <a:spcPct val="90000"/>
+            </a:lnSpc>
+            <a:spcBef>
+              <a:spcPct val="0"/>
+            </a:spcBef>
+            <a:spcAft>
+              <a:spcPct val="15000"/>
+            </a:spcAft>
+            <a:buFont typeface=".Apple Color Emoji UI"/>
+            <a:buChar char="👎"/>
+          </a:pPr>
+          <a:r>
+            <a:rPr lang="en-US" sz="1100" kern="1200" dirty="0"/>
+            <a:t> Bioinformatician unaware of experimental design.</a:t>
+          </a:r>
+        </a:p>
+      </dsp:txBody>
+      <dsp:txXfrm>
+        <a:off x="909699" y="2257774"/>
+        <a:ext cx="1325723" cy="1912040"/>
+      </dsp:txXfrm>
+    </dsp:sp>
+    <dsp:sp modelId="{52A1D059-CCCD-034E-A6D6-D6C2C3FEAF81}">
+      <dsp:nvSpPr>
+        <dsp:cNvPr id="0" name=""/>
+        <dsp:cNvSpPr/>
+      </dsp:nvSpPr>
+      <dsp:spPr>
+        <a:xfrm>
+          <a:off x="909699" y="830351"/>
+          <a:ext cx="1325723" cy="1297657"/>
+        </a:xfrm>
+        <a:prstGeom prst="rect">
+          <a:avLst/>
+        </a:prstGeom>
+        <a:noFill/>
+        <a:ln>
+          <a:noFill/>
+        </a:ln>
+        <a:effectLst/>
+      </dsp:spPr>
+      <dsp:style>
+        <a:lnRef idx="0">
+          <a:scrgbClr r="0" g="0" b="0"/>
+        </a:lnRef>
+        <a:fillRef idx="0">
+          <a:scrgbClr r="0" g="0" b="0"/>
+        </a:fillRef>
+        <a:effectRef idx="0">
+          <a:scrgbClr r="0" g="0" b="0"/>
+        </a:effectRef>
+        <a:fontRef idx="minor"/>
+      </dsp:style>
+      <dsp:txBody>
+        <a:bodyPr spcFirstLastPara="0" vert="horz" wrap="square" lIns="0" tIns="142240" rIns="0" bIns="142240" numCol="1" spcCol="1270" anchor="t" anchorCtr="0">
+          <a:noAutofit/>
+        </a:bodyPr>
+        <a:lstStyle/>
+        <a:p>
+          <a:pPr marL="0" lvl="0" indent="0" algn="l" defTabSz="622300">
+            <a:lnSpc>
+              <a:spcPct val="90000"/>
+            </a:lnSpc>
+            <a:spcBef>
+              <a:spcPct val="0"/>
+            </a:spcBef>
+            <a:spcAft>
+              <a:spcPct val="35000"/>
+            </a:spcAft>
+            <a:buNone/>
+          </a:pPr>
+          <a:r>
+            <a:rPr lang="en-US" sz="1400" kern="1200" dirty="0"/>
+            <a:t>1. Sample preparation</a:t>
+          </a:r>
+        </a:p>
+      </dsp:txBody>
+      <dsp:txXfrm>
+        <a:off x="909699" y="830351"/>
+        <a:ext cx="1325723" cy="1297657"/>
+      </dsp:txXfrm>
+    </dsp:sp>
+  </dsp:spTree>
+</dsp:drawing>
+</file>
+
+<file path=ppt/diagrams/layout1.xml><?xml version="1.0" encoding="utf-8"?>
+<dgm:layoutDef xmlns:dgm="http://schemas.openxmlformats.org/drawingml/2006/diagram" xmlns:a="http://schemas.openxmlformats.org/drawingml/2006/main" uniqueId="urn:microsoft.com/office/officeart/2005/8/layout/hProcess3">
+  <dgm:title val=""/>
+  <dgm:desc val=""/>
+  <dgm:catLst>
+    <dgm:cat type="process" pri="6000"/>
+  </dgm:catLst>
+  <dgm:sampData useDef="1">
+    <dgm:dataModel>
+      <dgm:ptLst/>
+      <dgm:bg/>
+      <dgm:whole/>
+    </dgm:dataModel>
+  </dgm:sampData>
+  <dgm:styleData>
+    <dgm:dataModel>
+      <dgm:ptLst>
+        <dgm:pt modelId="0" type="doc"/>
+        <dgm:pt modelId="1"/>
+        <dgm:pt modelId="2"/>
+      </dgm:ptLst>
+      <dgm:cxnLst>
+        <dgm:cxn modelId="3" srcId="0" destId="1" srcOrd="0" destOrd="0"/>
+        <dgm:cxn modelId="4" srcId="0" destId="2" srcOrd="1" destOrd="0"/>
+      </dgm:cxnLst>
+      <dgm:bg/>
+      <dgm:whole/>
+    </dgm:dataModel>
+  </dgm:styleData>
+  <dgm:clrData>
+    <dgm:dataModel>
+      <dgm:ptLst>
+        <dgm:pt modelId="0" type="doc"/>
+        <dgm:pt modelId="1"/>
+        <dgm:pt modelId="2"/>
+        <dgm:pt modelId="3"/>
+        <dgm:pt modelId="4"/>
+      </dgm:ptLst>
+      <dgm:cxnLst>
+        <dgm:cxn modelId="5" srcId="0" destId="1" srcOrd="0" destOrd="0"/>
+        <dgm:cxn modelId="6" srcId="0" destId="2" srcOrd="1" destOrd="0"/>
+        <dgm:cxn modelId="7" srcId="0" destId="3" srcOrd="2" destOrd="0"/>
+        <dgm:cxn modelId="8" srcId="0" destId="4" srcOrd="3" destOrd="0"/>
+      </dgm:cxnLst>
+      <dgm:bg/>
+      <dgm:whole/>
+    </dgm:dataModel>
+  </dgm:clrData>
+  <dgm:layoutNode name="Name0" chOrder="t">
+    <dgm:varLst>
+      <dgm:dir/>
+      <dgm:animLvl val="lvl"/>
+      <dgm:resizeHandles val="exact"/>
+    </dgm:varLst>
+    <dgm:alg type="composite"/>
+    <dgm:shape xmlns:r="http://schemas.openxmlformats.org/officeDocument/2006/relationships" r:blip="">
+      <dgm:adjLst/>
+    </dgm:shape>
+    <dgm:presOf/>
+    <dgm:constrLst>
+      <dgm:constr type="w" for="ch" forName="dummy" refType="w"/>
+      <dgm:constr type="h" for="ch" forName="dummy" refType="h"/>
+      <dgm:constr type="h" for="ch" forName="dummy" refType="w" refFor="ch" refForName="dummy" op="lte" fact="0.4"/>
+      <dgm:constr type="ctrX" for="ch" forName="dummy" refType="w" fact="0.5"/>
+      <dgm:constr type="ctrY" for="ch" forName="dummy" refType="h" fact="0.5"/>
+      <dgm:constr type="w" for="ch" forName="linH" refType="w"/>
+      <dgm:constr type="h" for="ch" forName="linH" refType="h"/>
+      <dgm:constr type="ctrX" for="ch" forName="linH" refType="w" fact="0.5"/>
+      <dgm:constr type="ctrY" for="ch" forName="linH" refType="h" fact="0.5"/>
+      <dgm:constr type="userP" for="ch" forName="linH" refType="h" refFor="ch" refForName="dummy" fact="0.25"/>
+      <dgm:constr type="userT" for="des" forName="parTx" refType="w" refFor="ch" refForName="dummy" fact="0.2"/>
+    </dgm:constrLst>
+    <dgm:ruleLst/>
+    <dgm:layoutNode name="dummy">
+      <dgm:alg type="sp"/>
+      <dgm:shape xmlns:r="http://schemas.openxmlformats.org/officeDocument/2006/relationships" r:blip="">
+        <dgm:adjLst/>
+      </dgm:shape>
+      <dgm:presOf/>
+      <dgm:constrLst/>
+      <dgm:ruleLst/>
+    </dgm:layoutNode>
+    <dgm:layoutNode name="linH">
+      <dgm:choose name="Name1">
+        <dgm:if name="Name2" func="var" arg="dir" op="equ" val="norm">
+          <dgm:alg type="lin">
+            <dgm:param type="linDir" val="fromL"/>
+            <dgm:param type="nodeVertAlign" val="t"/>
+          </dgm:alg>
+        </dgm:if>
+        <dgm:else name="Name3">
+          <dgm:alg type="lin">
+            <dgm:param type="linDir" val="fromR"/>
+            <dgm:param type="nodeVertAlign" val="t"/>
+          </dgm:alg>
+        </dgm:else>
+      </dgm:choose>
+      <dgm:shape xmlns:r="http://schemas.openxmlformats.org/officeDocument/2006/relationships" r:blip="">
+        <dgm:adjLst/>
+      </dgm:shape>
+      <dgm:presOf/>
+      <dgm:constrLst>
+        <dgm:constr type="primFontSz" for="des" forName="parTx" val="65"/>
+        <dgm:constr type="primFontSz" for="des" forName="desTx" refType="primFontSz" refFor="des" refForName="parTx" op="equ"/>
+        <dgm:constr type="h" for="des" forName="parTx" refType="primFontSz" refFor="des" refForName="parTx"/>
+        <dgm:constr type="h" for="des" forName="desTx" refType="primFontSz" refFor="des" refForName="parTx" fact="0.5"/>
+        <dgm:constr type="h" for="des" forName="parTx" op="equ"/>
+        <dgm:constr type="h" for="des" forName="desTx" op="equ"/>
+        <dgm:constr type="h" for="ch" forName="backgroundArrow" refType="primFontSz" refFor="des" refForName="parTx" fact="2"/>
+        <dgm:constr type="h" for="ch" forName="backgroundArrow" refType="h" refFor="des" refForName="parTx" op="lte" fact="2"/>
+        <dgm:constr type="h" for="ch" forName="backgroundArrow" refType="h" refFor="des" refForName="parTx" op="gte" fact="2"/>
+        <dgm:constr type="h" for="des" forName="spVertical1" refType="primFontSz" refFor="des" refForName="parTx" fact="0.5"/>
+        <dgm:constr type="h" for="des" forName="spVertical1" refType="h" refFor="des" refForName="parTx" op="lte" fact="0.5"/>
+        <dgm:constr type="h" for="des" forName="spVertical1" refType="h" refFor="des" refForName="parTx" op="gte" fact="0.5"/>
+        <dgm:constr type="h" for="des" forName="spVertical2" refType="primFontSz" refFor="des" refForName="parTx" fact="0.5"/>
+        <dgm:constr type="h" for="des" forName="spVertical2" refType="h" refFor="des" refForName="parTx" op="lte" fact="0.5"/>
+        <dgm:constr type="h" for="des" forName="spVertical2" refType="h" refFor="des" refForName="parTx" op="gte" fact="0.5"/>
+        <dgm:constr type="h" for="des" forName="spVertical3" refType="primFontSz" refFor="des" refForName="parTx" fact="-0.4"/>
+        <dgm:constr type="h" for="des" forName="spVertical3" refType="h" refFor="des" refForName="parTx" op="lte" fact="-0.4"/>
+        <dgm:constr type="h" for="des" forName="spVertical3" refType="h" refFor="des" refForName="parTx" op="gte" fact="-0.4"/>
+        <dgm:constr type="w" for="ch" forName="backgroundArrow" refType="w"/>
+        <dgm:constr type="w" for="ch" forName="negArrow" refType="w" fact="-1"/>
+        <dgm:constr type="w" for="ch" forName="linV" refType="w"/>
+        <dgm:constr type="w" for="ch" forName="space" refType="w" refFor="ch" refForName="linV" fact="0.2"/>
+        <dgm:constr type="w" for="ch" forName="padding1" refType="w" fact="0.08"/>
+        <dgm:constr type="userP"/>
+        <dgm:constr type="w" for="ch" forName="padding2" refType="userP"/>
+      </dgm:constrLst>
+      <dgm:ruleLst>
+        <dgm:rule type="w" for="ch" forName="linV" val="0" fact="NaN" max="NaN"/>
+        <dgm:rule type="primFontSz" for="des" forName="parTx" val="5" fact="NaN" max="NaN"/>
+      </dgm:ruleLst>
+      <dgm:layoutNode name="padding1">
+        <dgm:alg type="sp"/>
+        <dgm:shape xmlns:r="http://schemas.openxmlformats.org/officeDocument/2006/relationships" r:blip="">
+          <dgm:adjLst/>
+        </dgm:shape>
+        <dgm:presOf/>
+        <dgm:constrLst/>
+        <dgm:ruleLst/>
+      </dgm:layoutNode>
+      <dgm:forEach name="Name4" axis="ch" ptType="node">
+        <dgm:layoutNode name="linV">
+          <dgm:alg type="lin">
+            <dgm:param type="linDir" val="fromT"/>
+          </dgm:alg>
+          <dgm:shape xmlns:r="http://schemas.openxmlformats.org/officeDocument/2006/relationships" r:blip="">
+            <dgm:adjLst/>
+          </dgm:shape>
+          <dgm:presOf/>
+          <dgm:constrLst>
+            <dgm:constr type="w" for="ch" forName="spVertical1" refType="w"/>
+            <dgm:constr type="w" for="ch" forName="parTx" refType="w"/>
+            <dgm:constr type="w" for="ch" forName="spVertical2" refType="w"/>
+            <dgm:constr type="w" for="ch" forName="spVertical3" refType="w"/>
+            <dgm:constr type="w" for="ch" forName="desTx" refType="w"/>
+          </dgm:constrLst>
+          <dgm:ruleLst/>
+          <dgm:layoutNode name="spVertical1">
+            <dgm:alg type="sp"/>
+            <dgm:shape xmlns:r="http://schemas.openxmlformats.org/officeDocument/2006/relationships" r:blip="">
+              <dgm:adjLst/>
+            </dgm:shape>
+            <dgm:presOf/>
+            <dgm:constrLst/>
+            <dgm:ruleLst/>
+          </dgm:layoutNode>
+          <dgm:layoutNode name="parTx" styleLbl="revTx">
+            <dgm:varLst>
+              <dgm:chMax val="0"/>
+              <dgm:chPref val="0"/>
+              <dgm:bulletEnabled val="1"/>
+            </dgm:varLst>
+            <dgm:choose name="Name5">
+              <dgm:if name="Name6" axis="root des" ptType="all node" func="maxDepth" op="gt" val="1">
+                <dgm:alg type="tx">
+                  <dgm:param type="parTxLTRAlign" val="l"/>
+                  <dgm:param type="parTxRTLAlign" val="r"/>
+                </dgm:alg>
+              </dgm:if>
+              <dgm:else name="Name7">
+                <dgm:alg type="tx">
+                  <dgm:param type="parTxLTRAlign" val="ctr"/>
+                  <dgm:param type="parTxRTLAlign" val="ctr"/>
+                </dgm:alg>
+              </dgm:else>
+            </dgm:choose>
+            <dgm:shape xmlns:r="http://schemas.openxmlformats.org/officeDocument/2006/relationships" type="rect" r:blip="">
+              <dgm:adjLst/>
+            </dgm:shape>
+            <dgm:presOf axis="self" ptType="node"/>
+            <dgm:choose name="Name8">
+              <dgm:if name="Name9" func="var" arg="dir" op="equ" val="norm">
+                <dgm:constrLst>
+                  <dgm:constr type="userT"/>
+                  <dgm:constr type="h" refType="userT" op="lte"/>
+                  <dgm:constr type="tMarg" refType="primFontSz" fact="0.8"/>
+                  <dgm:constr type="bMarg" refType="tMarg"/>
+                  <dgm:constr type="lMarg"/>
+                  <dgm:constr type="rMarg"/>
+                </dgm:constrLst>
+              </dgm:if>
+              <dgm:else name="Name10">
+                <dgm:constrLst>
+                  <dgm:constr type="userT"/>
+                  <dgm:constr type="h" refType="userT" op="lte"/>
+                  <dgm:constr type="tMarg" refType="primFontSz" fact="0.8"/>
+                  <dgm:constr type="bMarg" refType="tMarg"/>
+                  <dgm:constr type="lMarg"/>
+                  <dgm:constr type="rMarg"/>
+                </dgm:constrLst>
+              </dgm:else>
+            </dgm:choose>
+            <dgm:ruleLst>
+              <dgm:rule type="h" val="INF" fact="NaN" max="NaN"/>
+            </dgm:ruleLst>
+          </dgm:layoutNode>
+          <dgm:layoutNode name="spVertical2">
+            <dgm:alg type="sp"/>
+            <dgm:shape xmlns:r="http://schemas.openxmlformats.org/officeDocument/2006/relationships" r:blip="">
+              <dgm:adjLst/>
+            </dgm:shape>
+            <dgm:presOf/>
+            <dgm:constrLst/>
+            <dgm:ruleLst/>
+          </dgm:layoutNode>
+          <dgm:layoutNode name="spVertical3">
+            <dgm:alg type="sp"/>
+            <dgm:shape xmlns:r="http://schemas.openxmlformats.org/officeDocument/2006/relationships" r:blip="">
+              <dgm:adjLst/>
+            </dgm:shape>
+            <dgm:presOf/>
+            <dgm:constrLst/>
+            <dgm:ruleLst/>
+          </dgm:layoutNode>
+          <dgm:choose name="Name11">
+            <dgm:if name="Name12" axis="ch" ptType="node" func="cnt" op="gte" val="1">
+              <dgm:layoutNode name="desTx" styleLbl="revTx">
+                <dgm:varLst>
+                  <dgm:bulletEnabled val="1"/>
+                </dgm:varLst>
+                <dgm:alg type="tx">
+                  <dgm:param type="stBulletLvl" val="1"/>
+                </dgm:alg>
+                <dgm:shape xmlns:r="http://schemas.openxmlformats.org/officeDocument/2006/relationships" type="rect" r:blip="">
+                  <dgm:adjLst/>
+                </dgm:shape>
+                <dgm:presOf axis="des" ptType="node"/>
+                <dgm:constrLst>
+                  <dgm:constr type="tMarg"/>
+                  <dgm:constr type="bMarg"/>
+                  <dgm:constr type="rMarg"/>
+                  <dgm:constr type="lMarg"/>
+                </dgm:constrLst>
+                <dgm:ruleLst>
+                  <dgm:rule type="h" val="INF" fact="NaN" max="NaN"/>
+                </dgm:ruleLst>
+              </dgm:layoutNode>
+            </dgm:if>
+            <dgm:else name="Name13"/>
+          </dgm:choose>
+        </dgm:layoutNode>
+        <dgm:forEach name="Name14" axis="followSib" ptType="sibTrans" cnt="1">
+          <dgm:layoutNode name="space">
+            <dgm:alg type="sp"/>
+            <dgm:shape xmlns:r="http://schemas.openxmlformats.org/officeDocument/2006/relationships" r:blip="">
+              <dgm:adjLst/>
+            </dgm:shape>
+            <dgm:presOf/>
+            <dgm:constrLst/>
+            <dgm:ruleLst/>
+          </dgm:layoutNode>
+        </dgm:forEach>
+      </dgm:forEach>
+      <dgm:layoutNode name="padding2">
+        <dgm:alg type="sp"/>
+        <dgm:shape xmlns:r="http://schemas.openxmlformats.org/officeDocument/2006/relationships" r:blip="">
+          <dgm:adjLst/>
+        </dgm:shape>
+        <dgm:presOf/>
+        <dgm:constrLst/>
+        <dgm:ruleLst/>
+      </dgm:layoutNode>
+      <dgm:layoutNode name="negArrow">
+        <dgm:alg type="sp"/>
+        <dgm:shape xmlns:r="http://schemas.openxmlformats.org/officeDocument/2006/relationships" r:blip="">
+          <dgm:adjLst/>
+        </dgm:shape>
+        <dgm:presOf/>
+        <dgm:constrLst/>
+        <dgm:ruleLst/>
+      </dgm:layoutNode>
+      <dgm:layoutNode name="backgroundArrow" styleLbl="node1">
+        <dgm:alg type="sp"/>
+        <dgm:choose name="Name15">
+          <dgm:if name="Name16" func="var" arg="dir" op="equ" val="norm">
+            <dgm:shape xmlns:r="http://schemas.openxmlformats.org/officeDocument/2006/relationships" type="rightArrow" r:blip="">
+              <dgm:adjLst/>
+            </dgm:shape>
+          </dgm:if>
+          <dgm:else name="Name17">
+            <dgm:shape xmlns:r="http://schemas.openxmlformats.org/officeDocument/2006/relationships" type="leftArrow" r:blip="">
+              <dgm:adjLst/>
+            </dgm:shape>
+          </dgm:else>
+        </dgm:choose>
+        <dgm:presOf/>
+        <dgm:constrLst/>
+        <dgm:ruleLst/>
+      </dgm:layoutNode>
+    </dgm:layoutNode>
+  </dgm:layoutNode>
+</dgm:layoutDef>
+</file>
+
+<file path=ppt/diagrams/quickStyle1.xml><?xml version="1.0" encoding="utf-8"?>
+<dgm:styleDef xmlns:dgm="http://schemas.openxmlformats.org/drawingml/2006/diagram" xmlns:a="http://schemas.openxmlformats.org/drawingml/2006/main" uniqueId="urn:microsoft.com/office/officeart/2005/8/quickstyle/simple3">
+  <dgm:title val=""/>
+  <dgm:desc val=""/>
+  <dgm:catLst>
+    <dgm:cat type="simple" pri="10300"/>
+  </dgm:catLst>
+  <dgm:scene3d>
+    <a:camera prst="orthographicFront"/>
+    <a:lightRig rig="threePt" dir="t"/>
+  </dgm:scene3d>
+  <dgm:styleLbl name="node0">
+    <dgm:scene3d>
+      <a:camera prst="orthographicFront"/>
+      <a:lightRig rig="flat" dir="t"/>
+    </dgm:scene3d>
+    <dgm:sp3d prstMaterial="dkEdge">
+      <a:bevelT w="8200" h="38100"/>
+    </dgm:sp3d>
+    <dgm:txPr/>
+    <dgm:style>
+      <a:lnRef idx="0">
+        <a:scrgbClr r="0" g="0" b="0"/>
+      </a:lnRef>
+      <a:fillRef idx="2">
+        <a:scrgbClr r="0" g="0" b="0"/>
+      </a:fillRef>
+      <a:effectRef idx="1">
+        <a:scrgbClr r="0" g="0" b="0"/>
+      </a:effectRef>
+      <a:fontRef idx="minor">
+        <a:schemeClr val="dk1"/>
+      </a:fontRef>
+    </dgm:style>
+  </dgm:styleLbl>
+  <dgm:styleLbl name="lnNode1">
+    <dgm:scene3d>
+      <a:camera prst="orthographicFront"/>
+      <a:lightRig rig="flat" dir="t"/>
+    </dgm:scene3d>
+    <dgm:sp3d prstMaterial="dkEdge">
+      <a:bevelT w="8200" h="38100"/>
+    </dgm:sp3d>
+    <dgm:txPr/>
+    <dgm:style>
+      <a:lnRef idx="1">
+        <a:scrgbClr r="0" g="0" b="0"/>
+      </a:lnRef>
+      <a:fillRef idx="2">
+        <a:scrgbClr r="0" g="0" b="0"/>
+      </a:fillRef>
+      <a:effectRef idx="0">
+        <a:scrgbClr r="0" g="0" b="0"/>
+      </a:effectRef>
+      <a:fontRef idx="minor">
+        <a:schemeClr val="dk1"/>
+      </a:fontRef>
+    </dgm:style>
+  </dgm:styleLbl>
+  <dgm:styleLbl name="vennNode1">
+    <dgm:scene3d>
+      <a:camera prst="orthographicFront"/>
+      <a:lightRig rig="flat" dir="t"/>
+    </dgm:scene3d>
+    <dgm:sp3d prstMaterial="dkEdge">
+      <a:bevelT w="8200" h="38100"/>
+    </dgm:sp3d>
+    <dgm:txPr/>
+    <dgm:style>
+      <a:lnRef idx="0">
+        <a:scrgbClr r="0" g="0" b="0"/>
+      </a:lnRef>
+      <a:fillRef idx="2">
+        <a:scrgbClr r="0" g="0" b="0"/>
+      </a:fillRef>
+      <a:effectRef idx="0">
+        <a:scrgbClr r="0" g="0" b="0"/>
+      </a:effectRef>
+      <a:fontRef idx="minor">
+        <a:schemeClr val="tx1"/>
+      </a:fontRef>
+    </dgm:style>
+  </dgm:styleLbl>
+  <dgm:styleLbl name="alignNode1">
+    <dgm:scene3d>
+      <a:camera prst="orthographicFront"/>
+      <a:lightRig rig="threePt" dir="t"/>
+    </dgm:scene3d>
+    <dgm:sp3d/>
+    <dgm:txPr/>
+    <dgm:style>
+      <a:lnRef idx="1">
+        <a:scrgbClr r="0" g="0" b="0"/>
+      </a:lnRef>
+      <a:fillRef idx="2">
+        <a:scrgbClr r="0" g="0" b="0"/>
+      </a:fillRef>
+      <a:effectRef idx="1">
+        <a:scrgbClr r="0" g="0" b="0"/>
+      </a:effectRef>
+      <a:fontRef idx="minor">
+        <a:schemeClr val="dk1"/>
+      </a:fontRef>
+    </dgm:style>
+  </dgm:styleLbl>
+  <dgm:styleLbl name="node1">
+    <dgm:scene3d>
+      <a:camera prst="orthographicFront"/>
+      <a:lightRig rig="flat" dir="t"/>
+    </dgm:scene3d>
+    <dgm:sp3d prstMaterial="dkEdge">
+      <a:bevelT w="8200" h="38100"/>
+    </dgm:sp3d>
+    <dgm:txPr/>
+    <dgm:style>
+      <a:lnRef idx="0">
+        <a:scrgbClr r="0" g="0" b="0"/>
+      </a:lnRef>
+      <a:fillRef idx="2">
+        <a:scrgbClr r="0" g="0" b="0"/>
+      </a:fillRef>
+      <a:effectRef idx="1">
+        <a:scrgbClr r="0" g="0" b="0"/>
+      </a:effectRef>
+      <a:fontRef idx="minor">
+        <a:schemeClr val="dk1"/>
+      </a:fontRef>
+    </dgm:style>
+  </dgm:styleLbl>
+  <dgm:styleLbl name="node2">
+    <dgm:scene3d>
+      <a:camera prst="orthographicFront"/>
+      <a:lightRig rig="flat" dir="t"/>
+    </dgm:scene3d>
+    <dgm:sp3d prstMaterial="dkEdge">
+      <a:bevelT w="8200" h="38100"/>
+    </dgm:sp3d>
+    <dgm:txPr/>
+    <dgm:style>
+      <a:lnRef idx="0">
+        <a:scrgbClr r="0" g="0" b="0"/>
+      </a:lnRef>
+      <a:fillRef idx="2">
+        <a:scrgbClr r="0" g="0" b="0"/>
+      </a:fillRef>
+      <a:effectRef idx="1">
+        <a:scrgbClr r="0" g="0" b="0"/>
+      </a:effectRef>
+      <a:fontRef idx="minor">
+        <a:schemeClr val="dk1"/>
+      </a:fontRef>
+    </dgm:style>
+  </dgm:styleLbl>
+  <dgm:styleLbl name="node3">
+    <dgm:scene3d>
+      <a:camera prst="orthographicFront"/>
+      <a:lightRig rig="flat" dir="t"/>
+    </dgm:scene3d>
+    <dgm:sp3d prstMaterial="dkEdge">
+      <a:bevelT w="8200" h="38100"/>
+    </dgm:sp3d>
+    <dgm:txPr/>
+    <dgm:style>
+      <a:lnRef idx="0">
+        <a:scrgbClr r="0" g="0" b="0"/>
+      </a:lnRef>
+      <a:fillRef idx="2">
+        <a:scrgbClr r="0" g="0" b="0"/>
+      </a:fillRef>
+      <a:effectRef idx="1">
+        <a:scrgbClr r="0" g="0" b="0"/>
+      </a:effectRef>
+      <a:fontRef idx="minor">
+        <a:schemeClr val="dk1"/>
+      </a:fontRef>
+    </dgm:style>
+  </dgm:styleLbl>
+  <dgm:styleLbl name="node4">
+    <dgm:scene3d>
+      <a:camera prst="orthographicFront"/>
+      <a:lightRig rig="flat" dir="t"/>
+    </dgm:scene3d>
+    <dgm:sp3d prstMaterial="dkEdge">
+      <a:bevelT w="8200" h="38100"/>
+    </dgm:sp3d>
+    <dgm:txPr/>
+    <dgm:style>
+      <a:lnRef idx="0">
+        <a:scrgbClr r="0" g="0" b="0"/>
+      </a:lnRef>
+      <a:fillRef idx="2">
+        <a:scrgbClr r="0" g="0" b="0"/>
+      </a:fillRef>
+      <a:effectRef idx="1">
+        <a:scrgbClr r="0" g="0" b="0"/>
+      </a:effectRef>
+      <a:fontRef idx="minor">
+        <a:schemeClr val="dk1"/>
+      </a:fontRef>
+    </dgm:style>
+  </dgm:styleLbl>
+  <dgm:styleLbl name="fgImgPlace1">
+    <dgm:scene3d>
+      <a:camera prst="orthographicFront"/>
+      <a:lightRig rig="threePt" dir="t"/>
+    </dgm:scene3d>
+    <dgm:sp3d/>
+    <dgm:txPr/>
+    <dgm:style>
+      <a:lnRef idx="1">
+        <a:scrgbClr r="0" g="0" b="0"/>
+      </a:lnRef>
+      <a:fillRef idx="1">
+        <a:scrgbClr r="0" g="0" b="0"/>
+      </a:fillRef>
+      <a:effectRef idx="1">
+        <a:scrgbClr r="0" g="0" b="0"/>
+      </a:effectRef>
+      <a:fontRef idx="minor"/>
+    </dgm:style>
+  </dgm:styleLbl>
+  <dgm:styleLbl name="alignImgPlace1">
+    <dgm:scene3d>
+      <a:camera prst="orthographicFront"/>
+      <a:lightRig rig="threePt" dir="t"/>
+    </dgm:scene3d>
+    <dgm:sp3d/>
+    <dgm:txPr/>
+    <dgm:style>
+      <a:lnRef idx="1">
+        <a:scrgbClr r="0" g="0" b="0"/>
+      </a:lnRef>
+      <a:fillRef idx="1">
+        <a:scrgbClr r="0" g="0" b="0"/>
+      </a:fillRef>
+      <a:effectRef idx="1">
+        <a:scrgbClr r="0" g="0" b="0"/>
+      </a:effectRef>
+      <a:fontRef idx="minor"/>
+    </dgm:style>
+  </dgm:styleLbl>
+  <dgm:styleLbl name="bgImgPlace1">
+    <dgm:scene3d>
+      <a:camera prst="orthographicFront"/>
+      <a:lightRig rig="threePt" dir="t"/>
+    </dgm:scene3d>
+    <dgm:sp3d/>
+    <dgm:txPr/>
+    <dgm:style>
+      <a:lnRef idx="1">
+        <a:scrgbClr r="0" g="0" b="0"/>
+      </a:lnRef>
+      <a:fillRef idx="1">
+        <a:scrgbClr r="0" g="0" b="0"/>
+      </a:fillRef>
+      <a:effectRef idx="1">
+        <a:scrgbClr r="0" g="0" b="0"/>
+      </a:effectRef>
+      <a:fontRef idx="minor"/>
+    </dgm:style>
+  </dgm:styleLbl>
+  <dgm:styleLbl name="sibTrans2D1">
+    <dgm:scene3d>
+      <a:camera prst="orthographicFront"/>
+      <a:lightRig rig="threePt" dir="t"/>
+    </dgm:scene3d>
+    <dgm:sp3d/>
+    <dgm:txPr/>
+    <dgm:style>
+      <a:lnRef idx="0">
+        <a:scrgbClr r="0" g="0" b="0"/>
+      </a:lnRef>
+      <a:fillRef idx="2">
+        <a:scrgbClr r="0" g="0" b="0"/>
+      </a:fillRef>
+      <a:effectRef idx="1">
+        <a:scrgbClr r="0" g="0" b="0"/>
+      </a:effectRef>
+      <a:fontRef idx="minor">
+        <a:schemeClr val="dk1"/>
+      </a:fontRef>
+    </dgm:style>
+  </dgm:styleLbl>
+  <dgm:styleLbl name="fgSibTrans2D1">
+    <dgm:scene3d>
+      <a:camera prst="orthographicFront"/>
+      <a:lightRig rig="threePt" dir="t"/>
+    </dgm:scene3d>
+    <dgm:sp3d/>
+    <dgm:txPr/>
+    <dgm:style>
+      <a:lnRef idx="0">
+        <a:scrgbClr r="0" g="0" b="0"/>
+      </a:lnRef>
+      <a:fillRef idx="2">
+        <a:scrgbClr r="0" g="0" b="0"/>
+      </a:fillRef>
+      <a:effectRef idx="1">
+        <a:scrgbClr r="0" g="0" b="0"/>
+      </a:effectRef>
+      <a:fontRef idx="minor">
+        <a:schemeClr val="dk1"/>
+      </a:fontRef>
+    </dgm:style>
+  </dgm:styleLbl>
+  <dgm:styleLbl name="bgSibTrans2D1">
+    <dgm:scene3d>
+      <a:camera prst="orthographicFront"/>
+      <a:lightRig rig="threePt" dir="t"/>
+    </dgm:scene3d>
+    <dgm:sp3d/>
+    <dgm:txPr/>
+    <dgm:style>
+      <a:lnRef idx="0">
+        <a:scrgbClr r="0" g="0" b="0"/>
+      </a:lnRef>
+      <a:fillRef idx="2">
+        <a:scrgbClr r="0" g="0" b="0"/>
+      </a:fillRef>
+      <a:effectRef idx="1">
+        <a:scrgbClr r="0" g="0" b="0"/>
+      </a:effectRef>
+      <a:fontRef idx="minor">
+        <a:schemeClr val="dk1"/>
+      </a:fontRef>
+    </dgm:style>
+  </dgm:styleLbl>
+  <dgm:styleLbl name="sibTrans1D1">
+    <dgm:scene3d>
+      <a:camera prst="orthographicFront"/>
+      <a:lightRig rig="threePt" dir="t"/>
+    </dgm:scene3d>
+    <dgm:sp3d/>
+    <dgm:txPr/>
+    <dgm:style>
+      <a:lnRef idx="1">
+        <a:scrgbClr r="0" g="0" b="0"/>
+      </a:lnRef>
+      <a:fillRef idx="0">
+        <a:scrgbClr r="0" g="0" b="0"/>
+      </a:fillRef>
+      <a:effectRef idx="0">
+        <a:scrgbClr r="0" g="0" b="0"/>
+      </a:effectRef>
+      <a:fontRef idx="minor"/>
+    </dgm:style>
+  </dgm:styleLbl>
+  <dgm:styleLbl name="callout">
+    <dgm:scene3d>
+      <a:camera prst="orthographicFront"/>
+      <a:lightRig rig="threePt" dir="t"/>
+    </dgm:scene3d>
+    <dgm:sp3d/>
+    <dgm:txPr/>
+    <dgm:style>
+      <a:lnRef idx="1">
+        <a:scrgbClr r="0" g="0" b="0"/>
+      </a:lnRef>
+      <a:fillRef idx="2">
+        <a:scrgbClr r="0" g="0" b="0"/>
+      </a:fillRef>
+      <a:effectRef idx="1">
+        <a:scrgbClr r="0" g="0" b="0"/>
+      </a:effectRef>
+      <a:fontRef idx="minor"/>
+    </dgm:style>
+  </dgm:styleLbl>
+  <dgm:styleLbl name="asst0">
+    <dgm:scene3d>
+      <a:camera prst="orthographicFront"/>
+      <a:lightRig rig="flat" dir="t"/>
+    </dgm:scene3d>
+    <dgm:sp3d prstMaterial="dkEdge">
+      <a:bevelT w="8200" h="38100"/>
+    </dgm:sp3d>
+    <dgm:txPr/>
+    <dgm:style>
+      <a:lnRef idx="0">
+        <a:scrgbClr r="0" g="0" b="0"/>
+      </a:lnRef>
+      <a:fillRef idx="2">
+        <a:scrgbClr r="0" g="0" b="0"/>
+      </a:fillRef>
+      <a:effectRef idx="1">
+        <a:scrgbClr r="0" g="0" b="0"/>
+      </a:effectRef>
+      <a:fontRef idx="minor">
+        <a:schemeClr val="dk1"/>
+      </a:fontRef>
+    </dgm:style>
+  </dgm:styleLbl>
+  <dgm:styleLbl name="asst1">
+    <dgm:scene3d>
+      <a:camera prst="orthographicFront"/>
+      <a:lightRig rig="flat" dir="t"/>
+    </dgm:scene3d>
+    <dgm:sp3d prstMaterial="dkEdge">
+      <a:bevelT w="8200" h="38100"/>
+    </dgm:sp3d>
+    <dgm:txPr/>
+    <dgm:style>
+      <a:lnRef idx="0">
+        <a:scrgbClr r="0" g="0" b="0"/>
+      </a:lnRef>
+      <a:fillRef idx="2">
+        <a:scrgbClr r="0" g="0" b="0"/>
+      </a:fillRef>
+      <a:effectRef idx="1">
+        <a:scrgbClr r="0" g="0" b="0"/>
+      </a:effectRef>
+      <a:fontRef idx="minor">
+        <a:schemeClr val="dk1"/>
+      </a:fontRef>
+    </dgm:style>
+  </dgm:styleLbl>
+  <dgm:styleLbl name="asst2">
+    <dgm:scene3d>
+      <a:camera prst="orthographicFront"/>
+      <a:lightRig rig="flat" dir="t"/>
+    </dgm:scene3d>
+    <dgm:sp3d prstMaterial="dkEdge">
+      <a:bevelT w="8200" h="38100"/>
+    </dgm:sp3d>
+    <dgm:txPr/>
+    <dgm:style>
+      <a:lnRef idx="0">
+        <a:scrgbClr r="0" g="0" b="0"/>
+      </a:lnRef>
+      <a:fillRef idx="2">
+        <a:scrgbClr r="0" g="0" b="0"/>
+      </a:fillRef>
+      <a:effectRef idx="1">
+        <a:scrgbClr r="0" g="0" b="0"/>
+      </a:effectRef>
+      <a:fontRef idx="minor">
+        <a:schemeClr val="dk1"/>
+      </a:fontRef>
+    </dgm:style>
+  </dgm:styleLbl>
+  <dgm:styleLbl name="asst3">
+    <dgm:scene3d>
+      <a:camera prst="orthographicFront"/>
+      <a:lightRig rig="flat" dir="t"/>
+    </dgm:scene3d>
+    <dgm:sp3d prstMaterial="dkEdge">
+      <a:bevelT w="8200" h="38100"/>
+    </dgm:sp3d>
+    <dgm:txPr/>
+    <dgm:style>
+      <a:lnRef idx="0">
+        <a:scrgbClr r="0" g="0" b="0"/>
+      </a:lnRef>
+      <a:fillRef idx="2">
+        <a:scrgbClr r="0" g="0" b="0"/>
+      </a:fillRef>
+      <a:effectRef idx="1">
+        <a:scrgbClr r="0" g="0" b="0"/>
+      </a:effectRef>
+      <a:fontRef idx="minor">
+        <a:schemeClr val="dk1"/>
+      </a:fontRef>
+    </dgm:style>
+  </dgm:styleLbl>
+  <dgm:styleLbl name="asst4">
+    <dgm:scene3d>
+      <a:camera prst="orthographicFront"/>
+      <a:lightRig rig="flat" dir="t"/>
+    </dgm:scene3d>
+    <dgm:sp3d prstMaterial="dkEdge">
+      <a:bevelT w="8200" h="38100"/>
+    </dgm:sp3d>
+    <dgm:txPr/>
+    <dgm:style>
+      <a:lnRef idx="0">
+        <a:scrgbClr r="0" g="0" b="0"/>
+      </a:lnRef>
+      <a:fillRef idx="2">
+        <a:scrgbClr r="0" g="0" b="0"/>
+      </a:fillRef>
+      <a:effectRef idx="1">
+        <a:scrgbClr r="0" g="0" b="0"/>
+      </a:effectRef>
+      <a:fontRef idx="minor">
+        <a:schemeClr val="dk1"/>
+      </a:fontRef>
+    </dgm:style>
+  </dgm:styleLbl>
+  <dgm:styleLbl name="parChTrans2D1">
+    <dgm:scene3d>
+      <a:camera prst="orthographicFront"/>
+      <a:lightRig rig="threePt" dir="t"/>
+    </dgm:scene3d>
+    <dgm:sp3d/>
+    <dgm:txPr/>
+    <dgm:style>
+      <a:lnRef idx="1">
+        <a:scrgbClr r="0" g="0" b="0"/>
+      </a:lnRef>
+      <a:fillRef idx="2">
+        <a:scrgbClr r="0" g="0" b="0"/>
+      </a:fillRef>
+      <a:effectRef idx="1">
+        <a:scrgbClr r="0" g="0" b="0"/>
+      </a:effectRef>
+      <a:fontRef idx="minor">
+        <a:schemeClr val="dk1"/>
+      </a:fontRef>
+    </dgm:style>
+  </dgm:styleLbl>
+  <dgm:styleLbl name="parChTrans2D2">
+    <dgm:scene3d>
+      <a:camera prst="orthographicFront"/>
+      <a:lightRig rig="threePt" dir="t"/>
+    </dgm:scene3d>
+    <dgm:sp3d/>
+    <dgm:txPr/>
+    <dgm:style>
+      <a:lnRef idx="1">
+        <a:scrgbClr r="0" g="0" b="0"/>
+      </a:lnRef>
+      <a:fillRef idx="2">
+        <a:scrgbClr r="0" g="0" b="0"/>
+      </a:fillRef>
+      <a:effectRef idx="1">
+        <a:scrgbClr r="0" g="0" b="0"/>
+      </a:effectRef>
+      <a:fontRef idx="minor">
+        <a:schemeClr val="dk1"/>
+      </a:fontRef>
+    </dgm:style>
+  </dgm:styleLbl>
+  <dgm:styleLbl name="parChTrans2D3">
+    <dgm:scene3d>
+      <a:camera prst="orthographicFront"/>
+      <a:lightRig rig="threePt" dir="t"/>
+    </dgm:scene3d>
+    <dgm:sp3d/>
+    <dgm:txPr/>
+    <dgm:style>
+      <a:lnRef idx="1">
+        <a:scrgbClr r="0" g="0" b="0"/>
+      </a:lnRef>
+      <a:fillRef idx="2">
+        <a:scrgbClr r="0" g="0" b="0"/>
+      </a:fillRef>
+      <a:effectRef idx="1">
+        <a:scrgbClr r="0" g="0" b="0"/>
+      </a:effectRef>
+      <a:fontRef idx="minor">
+        <a:schemeClr val="dk1"/>
+      </a:fontRef>
+    </dgm:style>
+  </dgm:styleLbl>
+  <dgm:styleLbl name="parChTrans2D4">
+    <dgm:scene3d>
+      <a:camera prst="orthographicFront"/>
+      <a:lightRig rig="threePt" dir="t"/>
+    </dgm:scene3d>
+    <dgm:sp3d/>
+    <dgm:txPr/>
+    <dgm:style>
+      <a:lnRef idx="1">
+        <a:scrgbClr r="0" g="0" b="0"/>
+      </a:lnRef>
+      <a:fillRef idx="2">
+        <a:scrgbClr r="0" g="0" b="0"/>
+      </a:fillRef>
+      <a:effectRef idx="1">
+        <a:scrgbClr r="0" g="0" b="0"/>
+      </a:effectRef>
+      <a:fontRef idx="minor">
+        <a:schemeClr val="dk1"/>
+      </a:fontRef>
+    </dgm:style>
+  </dgm:styleLbl>
+  <dgm:styleLbl name="parChTrans1D1">
+    <dgm:scene3d>
+      <a:camera prst="orthographicFront"/>
+      <a:lightRig rig="threePt" dir="t"/>
+    </dgm:scene3d>
+    <dgm:sp3d/>
+    <dgm:txPr/>
+    <dgm:style>
+      <a:lnRef idx="2">
+        <a:scrgbClr r="0" g="0" b="0"/>
+      </a:lnRef>
+      <a:fillRef idx="0">
+        <a:scrgbClr r="0" g="0" b="0"/>
+      </a:fillRef>
+      <a:effectRef idx="0">
+        <a:scrgbClr r="0" g="0" b="0"/>
+      </a:effectRef>
+      <a:fontRef idx="minor"/>
+    </dgm:style>
+  </dgm:styleLbl>
+  <dgm:styleLbl name="parChTrans1D2">
+    <dgm:scene3d>
+      <a:camera prst="orthographicFront"/>
+      <a:lightRig rig="threePt" dir="t"/>
+    </dgm:scene3d>
+    <dgm:sp3d/>
+    <dgm:txPr/>
+    <dgm:style>
+      <a:lnRef idx="2">
+        <a:scrgbClr r="0" g="0" b="0"/>
+      </a:lnRef>
+      <a:fillRef idx="0">
+        <a:scrgbClr r="0" g="0" b="0"/>
+      </a:fillRef>
+      <a:effectRef idx="0">
+        <a:scrgbClr r="0" g="0" b="0"/>
+      </a:effectRef>
+      <a:fontRef idx="minor"/>
+    </dgm:style>
+  </dgm:styleLbl>
+  <dgm:styleLbl name="parChTrans1D3">
+    <dgm:scene3d>
+      <a:camera prst="orthographicFront"/>
+      <a:lightRig rig="threePt" dir="t"/>
+    </dgm:scene3d>
+    <dgm:sp3d/>
+    <dgm:txPr/>
+    <dgm:style>
+      <a:lnRef idx="2">
+        <a:scrgbClr r="0" g="0" b="0"/>
+      </a:lnRef>
+      <a:fillRef idx="0">
+        <a:scrgbClr r="0" g="0" b="0"/>
+      </a:fillRef>
+      <a:effectRef idx="0">
+        <a:scrgbClr r="0" g="0" b="0"/>
+      </a:effectRef>
+      <a:fontRef idx="minor"/>
+    </dgm:style>
+  </dgm:styleLbl>
+  <dgm:styleLbl name="parChTrans1D4">
+    <dgm:scene3d>
+      <a:camera prst="orthographicFront"/>
+      <a:lightRig rig="threePt" dir="t"/>
+    </dgm:scene3d>
+    <dgm:sp3d/>
+    <dgm:txPr/>
+    <dgm:style>
+      <a:lnRef idx="2">
+        <a:scrgbClr r="0" g="0" b="0"/>
+      </a:lnRef>
+      <a:fillRef idx="0">
+        <a:scrgbClr r="0" g="0" b="0"/>
+      </a:fillRef>
+      <a:effectRef idx="0">
+        <a:scrgbClr r="0" g="0" b="0"/>
+      </a:effectRef>
+      <a:fontRef idx="minor"/>
+    </dgm:style>
+  </dgm:styleLbl>
+  <dgm:styleLbl name="fgAcc1">
+    <dgm:scene3d>
+      <a:camera prst="orthographicFront"/>
+      <a:lightRig rig="threePt" dir="t"/>
+    </dgm:scene3d>
+    <dgm:sp3d/>
+    <dgm:txPr/>
+    <dgm:style>
+      <a:lnRef idx="1">
+        <a:scrgbClr r="0" g="0" b="0"/>
+      </a:lnRef>
+      <a:fillRef idx="1">
+        <a:scrgbClr r="0" g="0" b="0"/>
+      </a:fillRef>
+      <a:effectRef idx="0">
+        <a:scrgbClr r="0" g="0" b="0"/>
+      </a:effectRef>
+      <a:fontRef idx="minor"/>
+    </dgm:style>
+  </dgm:styleLbl>
+  <dgm:styleLbl name="conFgAcc1">
+    <dgm:scene3d>
+      <a:camera prst="orthographicFront"/>
+      <a:lightRig rig="threePt" dir="t"/>
+    </dgm:scene3d>
+    <dgm:sp3d/>
+    <dgm:txPr/>
+    <dgm:style>
+      <a:lnRef idx="1">
+        <a:scrgbClr r="0" g="0" b="0"/>
+      </a:lnRef>
+      <a:fillRef idx="1">
+        <a:scrgbClr r="0" g="0" b="0"/>
+      </a:fillRef>
+      <a:effectRef idx="0">
+        <a:scrgbClr r="0" g="0" b="0"/>
+      </a:effectRef>
+      <a:fontRef idx="minor"/>
+    </dgm:style>
+  </dgm:styleLbl>
+  <dgm:styleLbl name="alignAcc1">
+    <dgm:scene3d>
+      <a:camera prst="orthographicFront"/>
+      <a:lightRig rig="threePt" dir="t"/>
+    </dgm:scene3d>
+    <dgm:sp3d/>
+    <dgm:txPr/>
+    <dgm:style>
+      <a:lnRef idx="1">
+        <a:scrgbClr r="0" g="0" b="0"/>
+      </a:lnRef>
+      <a:fillRef idx="1">
+        <a:scrgbClr r="0" g="0" b="0"/>
+      </a:fillRef>
+      <a:effectRef idx="0">
+        <a:scrgbClr r="0" g="0" b="0"/>
+      </a:effectRef>
+      <a:fontRef idx="minor"/>
+    </dgm:style>
+  </dgm:styleLbl>
+  <dgm:styleLbl name="trAlignAcc1">
+    <dgm:scene3d>
+      <a:camera prst="orthographicFront"/>
+      <a:lightRig rig="threePt" dir="t"/>
+    </dgm:scene3d>
+    <dgm:sp3d/>
+    <dgm:txPr/>
+    <dgm:style>
+      <a:lnRef idx="1">
+        <a:scrgbClr r="0" g="0" b="0"/>
+      </a:lnRef>
+      <a:fillRef idx="1">
+        <a:scrgbClr r="0" g="0" b="0"/>
+      </a:fillRef>
+      <a:effectRef idx="0">
+        <a:scrgbClr r="0" g="0" b="0"/>
+      </a:effectRef>
+      <a:fontRef idx="minor"/>
+    </dgm:style>
+  </dgm:styleLbl>
+  <dgm:styleLbl name="bgAcc1">
+    <dgm:scene3d>
+      <a:camera prst="orthographicFront"/>
+      <a:lightRig rig="threePt" dir="t"/>
+    </dgm:scene3d>
+    <dgm:sp3d/>
+    <dgm:txPr/>
+    <dgm:style>
+      <a:lnRef idx="1">
+        <a:scrgbClr r="0" g="0" b="0"/>
+      </a:lnRef>
+      <a:fillRef idx="1">
+        <a:scrgbClr r="0" g="0" b="0"/>
+      </a:fillRef>
+      <a:effectRef idx="0">
+        <a:scrgbClr r="0" g="0" b="0"/>
+      </a:effectRef>
+      <a:fontRef idx="minor"/>
+    </dgm:style>
+  </dgm:styleLbl>
+  <dgm:styleLbl name="solidFgAcc1">
+    <dgm:scene3d>
+      <a:camera prst="orthographicFront"/>
+      <a:lightRig rig="threePt" dir="t"/>
+    </dgm:scene3d>
+    <dgm:sp3d/>
+    <dgm:txPr/>
+    <dgm:style>
+      <a:lnRef idx="1">
+        <a:scrgbClr r="0" g="0" b="0"/>
+      </a:lnRef>
+      <a:fillRef idx="2">
+        <a:scrgbClr r="0" g="0" b="0"/>
+      </a:fillRef>
+      <a:effectRef idx="0">
+        <a:scrgbClr r="0" g="0" b="0"/>
+      </a:effectRef>
+      <a:fontRef idx="minor"/>
+    </dgm:style>
+  </dgm:styleLbl>
+  <dgm:styleLbl name="solidAlignAcc1">
+    <dgm:scene3d>
+      <a:camera prst="orthographicFront"/>
+      <a:lightRig rig="threePt" dir="t"/>
+    </dgm:scene3d>
+    <dgm:sp3d/>
+    <dgm:txPr/>
+    <dgm:style>
+      <a:lnRef idx="1">
+        <a:scrgbClr r="0" g="0" b="0"/>
+      </a:lnRef>
+      <a:fillRef idx="1">
+        <a:scrgbClr r="0" g="0" b="0"/>
+      </a:fillRef>
+      <a:effectRef idx="0">
+        <a:scrgbClr r="0" g="0" b="0"/>
+      </a:effectRef>
+      <a:fontRef idx="minor"/>
+    </dgm:style>
+  </dgm:styleLbl>
+  <dgm:styleLbl name="solidBgAcc1">
+    <dgm:scene3d>
+      <a:camera prst="orthographicFront"/>
+      <a:lightRig rig="threePt" dir="t"/>
+    </dgm:scene3d>
+    <dgm:sp3d/>
+    <dgm:txPr/>
+    <dgm:style>
+      <a:lnRef idx="1">
+        <a:scrgbClr r="0" g="0" b="0"/>
+      </a:lnRef>
+      <a:fillRef idx="1">
+        <a:scrgbClr r="0" g="0" b="0"/>
+      </a:fillRef>
+      <a:effectRef idx="0">
+        <a:scrgbClr r="0" g="0" b="0"/>
+      </a:effectRef>
+      <a:fontRef idx="minor"/>
+    </dgm:style>
+  </dgm:styleLbl>
+  <dgm:styleLbl name="fgAccFollowNode1">
+    <dgm:scene3d>
+      <a:camera prst="orthographicFront"/>
+      <a:lightRig rig="threePt" dir="t"/>
+    </dgm:scene3d>
+    <dgm:sp3d/>
+    <dgm:txPr/>
+    <dgm:style>
+      <a:lnRef idx="1">
+        <a:scrgbClr r="0" g="0" b="0"/>
+      </a:lnRef>
+      <a:fillRef idx="1">
+        <a:scrgbClr r="0" g="0" b="0"/>
+      </a:fillRef>
+      <a:effectRef idx="0">
+        <a:scrgbClr r="0" g="0" b="0"/>
+      </a:effectRef>
+      <a:fontRef idx="minor"/>
+    </dgm:style>
+  </dgm:styleLbl>
+  <dgm:styleLbl name="alignAccFollowNode1">
+    <dgm:scene3d>
+      <a:camera prst="orthographicFront"/>
+      <a:lightRig rig="threePt" dir="t"/>
+    </dgm:scene3d>
+    <dgm:sp3d/>
+    <dgm:txPr/>
+    <dgm:style>
+      <a:lnRef idx="1">
+        <a:scrgbClr r="0" g="0" b="0"/>
+      </a:lnRef>
+      <a:fillRef idx="1">
+        <a:scrgbClr r="0" g="0" b="0"/>
+      </a:fillRef>
+      <a:effectRef idx="0">
+        <a:scrgbClr r="0" g="0" b="0"/>
+      </a:effectRef>
+      <a:fontRef idx="minor"/>
+    </dgm:style>
+  </dgm:styleLbl>
+  <dgm:styleLbl name="bgAccFollowNode1">
+    <dgm:scene3d>
+      <a:camera prst="orthographicFront"/>
+      <a:lightRig rig="threePt" dir="t"/>
+    </dgm:scene3d>
+    <dgm:sp3d/>
+    <dgm:txPr/>
+    <dgm:style>
+      <a:lnRef idx="1">
+        <a:scrgbClr r="0" g="0" b="0"/>
+      </a:lnRef>
+      <a:fillRef idx="1">
+        <a:scrgbClr r="0" g="0" b="0"/>
+      </a:fillRef>
+      <a:effectRef idx="0">
+        <a:scrgbClr r="0" g="0" b="0"/>
+      </a:effectRef>
+      <a:fontRef idx="minor"/>
+    </dgm:style>
+  </dgm:styleLbl>
+  <dgm:styleLbl name="fgAcc0">
+    <dgm:scene3d>
+      <a:camera prst="orthographicFront"/>
+      <a:lightRig rig="threePt" dir="t"/>
+    </dgm:scene3d>
+    <dgm:sp3d/>
+    <dgm:txPr/>
+    <dgm:style>
+      <a:lnRef idx="1">
+        <a:scrgbClr r="0" g="0" b="0"/>
+      </a:lnRef>
+      <a:fillRef idx="1">
+        <a:scrgbClr r="0" g="0" b="0"/>
+      </a:fillRef>
+      <a:effectRef idx="0">
+        <a:scrgbClr r="0" g="0" b="0"/>
+      </a:effectRef>
+      <a:fontRef idx="minor"/>
+    </dgm:style>
+  </dgm:styleLbl>
+  <dgm:styleLbl name="fgAcc2">
+    <dgm:scene3d>
+      <a:camera prst="orthographicFront"/>
+      <a:lightRig rig="threePt" dir="t"/>
+    </dgm:scene3d>
+    <dgm:sp3d/>
+    <dgm:txPr/>
+    <dgm:style>
+      <a:lnRef idx="1">
+        <a:scrgbClr r="0" g="0" b="0"/>
+      </a:lnRef>
+      <a:fillRef idx="1">
+        <a:scrgbClr r="0" g="0" b="0"/>
+      </a:fillRef>
+      <a:effectRef idx="0">
+        <a:scrgbClr r="0" g="0" b="0"/>
+      </a:effectRef>
+      <a:fontRef idx="minor"/>
+    </dgm:style>
+  </dgm:styleLbl>
+  <dgm:styleLbl name="fgAcc3">
+    <dgm:scene3d>
+      <a:camera prst="orthographicFront"/>
+      <a:lightRig rig="threePt" dir="t"/>
+    </dgm:scene3d>
+    <dgm:sp3d/>
+    <dgm:txPr/>
+    <dgm:style>
+      <a:lnRef idx="1">
+        <a:scrgbClr r="0" g="0" b="0"/>
+      </a:lnRef>
+      <a:fillRef idx="1">
+        <a:scrgbClr r="0" g="0" b="0"/>
+      </a:fillRef>
+      <a:effectRef idx="0">
+        <a:scrgbClr r="0" g="0" b="0"/>
+      </a:effectRef>
+      <a:fontRef idx="minor"/>
+    </dgm:style>
+  </dgm:styleLbl>
+  <dgm:styleLbl name="fgAcc4">
+    <dgm:scene3d>
+      <a:camera prst="orthographicFront"/>
+      <a:lightRig rig="threePt" dir="t"/>
+    </dgm:scene3d>
+    <dgm:sp3d/>
+    <dgm:txPr/>
+    <dgm:style>
+      <a:lnRef idx="1">
+        <a:scrgbClr r="0" g="0" b="0"/>
+      </a:lnRef>
+      <a:fillRef idx="1">
+        <a:scrgbClr r="0" g="0" b="0"/>
+      </a:fillRef>
+      <a:effectRef idx="0">
+        <a:scrgbClr r="0" g="0" b="0"/>
+      </a:effectRef>
+      <a:fontRef idx="minor"/>
+    </dgm:style>
+  </dgm:styleLbl>
+  <dgm:styleLbl name="bgShp">
+    <dgm:scene3d>
+      <a:camera prst="orthographicFront"/>
+      <a:lightRig rig="threePt" dir="t"/>
+    </dgm:scene3d>
+    <dgm:sp3d/>
+    <dgm:txPr/>
+    <dgm:style>
+      <a:lnRef idx="0">
+        <a:scrgbClr r="0" g="0" b="0"/>
+      </a:lnRef>
+      <a:fillRef idx="1">
+        <a:scrgbClr r="0" g="0" b="0"/>
+      </a:fillRef>
+      <a:effectRef idx="1">
+        <a:scrgbClr r="0" g="0" b="0"/>
+      </a:effectRef>
+      <a:fontRef idx="minor"/>
+    </dgm:style>
+  </dgm:styleLbl>
+  <dgm:styleLbl name="dkBgShp">
+    <dgm:scene3d>
+      <a:camera prst="orthographicFront"/>
+      <a:lightRig rig="threePt" dir="t"/>
+    </dgm:scene3d>
+    <dgm:sp3d/>
+    <dgm:txPr/>
+    <dgm:style>
+      <a:lnRef idx="0">
+        <a:scrgbClr r="0" g="0" b="0"/>
+      </a:lnRef>
+      <a:fillRef idx="1">
+        <a:scrgbClr r="0" g="0" b="0"/>
+      </a:fillRef>
+      <a:effectRef idx="1">
+        <a:scrgbClr r="0" g="0" b="0"/>
+      </a:effectRef>
+      <a:fontRef idx="minor"/>
+    </dgm:style>
+  </dgm:styleLbl>
+  <dgm:styleLbl name="trBgShp">
+    <dgm:scene3d>
+      <a:camera prst="orthographicFront"/>
+      <a:lightRig rig="threePt" dir="t"/>
+    </dgm:scene3d>
+    <dgm:sp3d/>
+    <dgm:txPr/>
+    <dgm:style>
+      <a:lnRef idx="0">
+        <a:scrgbClr r="0" g="0" b="0"/>
+      </a:lnRef>
+      <a:fillRef idx="1">
+        <a:scrgbClr r="0" g="0" b="0"/>
+      </a:fillRef>
+      <a:effectRef idx="0">
+        <a:scrgbClr r="0" g="0" b="0"/>
+      </a:effectRef>
+      <a:fontRef idx="minor"/>
+    </dgm:style>
+  </dgm:styleLbl>
+  <dgm:styleLbl name="fgShp">
+    <dgm:scene3d>
+      <a:camera prst="orthographicFront"/>
+      <a:lightRig rig="flat" dir="t"/>
+    </dgm:scene3d>
+    <dgm:sp3d prstMaterial="dkEdge">
+      <a:bevelT w="8200" h="38100"/>
+    </dgm:sp3d>
+    <dgm:txPr/>
+    <dgm:style>
+      <a:lnRef idx="1">
+        <a:scrgbClr r="0" g="0" b="0"/>
+      </a:lnRef>
+      <a:fillRef idx="2">
+        <a:scrgbClr r="0" g="0" b="0"/>
+      </a:fillRef>
+      <a:effectRef idx="1">
+        <a:scrgbClr r="0" g="0" b="0"/>
+      </a:effectRef>
+      <a:fontRef idx="minor"/>
+    </dgm:style>
+  </dgm:styleLbl>
+  <dgm:styleLbl name="revTx">
+    <dgm:scene3d>
+      <a:camera prst="orthographicFront"/>
+      <a:lightRig rig="threePt" dir="t"/>
+    </dgm:scene3d>
+    <dgm:sp3d/>
+    <dgm:txPr/>
+    <dgm:style>
+      <a:lnRef idx="0">
+        <a:scrgbClr r="0" g="0" b="0"/>
+      </a:lnRef>
+      <a:fillRef idx="0">
+        <a:scrgbClr r="0" g="0" b="0"/>
+      </a:fillRef>
+      <a:effectRef idx="0">
+        <a:scrgbClr r="0" g="0" b="0"/>
+      </a:effectRef>
+      <a:fontRef idx="minor"/>
+    </dgm:style>
+  </dgm:styleLbl>
+</dgm:styleDef>
 </file>
 
 <file path=ppt/notesMasters/notesMaster1.xml><?xml version="1.0" encoding="utf-8"?>
@@ -279,7 +4007,7 @@
           <a:p>
             <a:fld id="{60C973AE-4BF1-E44A-BA01-3BBB7E758EB7}" type="datetimeFigureOut">
               <a:rPr lang="en-US" smtClean="0"/>
-              <a:t>6/17/19</a:t>
+              <a:t>6/28/19</a:t>
             </a:fld>
             <a:endParaRPr lang="en-US"/>
           </a:p>
@@ -711,6 +4439,90 @@
     <p:extLst>
       <p:ext uri="{BB962C8B-B14F-4D97-AF65-F5344CB8AC3E}">
         <p14:creationId xmlns:p14="http://schemas.microsoft.com/office/powerpoint/2010/main" val="3305376978"/>
+      </p:ext>
+    </p:extLst>
+  </p:cSld>
+  <p:clrMapOvr>
+    <a:masterClrMapping/>
+  </p:clrMapOvr>
+</p:notes>
+</file>
+
+<file path=ppt/notesSlides/notesSlide3.xml><?xml version="1.0" encoding="utf-8"?>
+<p:notes xmlns:a="http://schemas.openxmlformats.org/drawingml/2006/main" xmlns:r="http://schemas.openxmlformats.org/officeDocument/2006/relationships" xmlns:p="http://schemas.openxmlformats.org/presentationml/2006/main">
+  <p:cSld>
+    <p:spTree>
+      <p:nvGrpSpPr>
+        <p:cNvPr id="1" name=""/>
+        <p:cNvGrpSpPr/>
+        <p:nvPr/>
+      </p:nvGrpSpPr>
+      <p:grpSpPr>
+        <a:xfrm>
+          <a:off x="0" y="0"/>
+          <a:ext cx="0" cy="0"/>
+          <a:chOff x="0" y="0"/>
+          <a:chExt cx="0" cy="0"/>
+        </a:xfrm>
+      </p:grpSpPr>
+      <p:sp>
+        <p:nvSpPr>
+          <p:cNvPr id="2" name="Slide Image Placeholder 1"/>
+          <p:cNvSpPr>
+            <a:spLocks noGrp="1" noRot="1" noChangeAspect="1"/>
+          </p:cNvSpPr>
+          <p:nvPr>
+            <p:ph type="sldImg"/>
+          </p:nvPr>
+        </p:nvSpPr>
+        <p:spPr/>
+      </p:sp>
+      <p:sp>
+        <p:nvSpPr>
+          <p:cNvPr id="3" name="Notes Placeholder 2"/>
+          <p:cNvSpPr>
+            <a:spLocks noGrp="1"/>
+          </p:cNvSpPr>
+          <p:nvPr>
+            <p:ph type="body" idx="1"/>
+          </p:nvPr>
+        </p:nvSpPr>
+        <p:spPr/>
+        <p:txBody>
+          <a:bodyPr/>
+          <a:lstStyle/>
+          <a:p>
+            <a:endParaRPr lang="en-US" dirty="0"/>
+          </a:p>
+        </p:txBody>
+      </p:sp>
+      <p:sp>
+        <p:nvSpPr>
+          <p:cNvPr id="4" name="Slide Number Placeholder 3"/>
+          <p:cNvSpPr>
+            <a:spLocks noGrp="1"/>
+          </p:cNvSpPr>
+          <p:nvPr>
+            <p:ph type="sldNum" sz="quarter" idx="5"/>
+          </p:nvPr>
+        </p:nvSpPr>
+        <p:spPr/>
+        <p:txBody>
+          <a:bodyPr/>
+          <a:lstStyle/>
+          <a:p>
+            <a:fld id="{5BF34F67-936A-8645-B208-605DB1058255}" type="slidenum">
+              <a:rPr lang="en-US" smtClean="0"/>
+              <a:t>3</a:t>
+            </a:fld>
+            <a:endParaRPr lang="en-US"/>
+          </a:p>
+        </p:txBody>
+      </p:sp>
+    </p:spTree>
+    <p:extLst>
+      <p:ext uri="{BB962C8B-B14F-4D97-AF65-F5344CB8AC3E}">
+        <p14:creationId xmlns:p14="http://schemas.microsoft.com/office/powerpoint/2010/main" val="3899690796"/>
       </p:ext>
     </p:extLst>
   </p:cSld>
@@ -1233,7 +5045,7 @@
           <a:p>
             <a:fld id="{88AC2A37-C366-204B-BEC9-67A1DF2E8BC6}" type="datetimeFigureOut">
               <a:rPr lang="en-US" smtClean="0"/>
-              <a:t>6/17/19</a:t>
+              <a:t>6/28/19</a:t>
             </a:fld>
             <a:endParaRPr lang="en-US"/>
           </a:p>
@@ -11134,7 +14946,7 @@
           <a:p>
             <a:fld id="{F8411435-0C09-2646-9F4F-0AC3F7D3A974}" type="datetimeFigureOut">
               <a:rPr lang="en-US" smtClean="0"/>
-              <a:t>6/17/19</a:t>
+              <a:t>6/28/19</a:t>
             </a:fld>
             <a:endParaRPr lang="en-US"/>
           </a:p>
@@ -11332,7 +15144,7 @@
           <a:p>
             <a:fld id="{F8411435-0C09-2646-9F4F-0AC3F7D3A974}" type="datetimeFigureOut">
               <a:rPr lang="en-US" smtClean="0"/>
-              <a:t>6/17/19</a:t>
+              <a:t>6/28/19</a:t>
             </a:fld>
             <a:endParaRPr lang="en-US"/>
           </a:p>
@@ -11607,7 +15419,7 @@
           <a:p>
             <a:fld id="{F8411435-0C09-2646-9F4F-0AC3F7D3A974}" type="datetimeFigureOut">
               <a:rPr lang="en-US" smtClean="0"/>
-              <a:t>6/17/19</a:t>
+              <a:t>6/28/19</a:t>
             </a:fld>
             <a:endParaRPr lang="en-US"/>
           </a:p>
@@ -11872,7 +15684,7 @@
           <a:p>
             <a:fld id="{F8411435-0C09-2646-9F4F-0AC3F7D3A974}" type="datetimeFigureOut">
               <a:rPr lang="en-US" smtClean="0"/>
-              <a:t>6/17/19</a:t>
+              <a:t>6/28/19</a:t>
             </a:fld>
             <a:endParaRPr lang="en-US"/>
           </a:p>
@@ -12284,7 +16096,7 @@
           <a:p>
             <a:fld id="{F8411435-0C09-2646-9F4F-0AC3F7D3A974}" type="datetimeFigureOut">
               <a:rPr lang="en-US" smtClean="0"/>
-              <a:t>6/17/19</a:t>
+              <a:t>6/28/19</a:t>
             </a:fld>
             <a:endParaRPr lang="en-US"/>
           </a:p>
@@ -12425,7 +16237,7 @@
           <a:p>
             <a:fld id="{F8411435-0C09-2646-9F4F-0AC3F7D3A974}" type="datetimeFigureOut">
               <a:rPr lang="en-US" smtClean="0"/>
-              <a:t>6/17/19</a:t>
+              <a:t>6/28/19</a:t>
             </a:fld>
             <a:endParaRPr lang="en-US"/>
           </a:p>
@@ -12538,7 +16350,7 @@
           <a:p>
             <a:fld id="{F8411435-0C09-2646-9F4F-0AC3F7D3A974}" type="datetimeFigureOut">
               <a:rPr lang="en-US" smtClean="0"/>
-              <a:t>6/17/19</a:t>
+              <a:t>6/28/19</a:t>
             </a:fld>
             <a:endParaRPr lang="en-US"/>
           </a:p>
@@ -12849,7 +16661,7 @@
           <a:p>
             <a:fld id="{F8411435-0C09-2646-9F4F-0AC3F7D3A974}" type="datetimeFigureOut">
               <a:rPr lang="en-US" smtClean="0"/>
-              <a:t>6/17/19</a:t>
+              <a:t>6/28/19</a:t>
             </a:fld>
             <a:endParaRPr lang="en-US"/>
           </a:p>
@@ -13137,7 +16949,7 @@
           <a:p>
             <a:fld id="{F8411435-0C09-2646-9F4F-0AC3F7D3A974}" type="datetimeFigureOut">
               <a:rPr lang="en-US" smtClean="0"/>
-              <a:t>6/17/19</a:t>
+              <a:t>6/28/19</a:t>
             </a:fld>
             <a:endParaRPr lang="en-US"/>
           </a:p>
@@ -13335,7 +17147,7 @@
           <a:p>
             <a:fld id="{F8411435-0C09-2646-9F4F-0AC3F7D3A974}" type="datetimeFigureOut">
               <a:rPr lang="en-US" smtClean="0"/>
-              <a:t>6/17/19</a:t>
+              <a:t>6/28/19</a:t>
             </a:fld>
             <a:endParaRPr lang="en-US"/>
           </a:p>
@@ -13753,7 +17565,7 @@
           <a:p>
             <a:fld id="{F8411435-0C09-2646-9F4F-0AC3F7D3A974}" type="datetimeFigureOut">
               <a:rPr lang="en-US" smtClean="0"/>
-              <a:t>6/17/19</a:t>
+              <a:t>6/28/19</a:t>
             </a:fld>
             <a:endParaRPr lang="en-US"/>
           </a:p>
@@ -18235,7 +22047,7 @@
           <a:p>
             <a:fld id="{F8411435-0C09-2646-9F4F-0AC3F7D3A974}" type="datetimeFigureOut">
               <a:rPr lang="en-US" smtClean="0"/>
-              <a:t>6/17/19</a:t>
+              <a:t>6/28/19</a:t>
             </a:fld>
             <a:endParaRPr lang="en-US"/>
           </a:p>
@@ -18928,6 +22740,298 @@
       </p:grpSpPr>
       <p:sp>
         <p:nvSpPr>
+          <p:cNvPr id="9" name="Rectangle 10">
+            <a:extLst>
+              <a:ext uri="{FF2B5EF4-FFF2-40B4-BE49-F238E27FC236}">
+                <a16:creationId xmlns:a16="http://schemas.microsoft.com/office/drawing/2014/main" id="{ACBE1851-2230-47A9-B000-CE9046EA61B9}"/>
+              </a:ext>
+              <a:ext uri="{C183D7F6-B498-43B3-948B-1728B52AA6E4}">
+                <adec:decorative xmlns:adec="http://schemas.microsoft.com/office/drawing/2017/decorative" val="1"/>
+              </a:ext>
+            </a:extLst>
+          </p:cNvPr>
+          <p:cNvSpPr>
+            <a:spLocks noGrp="1" noRot="1" noChangeAspect="1" noMove="1" noResize="1" noEditPoints="1" noAdjustHandles="1" noChangeArrowheads="1" noChangeShapeType="1" noTextEdit="1"/>
+          </p:cNvSpPr>
+          <p:nvPr>
+            <p:extLst>
+              <p:ext uri="{386F3935-93C4-4BCD-93E2-E3B085C9AB24}">
+                <p16:designElem xmlns:p16="http://schemas.microsoft.com/office/powerpoint/2015/main" val="1"/>
+              </p:ext>
+            </p:extLst>
+          </p:nvPr>
+        </p:nvSpPr>
+        <p:spPr>
+          <a:xfrm>
+            <a:off x="0" y="0"/>
+            <a:ext cx="5468548" cy="6858000"/>
+          </a:xfrm>
+          <a:prstGeom prst="rect">
+            <a:avLst/>
+          </a:prstGeom>
+          <a:solidFill>
+            <a:schemeClr val="accent1"/>
+          </a:solidFill>
+          <a:ln>
+            <a:noFill/>
+          </a:ln>
+        </p:spPr>
+        <p:style>
+          <a:lnRef idx="2">
+            <a:schemeClr val="accent1">
+              <a:shade val="50000"/>
+            </a:schemeClr>
+          </a:lnRef>
+          <a:fillRef idx="1">
+            <a:schemeClr val="accent1"/>
+          </a:fillRef>
+          <a:effectRef idx="0">
+            <a:schemeClr val="accent1"/>
+          </a:effectRef>
+          <a:fontRef idx="minor">
+            <a:schemeClr val="lt1"/>
+          </a:fontRef>
+        </p:style>
+        <p:txBody>
+          <a:bodyPr rtlCol="0" anchor="ctr"/>
+          <a:lstStyle/>
+          <a:p>
+            <a:pPr algn="ctr"/>
+            <a:endParaRPr lang="en-US"/>
+          </a:p>
+        </p:txBody>
+      </p:sp>
+      <p:sp>
+        <p:nvSpPr>
+          <p:cNvPr id="2" name="Title 1">
+            <a:extLst>
+              <a:ext uri="{FF2B5EF4-FFF2-40B4-BE49-F238E27FC236}">
+                <a16:creationId xmlns:a16="http://schemas.microsoft.com/office/drawing/2014/main" id="{B5040152-28F9-7444-89A0-095C405443C7}"/>
+              </a:ext>
+            </a:extLst>
+          </p:cNvPr>
+          <p:cNvSpPr>
+            <a:spLocks noGrp="1"/>
+          </p:cNvSpPr>
+          <p:nvPr>
+            <p:ph type="ctrTitle"/>
+          </p:nvPr>
+        </p:nvSpPr>
+        <p:spPr>
+          <a:xfrm>
+            <a:off x="634276" y="803705"/>
+            <a:ext cx="4208656" cy="3034857"/>
+          </a:xfrm>
+        </p:spPr>
+        <p:txBody>
+          <a:bodyPr anchor="b">
+            <a:normAutofit/>
+          </a:bodyPr>
+          <a:lstStyle/>
+          <a:p>
+            <a:pPr algn="r"/>
+            <a:r>
+              <a:rPr lang="en-US" sz="3800">
+                <a:solidFill>
+                  <a:srgbClr val="FFFFFF"/>
+                </a:solidFill>
+                <a:latin typeface="+mn-lt"/>
+              </a:rPr>
+              <a:t>Acknowledgements</a:t>
+            </a:r>
+          </a:p>
+        </p:txBody>
+      </p:sp>
+      <p:sp>
+        <p:nvSpPr>
+          <p:cNvPr id="6" name="Content Placeholder 5">
+            <a:extLst>
+              <a:ext uri="{FF2B5EF4-FFF2-40B4-BE49-F238E27FC236}">
+                <a16:creationId xmlns:a16="http://schemas.microsoft.com/office/drawing/2014/main" id="{FA727CD3-55BD-D94B-8A6B-E11856D2FEB1}"/>
+              </a:ext>
+            </a:extLst>
+          </p:cNvPr>
+          <p:cNvSpPr>
+            <a:spLocks noGrp="1"/>
+          </p:cNvSpPr>
+          <p:nvPr>
+            <p:ph type="subTitle" idx="1"/>
+          </p:nvPr>
+        </p:nvSpPr>
+        <p:spPr>
+          <a:xfrm>
+            <a:off x="638921" y="4013165"/>
+            <a:ext cx="4204012" cy="2205732"/>
+          </a:xfrm>
+        </p:spPr>
+        <p:txBody>
+          <a:bodyPr anchor="t">
+            <a:normAutofit/>
+          </a:bodyPr>
+          <a:lstStyle/>
+          <a:p>
+            <a:pPr algn="r"/>
+            <a:r>
+              <a:rPr lang="en-US" sz="1800" dirty="0">
+                <a:solidFill>
+                  <a:srgbClr val="FFFFFF"/>
+                </a:solidFill>
+              </a:rPr>
+              <a:t>Emma Bell, PhD</a:t>
+            </a:r>
+          </a:p>
+          <a:p>
+            <a:pPr algn="r"/>
+            <a:r>
+              <a:rPr lang="en-US" sz="1800" dirty="0" err="1">
+                <a:solidFill>
+                  <a:srgbClr val="FFFFFF"/>
+                </a:solidFill>
+              </a:rPr>
+              <a:t>emma.bell@uhnresearch.ca</a:t>
+            </a:r>
+            <a:endParaRPr lang="en-US" sz="1800" dirty="0">
+              <a:solidFill>
+                <a:srgbClr val="FFFFFF"/>
+              </a:solidFill>
+            </a:endParaRPr>
+          </a:p>
+          <a:p>
+            <a:pPr algn="r"/>
+            <a:r>
+              <a:rPr lang="en-US" sz="1800" dirty="0">
+                <a:solidFill>
+                  <a:srgbClr val="FFFFFF"/>
+                </a:solidFill>
+              </a:rPr>
+              <a:t>@emmabell42</a:t>
+            </a:r>
+          </a:p>
+        </p:txBody>
+      </p:sp>
+      <p:cxnSp>
+        <p:nvCxnSpPr>
+          <p:cNvPr id="13" name="Straight Connector 12">
+            <a:extLst>
+              <a:ext uri="{FF2B5EF4-FFF2-40B4-BE49-F238E27FC236}">
+                <a16:creationId xmlns:a16="http://schemas.microsoft.com/office/drawing/2014/main" id="{23B93832-6514-44F4-849B-5EE2C8A2337D}"/>
+              </a:ext>
+              <a:ext uri="{C183D7F6-B498-43B3-948B-1728B52AA6E4}">
+                <adec:decorative xmlns:adec="http://schemas.microsoft.com/office/drawing/2017/decorative" val="1"/>
+              </a:ext>
+            </a:extLst>
+          </p:cNvPr>
+          <p:cNvCxnSpPr>
+            <a:cxnSpLocks noGrp="1" noRot="1" noChangeAspect="1" noMove="1" noResize="1" noEditPoints="1" noAdjustHandles="1" noChangeArrowheads="1" noChangeShapeType="1"/>
+          </p:cNvCxnSpPr>
+          <p:nvPr>
+            <p:extLst>
+              <p:ext uri="{386F3935-93C4-4BCD-93E2-E3B085C9AB24}">
+                <p16:designElem xmlns:p16="http://schemas.microsoft.com/office/powerpoint/2015/main" val="1"/>
+              </p:ext>
+            </p:extLst>
+          </p:nvPr>
+        </p:nvCxnSpPr>
+        <p:spPr>
+          <a:xfrm>
+            <a:off x="786679" y="3928939"/>
+            <a:ext cx="3931920" cy="0"/>
+          </a:xfrm>
+          <a:prstGeom prst="line">
+            <a:avLst/>
+          </a:prstGeom>
+          <a:ln w="19050">
+            <a:solidFill>
+              <a:srgbClr val="FFFFFF">
+                <a:alpha val="80000"/>
+              </a:srgbClr>
+            </a:solidFill>
+          </a:ln>
+        </p:spPr>
+        <p:style>
+          <a:lnRef idx="1">
+            <a:schemeClr val="accent1"/>
+          </a:lnRef>
+          <a:fillRef idx="0">
+            <a:schemeClr val="accent1"/>
+          </a:fillRef>
+          <a:effectRef idx="0">
+            <a:schemeClr val="accent1"/>
+          </a:effectRef>
+          <a:fontRef idx="minor">
+            <a:schemeClr val="tx1"/>
+          </a:fontRef>
+        </p:style>
+      </p:cxnSp>
+      <p:pic>
+        <p:nvPicPr>
+          <p:cNvPr id="5" name="Picture 4" descr="A close up of a logo&#10;&#10;Description automatically generated">
+            <a:extLst>
+              <a:ext uri="{FF2B5EF4-FFF2-40B4-BE49-F238E27FC236}">
+                <a16:creationId xmlns:a16="http://schemas.microsoft.com/office/drawing/2014/main" id="{AD4CF828-A3F8-2A4D-ADCD-E60C952B33FC}"/>
+              </a:ext>
+            </a:extLst>
+          </p:cNvPr>
+          <p:cNvPicPr>
+            <a:picLocks noChangeAspect="1"/>
+          </p:cNvPicPr>
+          <p:nvPr/>
+        </p:nvPicPr>
+        <p:blipFill rotWithShape="1">
+          <a:blip r:embed="rId2"/>
+          <a:srcRect t="78120" r="51731"/>
+          <a:stretch/>
+        </p:blipFill>
+        <p:spPr>
+          <a:xfrm>
+            <a:off x="6260123" y="4826848"/>
+            <a:ext cx="5459470" cy="1392049"/>
+          </a:xfrm>
+          <a:prstGeom prst="rect">
+            <a:avLst/>
+          </a:prstGeom>
+        </p:spPr>
+      </p:pic>
+    </p:spTree>
+    <p:extLst>
+      <p:ext uri="{BB962C8B-B14F-4D97-AF65-F5344CB8AC3E}">
+        <p14:creationId xmlns:p14="http://schemas.microsoft.com/office/powerpoint/2010/main" val="2436109398"/>
+      </p:ext>
+    </p:extLst>
+  </p:cSld>
+  <p:clrMapOvr>
+    <a:masterClrMapping/>
+  </p:clrMapOvr>
+</p:sld>
+</file>
+
+<file path=ppt/slides/slide11.xml><?xml version="1.0" encoding="utf-8"?>
+<p:sld xmlns:a="http://schemas.openxmlformats.org/drawingml/2006/main" xmlns:r="http://schemas.openxmlformats.org/officeDocument/2006/relationships" xmlns:p="http://schemas.openxmlformats.org/presentationml/2006/main">
+  <p:cSld>
+    <p:bg>
+      <p:bgPr>
+        <a:solidFill>
+          <a:schemeClr val="bg1"/>
+        </a:solidFill>
+        <a:effectLst/>
+      </p:bgPr>
+    </p:bg>
+    <p:spTree>
+      <p:nvGrpSpPr>
+        <p:cNvPr id="1" name=""/>
+        <p:cNvGrpSpPr/>
+        <p:nvPr/>
+      </p:nvGrpSpPr>
+      <p:grpSpPr>
+        <a:xfrm>
+          <a:off x="0" y="0"/>
+          <a:ext cx="0" cy="0"/>
+          <a:chOff x="0" y="0"/>
+          <a:chExt cx="0" cy="0"/>
+        </a:xfrm>
+      </p:grpSpPr>
+      <p:sp>
+        <p:nvSpPr>
           <p:cNvPr id="19" name="Rectangle 18">
             <a:extLst>
               <a:ext uri="{FF2B5EF4-FFF2-40B4-BE49-F238E27FC236}">
@@ -19368,19 +23472,19 @@
           <a:lstStyle/>
           <a:p>
             <a:r>
-              <a:rPr lang="en-US" sz="2400"/>
-              <a:t>Question 1</a:t>
-            </a:r>
-          </a:p>
-          <a:p>
-            <a:r>
-              <a:rPr lang="en-US" sz="2400"/>
-              <a:t>Question 2</a:t>
-            </a:r>
-          </a:p>
-          <a:p>
-            <a:r>
-              <a:rPr lang="en-US" sz="2400"/>
+              <a:rPr lang="en-US" sz="2400" dirty="0"/>
+              <a:t>How do we currently approach RDM in the De Carvalho lab?</a:t>
+            </a:r>
+          </a:p>
+          <a:p>
+            <a:r>
+              <a:rPr lang="en-US" sz="2400" dirty="0"/>
+              <a:t>What problems</a:t>
+            </a:r>
+          </a:p>
+          <a:p>
+            <a:r>
+              <a:rPr lang="en-US" sz="2400" dirty="0"/>
               <a:t>Question 3</a:t>
             </a:r>
           </a:p>
@@ -19400,6 +23504,95 @@
 </file>
 
 <file path=ppt/slides/slide3.xml><?xml version="1.0" encoding="utf-8"?>
+<p:sld xmlns:a="http://schemas.openxmlformats.org/drawingml/2006/main" xmlns:r="http://schemas.openxmlformats.org/officeDocument/2006/relationships" xmlns:p="http://schemas.openxmlformats.org/presentationml/2006/main">
+  <p:cSld>
+    <p:spTree>
+      <p:nvGrpSpPr>
+        <p:cNvPr id="1" name=""/>
+        <p:cNvGrpSpPr/>
+        <p:nvPr/>
+      </p:nvGrpSpPr>
+      <p:grpSpPr>
+        <a:xfrm>
+          <a:off x="0" y="0"/>
+          <a:ext cx="0" cy="0"/>
+          <a:chOff x="0" y="0"/>
+          <a:chExt cx="0" cy="0"/>
+        </a:xfrm>
+      </p:grpSpPr>
+      <p:sp>
+        <p:nvSpPr>
+          <p:cNvPr id="4" name="Title 3">
+            <a:extLst>
+              <a:ext uri="{FF2B5EF4-FFF2-40B4-BE49-F238E27FC236}">
+                <a16:creationId xmlns:a16="http://schemas.microsoft.com/office/drawing/2014/main" id="{F63E92C6-531F-0E4A-828F-5D4E89D44188}"/>
+              </a:ext>
+            </a:extLst>
+          </p:cNvPr>
+          <p:cNvSpPr>
+            <a:spLocks noGrp="1"/>
+          </p:cNvSpPr>
+          <p:nvPr>
+            <p:ph type="title"/>
+          </p:nvPr>
+        </p:nvSpPr>
+        <p:spPr/>
+        <p:txBody>
+          <a:bodyPr/>
+          <a:lstStyle/>
+          <a:p>
+            <a:r>
+              <a:rPr lang="en-US" dirty="0"/>
+              <a:t>The life cycle of our sequencing experiments</a:t>
+            </a:r>
+          </a:p>
+        </p:txBody>
+      </p:sp>
+      <p:graphicFrame>
+        <p:nvGraphicFramePr>
+          <p:cNvPr id="6" name="Content Placeholder 5">
+            <a:extLst>
+              <a:ext uri="{FF2B5EF4-FFF2-40B4-BE49-F238E27FC236}">
+                <a16:creationId xmlns:a16="http://schemas.microsoft.com/office/drawing/2014/main" id="{058C4080-E575-D941-8516-DAF6B83B2F9A}"/>
+              </a:ext>
+            </a:extLst>
+          </p:cNvPr>
+          <p:cNvGraphicFramePr>
+            <a:graphicFrameLocks noGrp="1"/>
+          </p:cNvGraphicFramePr>
+          <p:nvPr>
+            <p:ph idx="1"/>
+            <p:extLst>
+              <p:ext uri="{D42A27DB-BD31-4B8C-83A1-F6EECF244321}">
+                <p14:modId xmlns:p14="http://schemas.microsoft.com/office/powerpoint/2010/main" val="1456381936"/>
+              </p:ext>
+            </p:extLst>
+          </p:nvPr>
+        </p:nvGraphicFramePr>
+        <p:xfrm>
+          <a:off x="493986" y="1825625"/>
+          <a:ext cx="11277600" cy="4351338"/>
+        </p:xfrm>
+        <a:graphic>
+          <a:graphicData uri="http://schemas.openxmlformats.org/drawingml/2006/diagram">
+            <dgm:relIds xmlns:dgm="http://schemas.openxmlformats.org/drawingml/2006/diagram" xmlns:r="http://schemas.openxmlformats.org/officeDocument/2006/relationships" r:dm="rId3" r:lo="rId4" r:qs="rId5" r:cs="rId6"/>
+          </a:graphicData>
+        </a:graphic>
+      </p:graphicFrame>
+    </p:spTree>
+    <p:extLst>
+      <p:ext uri="{BB962C8B-B14F-4D97-AF65-F5344CB8AC3E}">
+        <p14:creationId xmlns:p14="http://schemas.microsoft.com/office/powerpoint/2010/main" val="1709571731"/>
+      </p:ext>
+    </p:extLst>
+  </p:cSld>
+  <p:clrMapOvr>
+    <a:masterClrMapping/>
+  </p:clrMapOvr>
+</p:sld>
+</file>
+
+<file path=ppt/slides/slide4.xml><?xml version="1.0" encoding="utf-8"?>
 <p:sld xmlns:a="http://schemas.openxmlformats.org/drawingml/2006/main" xmlns:r="http://schemas.openxmlformats.org/officeDocument/2006/relationships" xmlns:p="http://schemas.openxmlformats.org/presentationml/2006/main">
   <p:cSld>
     <p:bg>
@@ -19617,7 +23810,7 @@
           <a:p>
             <a:r>
               <a:rPr lang="en-US" sz="2400" dirty="0"/>
-              <a:t>Point 1</a:t>
+              <a:t>How is </a:t>
             </a:r>
           </a:p>
           <a:p>
@@ -19650,7 +23843,7 @@
 </p:sld>
 </file>
 
-<file path=ppt/slides/slide4.xml><?xml version="1.0" encoding="utf-8"?>
+<file path=ppt/slides/slide5.xml><?xml version="1.0" encoding="utf-8"?>
 <p:sld xmlns:a="http://schemas.openxmlformats.org/drawingml/2006/main" xmlns:r="http://schemas.openxmlformats.org/officeDocument/2006/relationships" xmlns:p="http://schemas.openxmlformats.org/presentationml/2006/main">
   <p:cSld>
     <p:bg>
@@ -19900,7 +24093,7 @@
 </p:sld>
 </file>
 
-<file path=ppt/slides/slide5.xml><?xml version="1.0" encoding="utf-8"?>
+<file path=ppt/slides/slide6.xml><?xml version="1.0" encoding="utf-8"?>
 <p:sld xmlns:a="http://schemas.openxmlformats.org/drawingml/2006/main" xmlns:r="http://schemas.openxmlformats.org/officeDocument/2006/relationships" xmlns:p="http://schemas.openxmlformats.org/presentationml/2006/main">
   <p:cSld>
     <p:bg>
@@ -20178,297 +24371,6 @@
     <p:extLst>
       <p:ext uri="{BB962C8B-B14F-4D97-AF65-F5344CB8AC3E}">
         <p14:creationId xmlns:p14="http://schemas.microsoft.com/office/powerpoint/2010/main" val="3777725358"/>
-      </p:ext>
-    </p:extLst>
-  </p:cSld>
-  <p:clrMapOvr>
-    <a:masterClrMapping/>
-  </p:clrMapOvr>
-</p:sld>
-</file>
-
-<file path=ppt/slides/slide6.xml><?xml version="1.0" encoding="utf-8"?>
-<p:sld xmlns:a="http://schemas.openxmlformats.org/drawingml/2006/main" xmlns:r="http://schemas.openxmlformats.org/officeDocument/2006/relationships" xmlns:p="http://schemas.openxmlformats.org/presentationml/2006/main">
-  <p:cSld>
-    <p:bg>
-      <p:bgPr>
-        <a:solidFill>
-          <a:schemeClr val="bg1"/>
-        </a:solidFill>
-        <a:effectLst/>
-      </p:bgPr>
-    </p:bg>
-    <p:spTree>
-      <p:nvGrpSpPr>
-        <p:cNvPr id="1" name=""/>
-        <p:cNvGrpSpPr/>
-        <p:nvPr/>
-      </p:nvGrpSpPr>
-      <p:grpSpPr>
-        <a:xfrm>
-          <a:off x="0" y="0"/>
-          <a:ext cx="0" cy="0"/>
-          <a:chOff x="0" y="0"/>
-          <a:chExt cx="0" cy="0"/>
-        </a:xfrm>
-      </p:grpSpPr>
-      <p:sp>
-        <p:nvSpPr>
-          <p:cNvPr id="14" name="Rectangle 13">
-            <a:extLst>
-              <a:ext uri="{FF2B5EF4-FFF2-40B4-BE49-F238E27FC236}">
-                <a16:creationId xmlns:a16="http://schemas.microsoft.com/office/drawing/2014/main" id="{8CA06CD6-90CA-4C45-856C-6771339E1E22}"/>
-              </a:ext>
-              <a:ext uri="{C183D7F6-B498-43B3-948B-1728B52AA6E4}">
-                <adec:decorative xmlns:adec="http://schemas.microsoft.com/office/drawing/2017/decorative" val="1"/>
-              </a:ext>
-            </a:extLst>
-          </p:cNvPr>
-          <p:cNvSpPr>
-            <a:spLocks noGrp="1" noRot="1" noChangeAspect="1" noMove="1" noResize="1" noEditPoints="1" noAdjustHandles="1" noChangeArrowheads="1" noChangeShapeType="1" noTextEdit="1"/>
-          </p:cNvSpPr>
-          <p:nvPr>
-            <p:extLst>
-              <p:ext uri="{386F3935-93C4-4BCD-93E2-E3B085C9AB24}">
-                <p16:designElem xmlns:p16="http://schemas.microsoft.com/office/powerpoint/2015/main" val="1"/>
-              </p:ext>
-            </p:extLst>
-          </p:nvPr>
-        </p:nvSpPr>
-        <p:spPr bwMode="ltGray">
-          <a:xfrm>
-            <a:off x="321564" y="320040"/>
-            <a:ext cx="11548872" cy="6217920"/>
-          </a:xfrm>
-          <a:prstGeom prst="rect">
-            <a:avLst/>
-          </a:prstGeom>
-          <a:solidFill>
-            <a:schemeClr val="tx1">
-              <a:alpha val="10000"/>
-            </a:schemeClr>
-          </a:solidFill>
-          <a:ln w="127000" cap="sq" cmpd="thinThick">
-            <a:noFill/>
-          </a:ln>
-        </p:spPr>
-        <p:style>
-          <a:lnRef idx="2">
-            <a:schemeClr val="accent1">
-              <a:shade val="50000"/>
-            </a:schemeClr>
-          </a:lnRef>
-          <a:fillRef idx="1">
-            <a:schemeClr val="accent1"/>
-          </a:fillRef>
-          <a:effectRef idx="0">
-            <a:schemeClr val="accent1"/>
-          </a:effectRef>
-          <a:fontRef idx="minor">
-            <a:schemeClr val="lt1"/>
-          </a:fontRef>
-        </p:style>
-        <p:txBody>
-          <a:bodyPr rtlCol="0" anchor="ctr"/>
-          <a:lstStyle/>
-          <a:p>
-            <a:pPr algn="ctr"/>
-            <a:endParaRPr lang="en-US"/>
-          </a:p>
-        </p:txBody>
-      </p:sp>
-      <p:sp>
-        <p:nvSpPr>
-          <p:cNvPr id="2" name="Title 1">
-            <a:extLst>
-              <a:ext uri="{FF2B5EF4-FFF2-40B4-BE49-F238E27FC236}">
-                <a16:creationId xmlns:a16="http://schemas.microsoft.com/office/drawing/2014/main" id="{B5040152-28F9-7444-89A0-095C405443C7}"/>
-              </a:ext>
-            </a:extLst>
-          </p:cNvPr>
-          <p:cNvSpPr>
-            <a:spLocks noGrp="1"/>
-          </p:cNvSpPr>
-          <p:nvPr>
-            <p:ph type="title"/>
-          </p:nvPr>
-        </p:nvSpPr>
-        <p:spPr>
-          <a:xfrm>
-            <a:off x="838200" y="963507"/>
-            <a:ext cx="3494362" cy="4930986"/>
-          </a:xfrm>
-        </p:spPr>
-        <p:txBody>
-          <a:bodyPr>
-            <a:normAutofit/>
-          </a:bodyPr>
-          <a:lstStyle/>
-          <a:p>
-            <a:pPr algn="r"/>
-            <a:r>
-              <a:rPr lang="en-US">
-                <a:solidFill>
-                  <a:schemeClr val="accent1"/>
-                </a:solidFill>
-                <a:latin typeface="+mn-lt"/>
-              </a:rPr>
-              <a:t>Point 1 - Context</a:t>
-            </a:r>
-          </a:p>
-        </p:txBody>
-      </p:sp>
-      <p:cxnSp>
-        <p:nvCxnSpPr>
-          <p:cNvPr id="16" name="Straight Connector 15">
-            <a:extLst>
-              <a:ext uri="{FF2B5EF4-FFF2-40B4-BE49-F238E27FC236}">
-                <a16:creationId xmlns:a16="http://schemas.microsoft.com/office/drawing/2014/main" id="{5021601D-2758-4B15-A31C-FDA184C51B3A}"/>
-              </a:ext>
-              <a:ext uri="{C183D7F6-B498-43B3-948B-1728B52AA6E4}">
-                <adec:decorative xmlns:adec="http://schemas.microsoft.com/office/drawing/2017/decorative" val="1"/>
-              </a:ext>
-            </a:extLst>
-          </p:cNvPr>
-          <p:cNvCxnSpPr>
-            <a:cxnSpLocks noGrp="1" noRot="1" noChangeAspect="1" noMove="1" noResize="1" noEditPoints="1" noAdjustHandles="1" noChangeArrowheads="1" noChangeShapeType="1"/>
-          </p:cNvCxnSpPr>
-          <p:nvPr>
-            <p:extLst>
-              <p:ext uri="{386F3935-93C4-4BCD-93E2-E3B085C9AB24}">
-                <p16:designElem xmlns:p16="http://schemas.microsoft.com/office/powerpoint/2015/main" val="1"/>
-              </p:ext>
-            </p:extLst>
-          </p:nvPr>
-        </p:nvCxnSpPr>
-        <p:spPr>
-          <a:xfrm>
-            <a:off x="4654296" y="2057400"/>
-            <a:ext cx="0" cy="2743200"/>
-          </a:xfrm>
-          <a:prstGeom prst="line">
-            <a:avLst/>
-          </a:prstGeom>
-          <a:ln w="19050">
-            <a:solidFill>
-              <a:schemeClr val="tx1">
-                <a:lumMod val="85000"/>
-                <a:lumOff val="15000"/>
-              </a:schemeClr>
-            </a:solidFill>
-          </a:ln>
-        </p:spPr>
-        <p:style>
-          <a:lnRef idx="1">
-            <a:schemeClr val="accent1"/>
-          </a:lnRef>
-          <a:fillRef idx="0">
-            <a:schemeClr val="accent1"/>
-          </a:fillRef>
-          <a:effectRef idx="0">
-            <a:schemeClr val="accent1"/>
-          </a:effectRef>
-          <a:fontRef idx="minor">
-            <a:schemeClr val="tx1"/>
-          </a:fontRef>
-        </p:style>
-      </p:cxnSp>
-      <p:sp>
-        <p:nvSpPr>
-          <p:cNvPr id="9" name="Content Placeholder 8">
-            <a:extLst>
-              <a:ext uri="{FF2B5EF4-FFF2-40B4-BE49-F238E27FC236}">
-                <a16:creationId xmlns:a16="http://schemas.microsoft.com/office/drawing/2014/main" id="{822B7238-F257-FB43-828C-01781C2C5B08}"/>
-              </a:ext>
-            </a:extLst>
-          </p:cNvPr>
-          <p:cNvSpPr>
-            <a:spLocks noGrp="1"/>
-          </p:cNvSpPr>
-          <p:nvPr>
-            <p:ph sz="half" idx="1"/>
-          </p:nvPr>
-        </p:nvSpPr>
-        <p:spPr>
-          <a:xfrm>
-            <a:off x="4976030" y="963507"/>
-            <a:ext cx="6250940" cy="2304627"/>
-          </a:xfrm>
-        </p:spPr>
-        <p:txBody>
-          <a:bodyPr anchor="b">
-            <a:normAutofit/>
-          </a:bodyPr>
-          <a:lstStyle/>
-          <a:p>
-            <a:r>
-              <a:rPr lang="en-US" sz="2000"/>
-              <a:t>Context</a:t>
-            </a:r>
-          </a:p>
-          <a:p>
-            <a:pPr lvl="1"/>
-            <a:r>
-              <a:rPr lang="en-US" sz="2000"/>
-              <a:t>A</a:t>
-            </a:r>
-          </a:p>
-          <a:p>
-            <a:pPr lvl="1"/>
-            <a:r>
-              <a:rPr lang="en-US" sz="2000"/>
-              <a:t>B</a:t>
-            </a:r>
-          </a:p>
-          <a:p>
-            <a:pPr lvl="1"/>
-            <a:r>
-              <a:rPr lang="en-US" sz="2000"/>
-              <a:t>C</a:t>
-            </a:r>
-          </a:p>
-          <a:p>
-            <a:pPr lvl="1"/>
-            <a:endParaRPr lang="en-US" sz="2000"/>
-          </a:p>
-        </p:txBody>
-      </p:sp>
-      <p:sp>
-        <p:nvSpPr>
-          <p:cNvPr id="3" name="Content Placeholder 2">
-            <a:extLst>
-              <a:ext uri="{FF2B5EF4-FFF2-40B4-BE49-F238E27FC236}">
-                <a16:creationId xmlns:a16="http://schemas.microsoft.com/office/drawing/2014/main" id="{46DB5633-5961-C346-B2AF-21567CF9D6DC}"/>
-              </a:ext>
-            </a:extLst>
-          </p:cNvPr>
-          <p:cNvSpPr>
-            <a:spLocks noGrp="1"/>
-          </p:cNvSpPr>
-          <p:nvPr>
-            <p:ph sz="half" idx="2"/>
-          </p:nvPr>
-        </p:nvSpPr>
-        <p:spPr>
-          <a:xfrm>
-            <a:off x="4976030" y="3589866"/>
-            <a:ext cx="6250940" cy="2304628"/>
-          </a:xfrm>
-        </p:spPr>
-        <p:txBody>
-          <a:bodyPr>
-            <a:normAutofit/>
-          </a:bodyPr>
-          <a:lstStyle/>
-          <a:p>
-            <a:endParaRPr lang="en-US" sz="2000"/>
-          </a:p>
-        </p:txBody>
-      </p:sp>
-    </p:spTree>
-    <p:extLst>
-      <p:ext uri="{BB962C8B-B14F-4D97-AF65-F5344CB8AC3E}">
-        <p14:creationId xmlns:p14="http://schemas.microsoft.com/office/powerpoint/2010/main" val="2933986661"/>
       </p:ext>
     </p:extLst>
   </p:cSld>
@@ -20604,7 +24506,7 @@
                 </a:solidFill>
                 <a:latin typeface="+mn-lt"/>
               </a:rPr>
-              <a:t>Point 1 - Solution</a:t>
+              <a:t>Point 1 - Context</a:t>
             </a:r>
           </a:p>
         </p:txBody>
@@ -20694,6 +24596,297 @@
           <a:p>
             <a:r>
               <a:rPr lang="en-US" sz="2000"/>
+              <a:t>Context</a:t>
+            </a:r>
+          </a:p>
+          <a:p>
+            <a:pPr lvl="1"/>
+            <a:r>
+              <a:rPr lang="en-US" sz="2000"/>
+              <a:t>A</a:t>
+            </a:r>
+          </a:p>
+          <a:p>
+            <a:pPr lvl="1"/>
+            <a:r>
+              <a:rPr lang="en-US" sz="2000"/>
+              <a:t>B</a:t>
+            </a:r>
+          </a:p>
+          <a:p>
+            <a:pPr lvl="1"/>
+            <a:r>
+              <a:rPr lang="en-US" sz="2000"/>
+              <a:t>C</a:t>
+            </a:r>
+          </a:p>
+          <a:p>
+            <a:pPr lvl="1"/>
+            <a:endParaRPr lang="en-US" sz="2000"/>
+          </a:p>
+        </p:txBody>
+      </p:sp>
+      <p:sp>
+        <p:nvSpPr>
+          <p:cNvPr id="3" name="Content Placeholder 2">
+            <a:extLst>
+              <a:ext uri="{FF2B5EF4-FFF2-40B4-BE49-F238E27FC236}">
+                <a16:creationId xmlns:a16="http://schemas.microsoft.com/office/drawing/2014/main" id="{46DB5633-5961-C346-B2AF-21567CF9D6DC}"/>
+              </a:ext>
+            </a:extLst>
+          </p:cNvPr>
+          <p:cNvSpPr>
+            <a:spLocks noGrp="1"/>
+          </p:cNvSpPr>
+          <p:nvPr>
+            <p:ph sz="half" idx="2"/>
+          </p:nvPr>
+        </p:nvSpPr>
+        <p:spPr>
+          <a:xfrm>
+            <a:off x="4976030" y="3589866"/>
+            <a:ext cx="6250940" cy="2304628"/>
+          </a:xfrm>
+        </p:spPr>
+        <p:txBody>
+          <a:bodyPr>
+            <a:normAutofit/>
+          </a:bodyPr>
+          <a:lstStyle/>
+          <a:p>
+            <a:endParaRPr lang="en-US" sz="2000"/>
+          </a:p>
+        </p:txBody>
+      </p:sp>
+    </p:spTree>
+    <p:extLst>
+      <p:ext uri="{BB962C8B-B14F-4D97-AF65-F5344CB8AC3E}">
+        <p14:creationId xmlns:p14="http://schemas.microsoft.com/office/powerpoint/2010/main" val="2933986661"/>
+      </p:ext>
+    </p:extLst>
+  </p:cSld>
+  <p:clrMapOvr>
+    <a:masterClrMapping/>
+  </p:clrMapOvr>
+</p:sld>
+</file>
+
+<file path=ppt/slides/slide8.xml><?xml version="1.0" encoding="utf-8"?>
+<p:sld xmlns:a="http://schemas.openxmlformats.org/drawingml/2006/main" xmlns:r="http://schemas.openxmlformats.org/officeDocument/2006/relationships" xmlns:p="http://schemas.openxmlformats.org/presentationml/2006/main">
+  <p:cSld>
+    <p:bg>
+      <p:bgPr>
+        <a:solidFill>
+          <a:schemeClr val="bg1"/>
+        </a:solidFill>
+        <a:effectLst/>
+      </p:bgPr>
+    </p:bg>
+    <p:spTree>
+      <p:nvGrpSpPr>
+        <p:cNvPr id="1" name=""/>
+        <p:cNvGrpSpPr/>
+        <p:nvPr/>
+      </p:nvGrpSpPr>
+      <p:grpSpPr>
+        <a:xfrm>
+          <a:off x="0" y="0"/>
+          <a:ext cx="0" cy="0"/>
+          <a:chOff x="0" y="0"/>
+          <a:chExt cx="0" cy="0"/>
+        </a:xfrm>
+      </p:grpSpPr>
+      <p:sp>
+        <p:nvSpPr>
+          <p:cNvPr id="14" name="Rectangle 13">
+            <a:extLst>
+              <a:ext uri="{FF2B5EF4-FFF2-40B4-BE49-F238E27FC236}">
+                <a16:creationId xmlns:a16="http://schemas.microsoft.com/office/drawing/2014/main" id="{8CA06CD6-90CA-4C45-856C-6771339E1E22}"/>
+              </a:ext>
+              <a:ext uri="{C183D7F6-B498-43B3-948B-1728B52AA6E4}">
+                <adec:decorative xmlns:adec="http://schemas.microsoft.com/office/drawing/2017/decorative" val="1"/>
+              </a:ext>
+            </a:extLst>
+          </p:cNvPr>
+          <p:cNvSpPr>
+            <a:spLocks noGrp="1" noRot="1" noChangeAspect="1" noMove="1" noResize="1" noEditPoints="1" noAdjustHandles="1" noChangeArrowheads="1" noChangeShapeType="1" noTextEdit="1"/>
+          </p:cNvSpPr>
+          <p:nvPr>
+            <p:extLst>
+              <p:ext uri="{386F3935-93C4-4BCD-93E2-E3B085C9AB24}">
+                <p16:designElem xmlns:p16="http://schemas.microsoft.com/office/powerpoint/2015/main" val="1"/>
+              </p:ext>
+            </p:extLst>
+          </p:nvPr>
+        </p:nvSpPr>
+        <p:spPr bwMode="ltGray">
+          <a:xfrm>
+            <a:off x="321564" y="320040"/>
+            <a:ext cx="11548872" cy="6217920"/>
+          </a:xfrm>
+          <a:prstGeom prst="rect">
+            <a:avLst/>
+          </a:prstGeom>
+          <a:solidFill>
+            <a:schemeClr val="tx1">
+              <a:alpha val="10000"/>
+            </a:schemeClr>
+          </a:solidFill>
+          <a:ln w="127000" cap="sq" cmpd="thinThick">
+            <a:noFill/>
+          </a:ln>
+        </p:spPr>
+        <p:style>
+          <a:lnRef idx="2">
+            <a:schemeClr val="accent1">
+              <a:shade val="50000"/>
+            </a:schemeClr>
+          </a:lnRef>
+          <a:fillRef idx="1">
+            <a:schemeClr val="accent1"/>
+          </a:fillRef>
+          <a:effectRef idx="0">
+            <a:schemeClr val="accent1"/>
+          </a:effectRef>
+          <a:fontRef idx="minor">
+            <a:schemeClr val="lt1"/>
+          </a:fontRef>
+        </p:style>
+        <p:txBody>
+          <a:bodyPr rtlCol="0" anchor="ctr"/>
+          <a:lstStyle/>
+          <a:p>
+            <a:pPr algn="ctr"/>
+            <a:endParaRPr lang="en-US"/>
+          </a:p>
+        </p:txBody>
+      </p:sp>
+      <p:sp>
+        <p:nvSpPr>
+          <p:cNvPr id="2" name="Title 1">
+            <a:extLst>
+              <a:ext uri="{FF2B5EF4-FFF2-40B4-BE49-F238E27FC236}">
+                <a16:creationId xmlns:a16="http://schemas.microsoft.com/office/drawing/2014/main" id="{B5040152-28F9-7444-89A0-095C405443C7}"/>
+              </a:ext>
+            </a:extLst>
+          </p:cNvPr>
+          <p:cNvSpPr>
+            <a:spLocks noGrp="1"/>
+          </p:cNvSpPr>
+          <p:nvPr>
+            <p:ph type="title"/>
+          </p:nvPr>
+        </p:nvSpPr>
+        <p:spPr>
+          <a:xfrm>
+            <a:off x="838200" y="963507"/>
+            <a:ext cx="3494362" cy="4930986"/>
+          </a:xfrm>
+        </p:spPr>
+        <p:txBody>
+          <a:bodyPr>
+            <a:normAutofit/>
+          </a:bodyPr>
+          <a:lstStyle/>
+          <a:p>
+            <a:pPr algn="r"/>
+            <a:r>
+              <a:rPr lang="en-US">
+                <a:solidFill>
+                  <a:schemeClr val="accent1"/>
+                </a:solidFill>
+                <a:latin typeface="+mn-lt"/>
+              </a:rPr>
+              <a:t>Point 1 - Solution</a:t>
+            </a:r>
+          </a:p>
+        </p:txBody>
+      </p:sp>
+      <p:cxnSp>
+        <p:nvCxnSpPr>
+          <p:cNvPr id="16" name="Straight Connector 15">
+            <a:extLst>
+              <a:ext uri="{FF2B5EF4-FFF2-40B4-BE49-F238E27FC236}">
+                <a16:creationId xmlns:a16="http://schemas.microsoft.com/office/drawing/2014/main" id="{5021601D-2758-4B15-A31C-FDA184C51B3A}"/>
+              </a:ext>
+              <a:ext uri="{C183D7F6-B498-43B3-948B-1728B52AA6E4}">
+                <adec:decorative xmlns:adec="http://schemas.microsoft.com/office/drawing/2017/decorative" val="1"/>
+              </a:ext>
+            </a:extLst>
+          </p:cNvPr>
+          <p:cNvCxnSpPr>
+            <a:cxnSpLocks noGrp="1" noRot="1" noChangeAspect="1" noMove="1" noResize="1" noEditPoints="1" noAdjustHandles="1" noChangeArrowheads="1" noChangeShapeType="1"/>
+          </p:cNvCxnSpPr>
+          <p:nvPr>
+            <p:extLst>
+              <p:ext uri="{386F3935-93C4-4BCD-93E2-E3B085C9AB24}">
+                <p16:designElem xmlns:p16="http://schemas.microsoft.com/office/powerpoint/2015/main" val="1"/>
+              </p:ext>
+            </p:extLst>
+          </p:nvPr>
+        </p:nvCxnSpPr>
+        <p:spPr>
+          <a:xfrm>
+            <a:off x="4654296" y="2057400"/>
+            <a:ext cx="0" cy="2743200"/>
+          </a:xfrm>
+          <a:prstGeom prst="line">
+            <a:avLst/>
+          </a:prstGeom>
+          <a:ln w="19050">
+            <a:solidFill>
+              <a:schemeClr val="tx1">
+                <a:lumMod val="85000"/>
+                <a:lumOff val="15000"/>
+              </a:schemeClr>
+            </a:solidFill>
+          </a:ln>
+        </p:spPr>
+        <p:style>
+          <a:lnRef idx="1">
+            <a:schemeClr val="accent1"/>
+          </a:lnRef>
+          <a:fillRef idx="0">
+            <a:schemeClr val="accent1"/>
+          </a:fillRef>
+          <a:effectRef idx="0">
+            <a:schemeClr val="accent1"/>
+          </a:effectRef>
+          <a:fontRef idx="minor">
+            <a:schemeClr val="tx1"/>
+          </a:fontRef>
+        </p:style>
+      </p:cxnSp>
+      <p:sp>
+        <p:nvSpPr>
+          <p:cNvPr id="9" name="Content Placeholder 8">
+            <a:extLst>
+              <a:ext uri="{FF2B5EF4-FFF2-40B4-BE49-F238E27FC236}">
+                <a16:creationId xmlns:a16="http://schemas.microsoft.com/office/drawing/2014/main" id="{822B7238-F257-FB43-828C-01781C2C5B08}"/>
+              </a:ext>
+            </a:extLst>
+          </p:cNvPr>
+          <p:cNvSpPr>
+            <a:spLocks noGrp="1"/>
+          </p:cNvSpPr>
+          <p:nvPr>
+            <p:ph sz="half" idx="1"/>
+          </p:nvPr>
+        </p:nvSpPr>
+        <p:spPr>
+          <a:xfrm>
+            <a:off x="4976030" y="963507"/>
+            <a:ext cx="6250940" cy="2304627"/>
+          </a:xfrm>
+        </p:spPr>
+        <p:txBody>
+          <a:bodyPr anchor="b">
+            <a:normAutofit/>
+          </a:bodyPr>
+          <a:lstStyle/>
+          <a:p>
+            <a:r>
+              <a:rPr lang="en-US" sz="2000"/>
               <a:t>Solution</a:t>
             </a:r>
           </a:p>
@@ -20769,7 +24962,7 @@
 </p:sld>
 </file>
 
-<file path=ppt/slides/slide8.xml><?xml version="1.0" encoding="utf-8"?>
+<file path=ppt/slides/slide9.xml><?xml version="1.0" encoding="utf-8"?>
 <p:sld xmlns:a="http://schemas.openxmlformats.org/drawingml/2006/main" xmlns:r="http://schemas.openxmlformats.org/officeDocument/2006/relationships" xmlns:p="http://schemas.openxmlformats.org/presentationml/2006/main">
   <p:cSld>
     <p:bg>
@@ -21074,298 +25267,6 @@
     <p:extLst>
       <p:ext uri="{BB962C8B-B14F-4D97-AF65-F5344CB8AC3E}">
         <p14:creationId xmlns:p14="http://schemas.microsoft.com/office/powerpoint/2010/main" val="4045712975"/>
-      </p:ext>
-    </p:extLst>
-  </p:cSld>
-  <p:clrMapOvr>
-    <a:masterClrMapping/>
-  </p:clrMapOvr>
-</p:sld>
-</file>
-
-<file path=ppt/slides/slide9.xml><?xml version="1.0" encoding="utf-8"?>
-<p:sld xmlns:a="http://schemas.openxmlformats.org/drawingml/2006/main" xmlns:r="http://schemas.openxmlformats.org/officeDocument/2006/relationships" xmlns:p="http://schemas.openxmlformats.org/presentationml/2006/main">
-  <p:cSld>
-    <p:bg>
-      <p:bgPr>
-        <a:solidFill>
-          <a:schemeClr val="bg1"/>
-        </a:solidFill>
-        <a:effectLst/>
-      </p:bgPr>
-    </p:bg>
-    <p:spTree>
-      <p:nvGrpSpPr>
-        <p:cNvPr id="1" name=""/>
-        <p:cNvGrpSpPr/>
-        <p:nvPr/>
-      </p:nvGrpSpPr>
-      <p:grpSpPr>
-        <a:xfrm>
-          <a:off x="0" y="0"/>
-          <a:ext cx="0" cy="0"/>
-          <a:chOff x="0" y="0"/>
-          <a:chExt cx="0" cy="0"/>
-        </a:xfrm>
-      </p:grpSpPr>
-      <p:sp>
-        <p:nvSpPr>
-          <p:cNvPr id="9" name="Rectangle 10">
-            <a:extLst>
-              <a:ext uri="{FF2B5EF4-FFF2-40B4-BE49-F238E27FC236}">
-                <a16:creationId xmlns:a16="http://schemas.microsoft.com/office/drawing/2014/main" id="{ACBE1851-2230-47A9-B000-CE9046EA61B9}"/>
-              </a:ext>
-              <a:ext uri="{C183D7F6-B498-43B3-948B-1728B52AA6E4}">
-                <adec:decorative xmlns:adec="http://schemas.microsoft.com/office/drawing/2017/decorative" val="1"/>
-              </a:ext>
-            </a:extLst>
-          </p:cNvPr>
-          <p:cNvSpPr>
-            <a:spLocks noGrp="1" noRot="1" noChangeAspect="1" noMove="1" noResize="1" noEditPoints="1" noAdjustHandles="1" noChangeArrowheads="1" noChangeShapeType="1" noTextEdit="1"/>
-          </p:cNvSpPr>
-          <p:nvPr>
-            <p:extLst>
-              <p:ext uri="{386F3935-93C4-4BCD-93E2-E3B085C9AB24}">
-                <p16:designElem xmlns:p16="http://schemas.microsoft.com/office/powerpoint/2015/main" val="1"/>
-              </p:ext>
-            </p:extLst>
-          </p:nvPr>
-        </p:nvSpPr>
-        <p:spPr>
-          <a:xfrm>
-            <a:off x="0" y="0"/>
-            <a:ext cx="5468548" cy="6858000"/>
-          </a:xfrm>
-          <a:prstGeom prst="rect">
-            <a:avLst/>
-          </a:prstGeom>
-          <a:solidFill>
-            <a:schemeClr val="accent1"/>
-          </a:solidFill>
-          <a:ln>
-            <a:noFill/>
-          </a:ln>
-        </p:spPr>
-        <p:style>
-          <a:lnRef idx="2">
-            <a:schemeClr val="accent1">
-              <a:shade val="50000"/>
-            </a:schemeClr>
-          </a:lnRef>
-          <a:fillRef idx="1">
-            <a:schemeClr val="accent1"/>
-          </a:fillRef>
-          <a:effectRef idx="0">
-            <a:schemeClr val="accent1"/>
-          </a:effectRef>
-          <a:fontRef idx="minor">
-            <a:schemeClr val="lt1"/>
-          </a:fontRef>
-        </p:style>
-        <p:txBody>
-          <a:bodyPr rtlCol="0" anchor="ctr"/>
-          <a:lstStyle/>
-          <a:p>
-            <a:pPr algn="ctr"/>
-            <a:endParaRPr lang="en-US"/>
-          </a:p>
-        </p:txBody>
-      </p:sp>
-      <p:sp>
-        <p:nvSpPr>
-          <p:cNvPr id="2" name="Title 1">
-            <a:extLst>
-              <a:ext uri="{FF2B5EF4-FFF2-40B4-BE49-F238E27FC236}">
-                <a16:creationId xmlns:a16="http://schemas.microsoft.com/office/drawing/2014/main" id="{B5040152-28F9-7444-89A0-095C405443C7}"/>
-              </a:ext>
-            </a:extLst>
-          </p:cNvPr>
-          <p:cNvSpPr>
-            <a:spLocks noGrp="1"/>
-          </p:cNvSpPr>
-          <p:nvPr>
-            <p:ph type="ctrTitle"/>
-          </p:nvPr>
-        </p:nvSpPr>
-        <p:spPr>
-          <a:xfrm>
-            <a:off x="634276" y="803705"/>
-            <a:ext cx="4208656" cy="3034857"/>
-          </a:xfrm>
-        </p:spPr>
-        <p:txBody>
-          <a:bodyPr anchor="b">
-            <a:normAutofit/>
-          </a:bodyPr>
-          <a:lstStyle/>
-          <a:p>
-            <a:pPr algn="r"/>
-            <a:r>
-              <a:rPr lang="en-US" sz="3800">
-                <a:solidFill>
-                  <a:srgbClr val="FFFFFF"/>
-                </a:solidFill>
-                <a:latin typeface="+mn-lt"/>
-              </a:rPr>
-              <a:t>Acknowledgements</a:t>
-            </a:r>
-          </a:p>
-        </p:txBody>
-      </p:sp>
-      <p:sp>
-        <p:nvSpPr>
-          <p:cNvPr id="6" name="Content Placeholder 5">
-            <a:extLst>
-              <a:ext uri="{FF2B5EF4-FFF2-40B4-BE49-F238E27FC236}">
-                <a16:creationId xmlns:a16="http://schemas.microsoft.com/office/drawing/2014/main" id="{FA727CD3-55BD-D94B-8A6B-E11856D2FEB1}"/>
-              </a:ext>
-            </a:extLst>
-          </p:cNvPr>
-          <p:cNvSpPr>
-            <a:spLocks noGrp="1"/>
-          </p:cNvSpPr>
-          <p:nvPr>
-            <p:ph type="subTitle" idx="1"/>
-          </p:nvPr>
-        </p:nvSpPr>
-        <p:spPr>
-          <a:xfrm>
-            <a:off x="638921" y="4013165"/>
-            <a:ext cx="4204012" cy="2205732"/>
-          </a:xfrm>
-        </p:spPr>
-        <p:txBody>
-          <a:bodyPr anchor="t">
-            <a:normAutofit/>
-          </a:bodyPr>
-          <a:lstStyle/>
-          <a:p>
-            <a:pPr algn="r"/>
-            <a:r>
-              <a:rPr lang="en-US" sz="1800" dirty="0">
-                <a:solidFill>
-                  <a:srgbClr val="FFFFFF"/>
-                </a:solidFill>
-              </a:rPr>
-              <a:t>Emma Bell, PhD</a:t>
-            </a:r>
-          </a:p>
-          <a:p>
-            <a:pPr algn="r"/>
-            <a:r>
-              <a:rPr lang="en-US" sz="1800" dirty="0" err="1">
-                <a:solidFill>
-                  <a:srgbClr val="FFFFFF"/>
-                </a:solidFill>
-              </a:rPr>
-              <a:t>emma.bell@uhnresearch.ca</a:t>
-            </a:r>
-            <a:endParaRPr lang="en-US" sz="1800" dirty="0">
-              <a:solidFill>
-                <a:srgbClr val="FFFFFF"/>
-              </a:solidFill>
-            </a:endParaRPr>
-          </a:p>
-          <a:p>
-            <a:pPr algn="r"/>
-            <a:r>
-              <a:rPr lang="en-US" sz="1800" dirty="0">
-                <a:solidFill>
-                  <a:srgbClr val="FFFFFF"/>
-                </a:solidFill>
-              </a:rPr>
-              <a:t>@emmabell42</a:t>
-            </a:r>
-          </a:p>
-        </p:txBody>
-      </p:sp>
-      <p:cxnSp>
-        <p:nvCxnSpPr>
-          <p:cNvPr id="13" name="Straight Connector 12">
-            <a:extLst>
-              <a:ext uri="{FF2B5EF4-FFF2-40B4-BE49-F238E27FC236}">
-                <a16:creationId xmlns:a16="http://schemas.microsoft.com/office/drawing/2014/main" id="{23B93832-6514-44F4-849B-5EE2C8A2337D}"/>
-              </a:ext>
-              <a:ext uri="{C183D7F6-B498-43B3-948B-1728B52AA6E4}">
-                <adec:decorative xmlns:adec="http://schemas.microsoft.com/office/drawing/2017/decorative" val="1"/>
-              </a:ext>
-            </a:extLst>
-          </p:cNvPr>
-          <p:cNvCxnSpPr>
-            <a:cxnSpLocks noGrp="1" noRot="1" noChangeAspect="1" noMove="1" noResize="1" noEditPoints="1" noAdjustHandles="1" noChangeArrowheads="1" noChangeShapeType="1"/>
-          </p:cNvCxnSpPr>
-          <p:nvPr>
-            <p:extLst>
-              <p:ext uri="{386F3935-93C4-4BCD-93E2-E3B085C9AB24}">
-                <p16:designElem xmlns:p16="http://schemas.microsoft.com/office/powerpoint/2015/main" val="1"/>
-              </p:ext>
-            </p:extLst>
-          </p:nvPr>
-        </p:nvCxnSpPr>
-        <p:spPr>
-          <a:xfrm>
-            <a:off x="786679" y="3928939"/>
-            <a:ext cx="3931920" cy="0"/>
-          </a:xfrm>
-          <a:prstGeom prst="line">
-            <a:avLst/>
-          </a:prstGeom>
-          <a:ln w="19050">
-            <a:solidFill>
-              <a:srgbClr val="FFFFFF">
-                <a:alpha val="80000"/>
-              </a:srgbClr>
-            </a:solidFill>
-          </a:ln>
-        </p:spPr>
-        <p:style>
-          <a:lnRef idx="1">
-            <a:schemeClr val="accent1"/>
-          </a:lnRef>
-          <a:fillRef idx="0">
-            <a:schemeClr val="accent1"/>
-          </a:fillRef>
-          <a:effectRef idx="0">
-            <a:schemeClr val="accent1"/>
-          </a:effectRef>
-          <a:fontRef idx="minor">
-            <a:schemeClr val="tx1"/>
-          </a:fontRef>
-        </p:style>
-      </p:cxnSp>
-      <p:pic>
-        <p:nvPicPr>
-          <p:cNvPr id="5" name="Picture 4" descr="A close up of a logo&#10;&#10;Description automatically generated">
-            <a:extLst>
-              <a:ext uri="{FF2B5EF4-FFF2-40B4-BE49-F238E27FC236}">
-                <a16:creationId xmlns:a16="http://schemas.microsoft.com/office/drawing/2014/main" id="{AD4CF828-A3F8-2A4D-ADCD-E60C952B33FC}"/>
-              </a:ext>
-            </a:extLst>
-          </p:cNvPr>
-          <p:cNvPicPr>
-            <a:picLocks noChangeAspect="1"/>
-          </p:cNvPicPr>
-          <p:nvPr/>
-        </p:nvPicPr>
-        <p:blipFill rotWithShape="1">
-          <a:blip r:embed="rId2"/>
-          <a:srcRect t="78120" r="51731"/>
-          <a:stretch/>
-        </p:blipFill>
-        <p:spPr>
-          <a:xfrm>
-            <a:off x="6260123" y="4826848"/>
-            <a:ext cx="5459470" cy="1392049"/>
-          </a:xfrm>
-          <a:prstGeom prst="rect">
-            <a:avLst/>
-          </a:prstGeom>
-        </p:spPr>
-      </p:pic>
-    </p:spTree>
-    <p:extLst>
-      <p:ext uri="{BB962C8B-B14F-4D97-AF65-F5344CB8AC3E}">
-        <p14:creationId xmlns:p14="http://schemas.microsoft.com/office/powerpoint/2010/main" val="2436109398"/>
       </p:ext>
     </p:extLst>
   </p:cSld>
